--- a/FPOO/aula 18/Programação Orientada a Objetos POO.pptx
+++ b/FPOO/aula 18/Programação Orientada a Objetos POO.pptx
@@ -5,14 +5,13 @@
     <p:sldMasterId id="2147483648" r:id="rId1"/>
   </p:sldMasterIdLst>
   <p:sldIdLst>
-    <p:sldId id="256" r:id="rId2"/>
-    <p:sldId id="263" r:id="rId3"/>
-    <p:sldId id="257" r:id="rId4"/>
-    <p:sldId id="258" r:id="rId5"/>
-    <p:sldId id="259" r:id="rId6"/>
-    <p:sldId id="260" r:id="rId7"/>
-    <p:sldId id="261" r:id="rId8"/>
-    <p:sldId id="262" r:id="rId9"/>
+    <p:sldId id="257" r:id="rId2"/>
+    <p:sldId id="258" r:id="rId3"/>
+    <p:sldId id="263" r:id="rId4"/>
+    <p:sldId id="259" r:id="rId5"/>
+    <p:sldId id="260" r:id="rId6"/>
+    <p:sldId id="261" r:id="rId7"/>
+    <p:sldId id="262" r:id="rId8"/>
   </p:sldIdLst>
   <p:sldSz cx="12192000" cy="6858000"/>
   <p:notesSz cx="6858000" cy="9144000"/>
@@ -142,6 +141,13 @@
         <p:blipFill>
           <a:blip r:embed="rId2">
             <a:alphaModFix amt="30000"/>
+            <a:duotone>
+              <a:prstClr val="black"/>
+              <a:schemeClr val="tx2">
+                <a:tint val="45000"/>
+                <a:satMod val="400000"/>
+              </a:schemeClr>
+            </a:duotone>
             <a:extLst>
               <a:ext uri="{28A0092B-C50C-407E-A947-70E740481C1C}">
                 <a14:useLocalDpi xmlns:a14="http://schemas.microsoft.com/office/drawing/2010/main" val="0"/>
@@ -192,9 +198,8 @@
                 <a:schemeClr val="tx2"/>
               </a:gs>
               <a:gs pos="100000">
-                <a:schemeClr val="bg2">
-                  <a:lumMod val="60000"/>
-                  <a:lumOff val="40000"/>
+                <a:schemeClr val="tx2">
+                  <a:lumMod val="50000"/>
                 </a:schemeClr>
               </a:gs>
             </a:gsLst>
@@ -4390,7 +4395,7 @@
           <a:p>
             <a:fld id="{48A87A34-81AB-432B-8DAE-1953F412C126}" type="datetimeFigureOut">
               <a:rPr lang="en-US" dirty="0"/>
-              <a:t>11/22/2023</a:t>
+              <a:t>11/24/2023</a:t>
             </a:fld>
             <a:endParaRPr lang="en-US" dirty="0"/>
           </a:p>
@@ -4630,7 +4635,7 @@
             <a:pPr lvl="0"/>
             <a:r>
               <a:rPr lang="pt-BR"/>
-              <a:t>Editar estilos de texto Mestre</a:t>
+              <a:t>Clique para editar os estilos de texto Mestres</a:t>
             </a:r>
           </a:p>
         </p:txBody>
@@ -4652,7 +4657,7 @@
           <a:p>
             <a:fld id="{48A87A34-81AB-432B-8DAE-1953F412C126}" type="datetimeFigureOut">
               <a:rPr lang="en-US" dirty="0"/>
-              <a:t>11/22/2023</a:t>
+              <a:t>11/24/2023</a:t>
             </a:fld>
             <a:endParaRPr lang="en-US" dirty="0"/>
           </a:p>
@@ -4821,7 +4826,7 @@
             <a:pPr lvl="0"/>
             <a:r>
               <a:rPr lang="pt-BR"/>
-              <a:t>Editar estilos de texto Mestre</a:t>
+              <a:t>Clique para editar os estilos de texto Mestres</a:t>
             </a:r>
           </a:p>
         </p:txBody>
@@ -4843,7 +4848,7 @@
           <a:p>
             <a:fld id="{48A87A34-81AB-432B-8DAE-1953F412C126}" type="datetimeFigureOut">
               <a:rPr lang="en-US" dirty="0"/>
-              <a:t>11/22/2023</a:t>
+              <a:t>11/24/2023</a:t>
             </a:fld>
             <a:endParaRPr lang="en-US" dirty="0"/>
           </a:p>
@@ -5012,7 +5017,7 @@
             <a:pPr lvl="0"/>
             <a:r>
               <a:rPr lang="pt-BR"/>
-              <a:t>Editar estilos de texto Mestre</a:t>
+              <a:t>Clique para editar os estilos de texto Mestres</a:t>
             </a:r>
           </a:p>
         </p:txBody>
@@ -5079,7 +5084,7 @@
             <a:pPr lvl="0"/>
             <a:r>
               <a:rPr lang="pt-BR"/>
-              <a:t>Editar estilos de texto Mestre</a:t>
+              <a:t>Clique para editar os estilos de texto Mestres</a:t>
             </a:r>
           </a:p>
         </p:txBody>
@@ -5101,7 +5106,7 @@
           <a:p>
             <a:fld id="{48A87A34-81AB-432B-8DAE-1953F412C126}" type="datetimeFigureOut">
               <a:rPr lang="en-US" dirty="0"/>
-              <a:t>11/22/2023</a:t>
+              <a:t>11/24/2023</a:t>
             </a:fld>
             <a:endParaRPr lang="en-US" dirty="0"/>
           </a:p>
@@ -5508,7 +5513,7 @@
             <a:pPr lvl="0"/>
             <a:r>
               <a:rPr lang="pt-BR"/>
-              <a:t>Editar estilos de texto Mestre</a:t>
+              <a:t>Clique para editar os estilos de texto Mestres</a:t>
             </a:r>
           </a:p>
         </p:txBody>
@@ -5530,7 +5535,7 @@
           <a:p>
             <a:fld id="{48A87A34-81AB-432B-8DAE-1953F412C126}" type="datetimeFigureOut">
               <a:rPr lang="en-US" dirty="0"/>
-              <a:t>11/22/2023</a:t>
+              <a:t>11/24/2023</a:t>
             </a:fld>
             <a:endParaRPr lang="en-US" dirty="0"/>
           </a:p>
@@ -5700,7 +5705,7 @@
             <a:pPr lvl="0"/>
             <a:r>
               <a:rPr lang="pt-BR"/>
-              <a:t>Editar estilos de texto Mestre</a:t>
+              <a:t>Clique para editar os estilos de texto Mestres</a:t>
             </a:r>
           </a:p>
         </p:txBody>
@@ -5767,7 +5772,7 @@
             <a:pPr lvl="0"/>
             <a:r>
               <a:rPr lang="pt-BR"/>
-              <a:t>Editar estilos de texto Mestre</a:t>
+              <a:t>Clique para editar os estilos de texto Mestres</a:t>
             </a:r>
           </a:p>
         </p:txBody>
@@ -5841,7 +5846,7 @@
             <a:pPr lvl="0"/>
             <a:r>
               <a:rPr lang="pt-BR"/>
-              <a:t>Editar estilos de texto Mestre</a:t>
+              <a:t>Clique para editar os estilos de texto Mestres</a:t>
             </a:r>
           </a:p>
         </p:txBody>
@@ -5908,7 +5913,7 @@
             <a:pPr lvl="0"/>
             <a:r>
               <a:rPr lang="pt-BR"/>
-              <a:t>Editar estilos de texto Mestre</a:t>
+              <a:t>Clique para editar os estilos de texto Mestres</a:t>
             </a:r>
           </a:p>
         </p:txBody>
@@ -5982,7 +5987,7 @@
             <a:pPr lvl="0"/>
             <a:r>
               <a:rPr lang="pt-BR"/>
-              <a:t>Editar estilos de texto Mestre</a:t>
+              <a:t>Clique para editar os estilos de texto Mestres</a:t>
             </a:r>
           </a:p>
         </p:txBody>
@@ -6049,7 +6054,7 @@
             <a:pPr lvl="0"/>
             <a:r>
               <a:rPr lang="pt-BR"/>
-              <a:t>Editar estilos de texto Mestre</a:t>
+              <a:t>Clique para editar os estilos de texto Mestres</a:t>
             </a:r>
           </a:p>
         </p:txBody>
@@ -6071,7 +6076,7 @@
           <a:p>
             <a:fld id="{48A87A34-81AB-432B-8DAE-1953F412C126}" type="datetimeFigureOut">
               <a:rPr lang="en-US" dirty="0"/>
-              <a:t>11/22/2023</a:t>
+              <a:t>11/24/2023</a:t>
             </a:fld>
             <a:endParaRPr lang="en-US" dirty="0"/>
           </a:p>
@@ -6241,7 +6246,7 @@
             <a:pPr lvl="0"/>
             <a:r>
               <a:rPr lang="pt-BR"/>
-              <a:t>Editar estilos de texto Mestre</a:t>
+              <a:t>Clique para editar os estilos de texto Mestres</a:t>
             </a:r>
           </a:p>
         </p:txBody>
@@ -6366,7 +6371,7 @@
             <a:pPr lvl="0"/>
             <a:r>
               <a:rPr lang="pt-BR"/>
-              <a:t>Editar estilos de texto Mestre</a:t>
+              <a:t>Clique para editar os estilos de texto Mestres</a:t>
             </a:r>
           </a:p>
         </p:txBody>
@@ -6440,7 +6445,7 @@
             <a:pPr lvl="0"/>
             <a:r>
               <a:rPr lang="pt-BR"/>
-              <a:t>Editar estilos de texto Mestre</a:t>
+              <a:t>Clique para editar os estilos de texto Mestres</a:t>
             </a:r>
           </a:p>
         </p:txBody>
@@ -6565,7 +6570,7 @@
             <a:pPr lvl="0"/>
             <a:r>
               <a:rPr lang="pt-BR"/>
-              <a:t>Editar estilos de texto Mestre</a:t>
+              <a:t>Clique para editar os estilos de texto Mestres</a:t>
             </a:r>
           </a:p>
         </p:txBody>
@@ -6639,7 +6644,7 @@
             <a:pPr lvl="0"/>
             <a:r>
               <a:rPr lang="pt-BR"/>
-              <a:t>Editar estilos de texto Mestre</a:t>
+              <a:t>Clique para editar os estilos de texto Mestres</a:t>
             </a:r>
           </a:p>
         </p:txBody>
@@ -6764,7 +6769,7 @@
             <a:pPr lvl="0"/>
             <a:r>
               <a:rPr lang="pt-BR"/>
-              <a:t>Editar estilos de texto Mestre</a:t>
+              <a:t>Clique para editar os estilos de texto Mestres</a:t>
             </a:r>
           </a:p>
         </p:txBody>
@@ -6786,7 +6791,7 @@
           <a:p>
             <a:fld id="{48A87A34-81AB-432B-8DAE-1953F412C126}" type="datetimeFigureOut">
               <a:rPr lang="en-US" dirty="0"/>
-              <a:t>11/22/2023</a:t>
+              <a:t>11/24/2023</a:t>
             </a:fld>
             <a:endParaRPr lang="en-US" dirty="0"/>
           </a:p>
@@ -6900,7 +6905,7 @@
             <a:pPr lvl="0"/>
             <a:r>
               <a:rPr lang="pt-BR"/>
-              <a:t>Editar estilos de texto Mestre</a:t>
+              <a:t>Clique para editar os estilos de texto Mestres</a:t>
             </a:r>
           </a:p>
           <a:p>
@@ -6951,7 +6956,7 @@
           <a:p>
             <a:fld id="{48A87A34-81AB-432B-8DAE-1953F412C126}" type="datetimeFigureOut">
               <a:rPr lang="en-US" dirty="0"/>
-              <a:t>11/22/2023</a:t>
+              <a:t>11/24/2023</a:t>
             </a:fld>
             <a:endParaRPr lang="en-US" dirty="0"/>
           </a:p>
@@ -7075,7 +7080,7 @@
             <a:pPr lvl="0"/>
             <a:r>
               <a:rPr lang="pt-BR"/>
-              <a:t>Editar estilos de texto Mestre</a:t>
+              <a:t>Clique para editar os estilos de texto Mestres</a:t>
             </a:r>
           </a:p>
           <a:p>
@@ -7126,7 +7131,7 @@
           <a:p>
             <a:fld id="{48A87A34-81AB-432B-8DAE-1953F412C126}" type="datetimeFigureOut">
               <a:rPr lang="en-US" dirty="0"/>
-              <a:t>11/22/2023</a:t>
+              <a:t>11/24/2023</a:t>
             </a:fld>
             <a:endParaRPr lang="en-US" dirty="0"/>
           </a:p>
@@ -7240,7 +7245,7 @@
             <a:pPr lvl="0"/>
             <a:r>
               <a:rPr lang="pt-BR"/>
-              <a:t>Editar estilos de texto Mestre</a:t>
+              <a:t>Clique para editar os estilos de texto Mestres</a:t>
             </a:r>
           </a:p>
           <a:p>
@@ -7291,7 +7296,7 @@
           <a:p>
             <a:fld id="{48A87A34-81AB-432B-8DAE-1953F412C126}" type="datetimeFigureOut">
               <a:rPr lang="en-US" dirty="0"/>
-              <a:t>11/22/2023</a:t>
+              <a:t>11/24/2023</a:t>
             </a:fld>
             <a:endParaRPr lang="en-US" dirty="0"/>
           </a:p>
@@ -7514,7 +7519,7 @@
             <a:pPr lvl="0"/>
             <a:r>
               <a:rPr lang="pt-BR"/>
-              <a:t>Editar estilos de texto Mestre</a:t>
+              <a:t>Clique para editar os estilos de texto Mestres</a:t>
             </a:r>
           </a:p>
         </p:txBody>
@@ -7536,7 +7541,7 @@
           <a:p>
             <a:fld id="{48A87A34-81AB-432B-8DAE-1953F412C126}" type="datetimeFigureOut">
               <a:rPr lang="en-US" dirty="0"/>
-              <a:t>11/22/2023</a:t>
+              <a:t>11/24/2023</a:t>
             </a:fld>
             <a:endParaRPr lang="en-US" dirty="0"/>
           </a:p>
@@ -7655,7 +7660,7 @@
             <a:pPr lvl="0"/>
             <a:r>
               <a:rPr lang="pt-BR"/>
-              <a:t>Editar estilos de texto Mestre</a:t>
+              <a:t>Clique para editar os estilos de texto Mestres</a:t>
             </a:r>
           </a:p>
           <a:p>
@@ -7712,7 +7717,7 @@
             <a:pPr lvl="0"/>
             <a:r>
               <a:rPr lang="pt-BR"/>
-              <a:t>Editar estilos de texto Mestre</a:t>
+              <a:t>Clique para editar os estilos de texto Mestres</a:t>
             </a:r>
           </a:p>
           <a:p>
@@ -7763,7 +7768,7 @@
           <a:p>
             <a:fld id="{48A87A34-81AB-432B-8DAE-1953F412C126}" type="datetimeFigureOut">
               <a:rPr lang="en-US" dirty="0"/>
-              <a:t>11/22/2023</a:t>
+              <a:t>11/24/2023</a:t>
             </a:fld>
             <a:endParaRPr lang="en-US" dirty="0"/>
           </a:p>
@@ -7931,7 +7936,7 @@
             <a:pPr lvl="0"/>
             <a:r>
               <a:rPr lang="pt-BR"/>
-              <a:t>Editar estilos de texto Mestre</a:t>
+              <a:t>Clique para editar os estilos de texto Mestres</a:t>
             </a:r>
           </a:p>
         </p:txBody>
@@ -7959,7 +7964,7 @@
             <a:pPr lvl="0"/>
             <a:r>
               <a:rPr lang="pt-BR"/>
-              <a:t>Editar estilos de texto Mestre</a:t>
+              <a:t>Clique para editar os estilos de texto Mestres</a:t>
             </a:r>
           </a:p>
           <a:p>
@@ -8060,7 +8065,7 @@
             <a:pPr lvl="0"/>
             <a:r>
               <a:rPr lang="pt-BR"/>
-              <a:t>Editar estilos de texto Mestre</a:t>
+              <a:t>Clique para editar os estilos de texto Mestres</a:t>
             </a:r>
           </a:p>
         </p:txBody>
@@ -8088,7 +8093,7 @@
             <a:pPr lvl="0"/>
             <a:r>
               <a:rPr lang="pt-BR"/>
-              <a:t>Editar estilos de texto Mestre</a:t>
+              <a:t>Clique para editar os estilos de texto Mestres</a:t>
             </a:r>
           </a:p>
           <a:p>
@@ -8139,7 +8144,7 @@
           <a:p>
             <a:fld id="{48A87A34-81AB-432B-8DAE-1953F412C126}" type="datetimeFigureOut">
               <a:rPr lang="en-US" dirty="0"/>
-              <a:t>11/22/2023</a:t>
+              <a:t>11/24/2023</a:t>
             </a:fld>
             <a:endParaRPr lang="en-US" dirty="0"/>
           </a:p>
@@ -8252,7 +8257,7 @@
           <a:p>
             <a:fld id="{48A87A34-81AB-432B-8DAE-1953F412C126}" type="datetimeFigureOut">
               <a:rPr lang="en-US" dirty="0"/>
-              <a:t>11/22/2023</a:t>
+              <a:t>11/24/2023</a:t>
             </a:fld>
             <a:endParaRPr lang="en-US" dirty="0"/>
           </a:p>
@@ -8342,7 +8347,7 @@
           <a:p>
             <a:fld id="{48A87A34-81AB-432B-8DAE-1953F412C126}" type="datetimeFigureOut">
               <a:rPr lang="en-US" dirty="0"/>
-              <a:t>11/22/2023</a:t>
+              <a:t>11/24/2023</a:t>
             </a:fld>
             <a:endParaRPr lang="en-US" dirty="0"/>
           </a:p>
@@ -8470,7 +8475,7 @@
             <a:pPr lvl="0"/>
             <a:r>
               <a:rPr lang="pt-BR"/>
-              <a:t>Editar estilos de texto Mestre</a:t>
+              <a:t>Clique para editar os estilos de texto Mestres</a:t>
             </a:r>
           </a:p>
           <a:p>
@@ -8564,7 +8569,7 @@
             <a:pPr lvl="0"/>
             <a:r>
               <a:rPr lang="pt-BR"/>
-              <a:t>Editar estilos de texto Mestre</a:t>
+              <a:t>Clique para editar os estilos de texto Mestres</a:t>
             </a:r>
           </a:p>
         </p:txBody>
@@ -8586,7 +8591,7 @@
           <a:p>
             <a:fld id="{48A87A34-81AB-432B-8DAE-1953F412C126}" type="datetimeFigureOut">
               <a:rPr lang="en-US" dirty="0"/>
-              <a:t>11/22/2023</a:t>
+              <a:t>11/24/2023</a:t>
             </a:fld>
             <a:endParaRPr lang="en-US" dirty="0"/>
           </a:p>
@@ -8839,7 +8844,7 @@
             <a:pPr lvl="0"/>
             <a:r>
               <a:rPr lang="pt-BR"/>
-              <a:t>Editar estilos de texto Mestre</a:t>
+              <a:t>Clique para editar os estilos de texto Mestres</a:t>
             </a:r>
           </a:p>
         </p:txBody>
@@ -8861,7 +8866,7 @@
           <a:p>
             <a:fld id="{48A87A34-81AB-432B-8DAE-1953F412C126}" type="datetimeFigureOut">
               <a:rPr lang="en-US" dirty="0"/>
-              <a:t>11/22/2023</a:t>
+              <a:t>11/24/2023</a:t>
             </a:fld>
             <a:endParaRPr lang="en-US" dirty="0"/>
           </a:p>
@@ -8950,6 +8955,13 @@
         <p:blipFill>
           <a:blip r:embed="rId19">
             <a:alphaModFix amt="30000"/>
+            <a:duotone>
+              <a:prstClr val="black"/>
+              <a:schemeClr val="tx2">
+                <a:tint val="45000"/>
+                <a:satMod val="400000"/>
+              </a:schemeClr>
+            </a:duotone>
             <a:extLst>
               <a:ext uri="{28A0092B-C50C-407E-A947-70E740481C1C}">
                 <a14:useLocalDpi xmlns:a14="http://schemas.microsoft.com/office/drawing/2010/main" val="0"/>
@@ -8994,6 +9006,20 @@
             <a:chOff x="-14288" y="0"/>
             <a:chExt cx="12053888" cy="6858001"/>
           </a:xfrm>
+          <a:gradFill flip="none" rotWithShape="1">
+            <a:gsLst>
+              <a:gs pos="0">
+                <a:schemeClr val="tx2"/>
+              </a:gs>
+              <a:gs pos="100000">
+                <a:schemeClr val="tx2">
+                  <a:lumMod val="50000"/>
+                </a:schemeClr>
+              </a:gs>
+            </a:gsLst>
+            <a:lin ang="5400000" scaled="0"/>
+            <a:tileRect/>
+          </a:gradFill>
         </p:grpSpPr>
         <p:grpSp>
           <p:nvGrpSpPr>
@@ -9008,21 +9034,7 @@
               <a:chOff x="-14288" y="0"/>
               <a:chExt cx="1220788" cy="6858001"/>
             </a:xfrm>
-            <a:gradFill flip="none" rotWithShape="1">
-              <a:gsLst>
-                <a:gs pos="0">
-                  <a:schemeClr val="tx2"/>
-                </a:gs>
-                <a:gs pos="100000">
-                  <a:schemeClr val="bg2">
-                    <a:lumMod val="60000"/>
-                    <a:lumOff val="40000"/>
-                  </a:schemeClr>
-                </a:gs>
-              </a:gsLst>
-              <a:lin ang="5400000" scaled="0"/>
-              <a:tileRect/>
-            </a:gradFill>
+            <a:grpFill/>
           </p:grpSpPr>
           <p:sp>
             <p:nvSpPr>
@@ -11011,24 +11023,7 @@
               <a:chOff x="11364912" y="0"/>
               <a:chExt cx="674688" cy="6848476"/>
             </a:xfrm>
-            <a:gradFill flip="none" rotWithShape="1">
-              <a:gsLst>
-                <a:gs pos="0">
-                  <a:schemeClr val="tx2">
-                    <a:alpha val="80000"/>
-                  </a:schemeClr>
-                </a:gs>
-                <a:gs pos="100000">
-                  <a:schemeClr val="bg2">
-                    <a:lumMod val="60000"/>
-                    <a:lumOff val="40000"/>
-                    <a:alpha val="60000"/>
-                  </a:schemeClr>
-                </a:gs>
-              </a:gsLst>
-              <a:lin ang="5400000" scaled="0"/>
-              <a:tileRect/>
-            </a:gradFill>
+            <a:grpFill/>
           </p:grpSpPr>
           <p:sp>
             <p:nvSpPr>
@@ -11864,7 +11859,7 @@
             <a:pPr lvl="0"/>
             <a:r>
               <a:rPr lang="pt-BR"/>
-              <a:t>Editar estilos de texto Mestre</a:t>
+              <a:t>Clique para editar os estilos de texto Mestres</a:t>
             </a:r>
           </a:p>
           <a:p>
@@ -11934,7 +11929,7 @@
             <a:fld id="{48A87A34-81AB-432B-8DAE-1953F412C126}" type="datetimeFigureOut">
               <a:rPr lang="en-US" dirty="0"/>
               <a:pPr/>
-              <a:t>11/22/2023</a:t>
+              <a:t>11/24/2023</a:t>
             </a:fld>
             <a:endParaRPr lang="en-US" dirty="0"/>
           </a:p>
@@ -12355,7 +12350,7 @@
           <p:cNvPr id="2" name="Título 1">
             <a:extLst>
               <a:ext uri="{FF2B5EF4-FFF2-40B4-BE49-F238E27FC236}">
-                <a16:creationId xmlns:a16="http://schemas.microsoft.com/office/drawing/2014/main" id="{43D478A5-7F18-4654-9D58-FD101DFE2DE1}"/>
+                <a16:creationId xmlns:a16="http://schemas.microsoft.com/office/drawing/2014/main" id="{C546E195-BBFD-1B29-68BB-08C8D92BEA84}"/>
               </a:ext>
             </a:extLst>
           </p:cNvPr>
@@ -12363,33 +12358,36 @@
             <a:spLocks noGrp="1"/>
           </p:cNvSpPr>
           <p:nvPr>
-            <p:ph type="ctrTitle"/>
+            <p:ph type="title"/>
           </p:nvPr>
         </p:nvSpPr>
         <p:spPr>
           <a:xfrm>
-            <a:off x="1876424" y="1122363"/>
-            <a:ext cx="8791575" cy="1604795"/>
+            <a:off x="1141413" y="272716"/>
+            <a:ext cx="9905998" cy="1824372"/>
           </a:xfrm>
         </p:spPr>
         <p:txBody>
-          <a:bodyPr/>
+          <a:bodyPr>
+            <a:normAutofit/>
+          </a:bodyPr>
           <a:lstStyle/>
           <a:p>
-            <a:r>
-              <a:rPr lang="pt-BR" b="1" dirty="0"/>
+            <a:pPr algn="ctr"/>
+            <a:r>
+              <a:rPr lang="pt-BR" sz="4000" b="1" dirty="0"/>
               <a:t>O que é Programação Orientada a Objetos (POO)?</a:t>
             </a:r>
-            <a:endParaRPr lang="pt-BR" dirty="0"/>
+            <a:endParaRPr lang="pt-BR" sz="4000" dirty="0"/>
           </a:p>
         </p:txBody>
       </p:sp>
       <p:sp>
         <p:nvSpPr>
-          <p:cNvPr id="3" name="Subtítulo 2">
+          <p:cNvPr id="3" name="Espaço Reservado para Conteúdo 2">
             <a:extLst>
               <a:ext uri="{FF2B5EF4-FFF2-40B4-BE49-F238E27FC236}">
-                <a16:creationId xmlns:a16="http://schemas.microsoft.com/office/drawing/2014/main" id="{AF7B9F69-2678-4425-B14B-A88318826326}"/>
+                <a16:creationId xmlns:a16="http://schemas.microsoft.com/office/drawing/2014/main" id="{36339015-D9D3-2F62-2FDF-129B7FE949D0}"/>
               </a:ext>
             </a:extLst>
           </p:cNvPr>
@@ -12397,48 +12395,51 @@
             <a:spLocks noGrp="1"/>
           </p:cNvSpPr>
           <p:nvPr>
-            <p:ph type="subTitle" idx="1"/>
+            <p:ph idx="1"/>
           </p:nvPr>
         </p:nvSpPr>
         <p:spPr>
           <a:xfrm>
-            <a:off x="1411704" y="2951748"/>
-            <a:ext cx="9962149" cy="2855163"/>
+            <a:off x="1141412" y="2249486"/>
+            <a:ext cx="9905999" cy="3989995"/>
           </a:xfrm>
         </p:spPr>
         <p:txBody>
           <a:bodyPr>
-            <a:noAutofit/>
+            <a:normAutofit fontScale="85000" lnSpcReduction="20000"/>
           </a:bodyPr>
           <a:lstStyle/>
           <a:p>
             <a:r>
-              <a:rPr lang="pt-BR" sz="2400" dirty="0"/>
+              <a:rPr lang="pt-BR" sz="4000" dirty="0"/>
               <a:t>A POO é um paradigma de programação que se baseia na concepção de "objetos". Esses objetos são instâncias de classes, que servem como modelos para a criação de estruturas de dados e funcionalidades. Em </a:t>
             </a:r>
             <a:r>
-              <a:rPr lang="pt-BR" sz="2400" dirty="0" err="1"/>
+              <a:rPr lang="pt-BR" sz="4000" dirty="0" err="1"/>
               <a:t>JavaScript</a:t>
             </a:r>
             <a:r>
-              <a:rPr lang="pt-BR" sz="2400" dirty="0"/>
+              <a:rPr lang="pt-BR" sz="4000" dirty="0"/>
               <a:t>, a POO é implementada usando protótipos e, mais recentemente, com a introdução das classes no </a:t>
             </a:r>
             <a:r>
-              <a:rPr lang="pt-BR" sz="2400" dirty="0" err="1"/>
+              <a:rPr lang="pt-BR" sz="4000" dirty="0" err="1"/>
               <a:t>ECMAScript</a:t>
             </a:r>
             <a:r>
-              <a:rPr lang="pt-BR" sz="2400" dirty="0"/>
+              <a:rPr lang="pt-BR" sz="4000" dirty="0"/>
               <a:t> 2015.</a:t>
             </a:r>
+          </a:p>
+          <a:p>
+            <a:endParaRPr lang="pt-BR" dirty="0"/>
           </a:p>
         </p:txBody>
       </p:sp>
     </p:spTree>
     <p:extLst>
       <p:ext uri="{BB962C8B-B14F-4D97-AF65-F5344CB8AC3E}">
-        <p14:creationId xmlns:p14="http://schemas.microsoft.com/office/powerpoint/2010/main" val="2403237129"/>
+        <p14:creationId xmlns:p14="http://schemas.microsoft.com/office/powerpoint/2010/main" val="781431314"/>
       </p:ext>
     </p:extLst>
   </p:cSld>
@@ -12470,7 +12471,7 @@
           <p:cNvPr id="2" name="Título 1">
             <a:extLst>
               <a:ext uri="{FF2B5EF4-FFF2-40B4-BE49-F238E27FC236}">
-                <a16:creationId xmlns:a16="http://schemas.microsoft.com/office/drawing/2014/main" id="{61378E9F-416D-4C3B-92B9-4DAA106B7A91}"/>
+                <a16:creationId xmlns:a16="http://schemas.microsoft.com/office/drawing/2014/main" id="{49963D43-2847-CD9D-F217-B054B72871B8}"/>
               </a:ext>
             </a:extLst>
           </p:cNvPr>
@@ -12481,21 +12482,23 @@
             <p:ph type="title"/>
           </p:nvPr>
         </p:nvSpPr>
-        <p:spPr>
-          <a:xfrm>
-            <a:off x="1141413" y="245097"/>
-            <a:ext cx="9905998" cy="1187777"/>
-          </a:xfrm>
-        </p:spPr>
+        <p:spPr/>
         <p:txBody>
-          <a:bodyPr/>
+          <a:bodyPr>
+            <a:normAutofit/>
+          </a:bodyPr>
           <a:lstStyle/>
           <a:p>
             <a:pPr algn="ctr"/>
             <a:r>
-              <a:rPr lang="pt-BR" dirty="0"/>
-              <a:t>RESUMO:</a:t>
-            </a:r>
+              <a:rPr lang="pt-BR" sz="4000" b="1" dirty="0"/>
+              <a:t>Classes em </a:t>
+            </a:r>
+            <a:r>
+              <a:rPr lang="pt-BR" sz="4000" b="1" dirty="0" err="1"/>
+              <a:t>JavaScript</a:t>
+            </a:r>
+            <a:endParaRPr lang="pt-BR" sz="4000" dirty="0"/>
           </a:p>
         </p:txBody>
       </p:sp>
@@ -12504,7 +12507,7 @@
           <p:cNvPr id="3" name="Espaço Reservado para Conteúdo 2">
             <a:extLst>
               <a:ext uri="{FF2B5EF4-FFF2-40B4-BE49-F238E27FC236}">
-                <a16:creationId xmlns:a16="http://schemas.microsoft.com/office/drawing/2014/main" id="{892447DF-3494-48A7-9054-AC1B8F67D290}"/>
+                <a16:creationId xmlns:a16="http://schemas.microsoft.com/office/drawing/2014/main" id="{408438E2-12EF-EC5C-3910-68DE37EA94B1}"/>
               </a:ext>
             </a:extLst>
           </p:cNvPr>
@@ -12517,23 +12520,35 @@
         </p:nvSpPr>
         <p:spPr>
           <a:xfrm>
-            <a:off x="1141412" y="1432874"/>
-            <a:ext cx="9905999" cy="4358327"/>
+            <a:off x="1141413" y="1967854"/>
+            <a:ext cx="9905999" cy="4271628"/>
           </a:xfrm>
         </p:spPr>
         <p:txBody>
           <a:bodyPr>
-            <a:normAutofit lnSpcReduction="10000"/>
+            <a:noAutofit/>
           </a:bodyPr>
           <a:lstStyle/>
           <a:p>
             <a:r>
-              <a:rPr lang="pt-BR" u="sng" dirty="0">
-                <a:solidFill>
-                  <a:schemeClr val="tx2"/>
-                </a:solidFill>
-              </a:rPr>
-              <a:t>A Programação Orientada a Objetos (POO) é um paradigma de programação que organiza o código em torno de "objetos", que podem conter dados na forma de atributos e procedimentos na forma de métodos. Essa abordagem se baseia na modelagem do mundo real, onde objetos são entidades que têm características específicas e interagem entre si. Principais conceitos da POO incluem encapsulamento, herança e polimorfismo. Em POO, o código é estruturado em classes, que são modelos para a criação de objetos, promovendo a reutilização de código e facilitando a manutenção do software. Essa abordagem proporciona modularidade, flexibilidade e facilita a compreensão do código, tornando-o mais eficiente e organizado.</a:t>
+              <a:rPr lang="pt-BR" sz="4000" dirty="0"/>
+              <a:t>As classes em </a:t>
+            </a:r>
+            <a:r>
+              <a:rPr lang="pt-BR" sz="4000" dirty="0" err="1"/>
+              <a:t>JavaScript</a:t>
+            </a:r>
+            <a:r>
+              <a:rPr lang="pt-BR" sz="4000" dirty="0"/>
+              <a:t> são uma adição mais recente à linguagem, proporcionando uma sintaxe mais clara e familiar para a criação de objetos. Vamos dar uma olhada em um exemplo simples de uma classe em </a:t>
+            </a:r>
+            <a:r>
+              <a:rPr lang="pt-BR" sz="4000" dirty="0" err="1"/>
+              <a:t>JavaScript</a:t>
+            </a:r>
+            <a:r>
+              <a:rPr lang="pt-BR" sz="4000" dirty="0"/>
+              <a:t>:</a:t>
             </a:r>
           </a:p>
         </p:txBody>
@@ -12541,7 +12556,7 @@
     </p:spTree>
     <p:extLst>
       <p:ext uri="{BB962C8B-B14F-4D97-AF65-F5344CB8AC3E}">
-        <p14:creationId xmlns:p14="http://schemas.microsoft.com/office/powerpoint/2010/main" val="534500766"/>
+        <p14:creationId xmlns:p14="http://schemas.microsoft.com/office/powerpoint/2010/main" val="4045921253"/>
       </p:ext>
     </p:extLst>
   </p:cSld>
@@ -12570,119 +12585,255 @@
       </p:grpSpPr>
       <p:sp>
         <p:nvSpPr>
-          <p:cNvPr id="2" name="Título 1">
+          <p:cNvPr id="3" name="CaixaDeTexto 2">
             <a:extLst>
               <a:ext uri="{FF2B5EF4-FFF2-40B4-BE49-F238E27FC236}">
-                <a16:creationId xmlns:a16="http://schemas.microsoft.com/office/drawing/2014/main" id="{1FEE1500-53FB-479E-A2E2-D8E3772A30BF}"/>
+                <a16:creationId xmlns:a16="http://schemas.microsoft.com/office/drawing/2014/main" id="{DB8124C1-6359-EC25-BAD6-E34BC3024687}"/>
               </a:ext>
             </a:extLst>
           </p:cNvPr>
-          <p:cNvSpPr>
-            <a:spLocks noGrp="1"/>
-          </p:cNvSpPr>
-          <p:nvPr>
-            <p:ph type="title"/>
-          </p:nvPr>
-        </p:nvSpPr>
-        <p:spPr/>
-        <p:txBody>
-          <a:bodyPr/>
-          <a:lstStyle/>
-          <a:p>
-            <a:r>
-              <a:rPr lang="pt-BR" b="1" dirty="0"/>
-              <a:t>Classes em </a:t>
-            </a:r>
-            <a:r>
-              <a:rPr lang="pt-BR" b="1" dirty="0" err="1"/>
-              <a:t>JavaScript</a:t>
-            </a:r>
-            <a:r>
-              <a:rPr lang="pt-BR" b="1" dirty="0"/>
-              <a:t>:</a:t>
-            </a:r>
-            <a:endParaRPr lang="pt-BR" dirty="0"/>
-          </a:p>
-        </p:txBody>
-      </p:sp>
-      <p:sp>
-        <p:nvSpPr>
-          <p:cNvPr id="3" name="Espaço Reservado para Conteúdo 2">
-            <a:extLst>
-              <a:ext uri="{FF2B5EF4-FFF2-40B4-BE49-F238E27FC236}">
-                <a16:creationId xmlns:a16="http://schemas.microsoft.com/office/drawing/2014/main" id="{D2293692-26B0-432E-A674-5521C0287491}"/>
-              </a:ext>
-            </a:extLst>
-          </p:cNvPr>
-          <p:cNvSpPr>
-            <a:spLocks noGrp="1"/>
-          </p:cNvSpPr>
-          <p:nvPr>
-            <p:ph idx="1"/>
-          </p:nvPr>
+          <p:cNvSpPr txBox="1"/>
+          <p:nvPr/>
         </p:nvSpPr>
         <p:spPr>
           <a:xfrm>
-            <a:off x="1199982" y="2341869"/>
-            <a:ext cx="9905998" cy="3897613"/>
+            <a:off x="3043990" y="582067"/>
+            <a:ext cx="6104020" cy="5693866"/>
           </a:xfrm>
+          <a:prstGeom prst="rect">
+            <a:avLst/>
+          </a:prstGeom>
+          <a:noFill/>
         </p:spPr>
         <p:txBody>
-          <a:bodyPr>
-            <a:normAutofit/>
+          <a:bodyPr wrap="square">
+            <a:spAutoFit/>
           </a:bodyPr>
           <a:lstStyle/>
           <a:p>
             <a:r>
-              <a:rPr lang="pt-BR" sz="4000" dirty="0">
+              <a:rPr lang="pt-BR" sz="2800" dirty="0" err="1">
                 <a:solidFill>
-                  <a:schemeClr val="tx2"/>
+                  <a:srgbClr val="00B0F0"/>
                 </a:solidFill>
               </a:rPr>
-              <a:t>As classes em </a:t>
-            </a:r>
-            <a:r>
-              <a:rPr lang="pt-BR" sz="4000" dirty="0" err="1">
+              <a:t>class</a:t>
+            </a:r>
+            <a:r>
+              <a:rPr lang="pt-BR" sz="2800" dirty="0"/>
+              <a:t> </a:t>
+            </a:r>
+            <a:r>
+              <a:rPr lang="pt-BR" sz="2800" dirty="0">
                 <a:solidFill>
-                  <a:schemeClr val="tx2"/>
+                  <a:srgbClr val="FF0000"/>
                 </a:solidFill>
               </a:rPr>
-              <a:t>JavaScript</a:t>
-            </a:r>
-            <a:r>
-              <a:rPr lang="pt-BR" sz="4000" dirty="0">
+              <a:t>Animal </a:t>
+            </a:r>
+            <a:r>
+              <a:rPr lang="pt-BR" sz="2800" dirty="0"/>
+              <a:t>{</a:t>
+            </a:r>
+          </a:p>
+          <a:p>
+            <a:r>
+              <a:rPr lang="pt-BR" sz="2800" dirty="0"/>
+              <a:t>  </a:t>
+            </a:r>
+            <a:r>
+              <a:rPr lang="pt-BR" sz="2800" dirty="0" err="1">
                 <a:solidFill>
-                  <a:schemeClr val="tx2"/>
+                  <a:srgbClr val="FF0000"/>
                 </a:solidFill>
               </a:rPr>
-              <a:t> são uma adição mais recente à linguagem, proporcionando uma sintaxe mais clara e familiar para a criação de objetos. Vamos dar uma olhada em um exemplo simples de uma classe em </a:t>
-            </a:r>
-            <a:r>
-              <a:rPr lang="pt-BR" sz="4000" dirty="0" err="1">
+              <a:t>constructor</a:t>
+            </a:r>
+            <a:r>
+              <a:rPr lang="pt-BR" sz="2800" dirty="0"/>
+              <a:t>(nome) {</a:t>
+            </a:r>
+          </a:p>
+          <a:p>
+            <a:r>
+              <a:rPr lang="pt-BR" sz="2800" dirty="0"/>
+              <a:t>    </a:t>
+            </a:r>
+            <a:r>
+              <a:rPr lang="pt-BR" sz="2800" dirty="0" err="1">
                 <a:solidFill>
-                  <a:schemeClr val="tx2"/>
+                  <a:srgbClr val="FFFF00"/>
                 </a:solidFill>
               </a:rPr>
-              <a:t>JavaScript</a:t>
-            </a:r>
-            <a:r>
-              <a:rPr lang="pt-BR" sz="4000" dirty="0">
+              <a:t>this</a:t>
+            </a:r>
+            <a:r>
+              <a:rPr lang="pt-BR" sz="2800" dirty="0" err="1"/>
+              <a:t>.nome</a:t>
+            </a:r>
+            <a:r>
+              <a:rPr lang="pt-BR" sz="2800" dirty="0"/>
+              <a:t> = nome;</a:t>
+            </a:r>
+          </a:p>
+          <a:p>
+            <a:r>
+              <a:rPr lang="pt-BR" sz="2800" dirty="0"/>
+              <a:t>  }</a:t>
+            </a:r>
+          </a:p>
+          <a:p>
+            <a:endParaRPr lang="pt-BR" sz="2800" dirty="0"/>
+          </a:p>
+          <a:p>
+            <a:r>
+              <a:rPr lang="pt-BR" sz="2800" dirty="0"/>
+              <a:t>  </a:t>
+            </a:r>
+            <a:r>
+              <a:rPr lang="pt-BR" sz="2800" dirty="0" err="1">
                 <a:solidFill>
-                  <a:schemeClr val="tx2"/>
+                  <a:srgbClr val="FF0000"/>
                 </a:solidFill>
               </a:rPr>
-              <a:t>:</a:t>
-            </a:r>
-          </a:p>
-          <a:p>
-            <a:endParaRPr lang="pt-BR" dirty="0"/>
+              <a:t>emitirSom</a:t>
+            </a:r>
+            <a:r>
+              <a:rPr lang="pt-BR" sz="2800" dirty="0"/>
+              <a:t>() {</a:t>
+            </a:r>
+          </a:p>
+          <a:p>
+            <a:r>
+              <a:rPr lang="pt-BR" sz="2800" dirty="0"/>
+              <a:t>    console.</a:t>
+            </a:r>
+            <a:r>
+              <a:rPr lang="pt-BR" sz="2800" dirty="0">
+                <a:solidFill>
+                  <a:srgbClr val="FF0000"/>
+                </a:solidFill>
+              </a:rPr>
+              <a:t>log</a:t>
+            </a:r>
+            <a:r>
+              <a:rPr lang="pt-BR" sz="2800" dirty="0"/>
+              <a:t>(</a:t>
+            </a:r>
+            <a:r>
+              <a:rPr lang="pt-BR" sz="2800" dirty="0">
+                <a:solidFill>
+                  <a:srgbClr val="00B050"/>
+                </a:solidFill>
+              </a:rPr>
+              <a:t>"Fazendo barulho!"</a:t>
+            </a:r>
+            <a:r>
+              <a:rPr lang="pt-BR" sz="2800" dirty="0"/>
+              <a:t>);</a:t>
+            </a:r>
+          </a:p>
+          <a:p>
+            <a:r>
+              <a:rPr lang="pt-BR" sz="2800" dirty="0"/>
+              <a:t>  }</a:t>
+            </a:r>
+          </a:p>
+          <a:p>
+            <a:r>
+              <a:rPr lang="pt-BR" sz="2800" dirty="0"/>
+              <a:t>}</a:t>
+            </a:r>
+          </a:p>
+          <a:p>
+            <a:endParaRPr lang="pt-BR" sz="2800" dirty="0"/>
+          </a:p>
+          <a:p>
+            <a:r>
+              <a:rPr lang="pt-BR" sz="2800" dirty="0" err="1">
+                <a:solidFill>
+                  <a:srgbClr val="00B0F0"/>
+                </a:solidFill>
+              </a:rPr>
+              <a:t>const</a:t>
+            </a:r>
+            <a:r>
+              <a:rPr lang="pt-BR" sz="2800" dirty="0">
+                <a:solidFill>
+                  <a:schemeClr val="bg2"/>
+                </a:solidFill>
+              </a:rPr>
+              <a:t> </a:t>
+            </a:r>
+            <a:r>
+              <a:rPr lang="pt-BR" sz="2800" dirty="0" err="1"/>
+              <a:t>meuAnimal</a:t>
+            </a:r>
+            <a:r>
+              <a:rPr lang="pt-BR" sz="2800" dirty="0"/>
+              <a:t> = </a:t>
+            </a:r>
+            <a:r>
+              <a:rPr lang="pt-BR" sz="2800" dirty="0">
+                <a:solidFill>
+                  <a:srgbClr val="00B0F0"/>
+                </a:solidFill>
+              </a:rPr>
+              <a:t>new</a:t>
+            </a:r>
+            <a:r>
+              <a:rPr lang="pt-BR" sz="2800" dirty="0"/>
+              <a:t> </a:t>
+            </a:r>
+            <a:r>
+              <a:rPr lang="pt-BR" sz="2800" dirty="0">
+                <a:solidFill>
+                  <a:srgbClr val="FF0000"/>
+                </a:solidFill>
+              </a:rPr>
+              <a:t>Animal</a:t>
+            </a:r>
+            <a:r>
+              <a:rPr lang="pt-BR" sz="2800" dirty="0"/>
+              <a:t>(</a:t>
+            </a:r>
+            <a:r>
+              <a:rPr lang="pt-BR" sz="2800" dirty="0">
+                <a:solidFill>
+                  <a:srgbClr val="00B050"/>
+                </a:solidFill>
+              </a:rPr>
+              <a:t>"Cachorro"</a:t>
+            </a:r>
+            <a:r>
+              <a:rPr lang="pt-BR" sz="2800" dirty="0"/>
+              <a:t>);</a:t>
+            </a:r>
+          </a:p>
+          <a:p>
+            <a:r>
+              <a:rPr lang="pt-BR" sz="2800" dirty="0" err="1"/>
+              <a:t>meuAnimal.</a:t>
+            </a:r>
+            <a:r>
+              <a:rPr lang="pt-BR" sz="2800" dirty="0" err="1">
+                <a:solidFill>
+                  <a:srgbClr val="FF0000"/>
+                </a:solidFill>
+              </a:rPr>
+              <a:t>emitirSom</a:t>
+            </a:r>
+            <a:r>
+              <a:rPr lang="pt-BR" sz="2800" dirty="0"/>
+              <a:t>();</a:t>
+            </a:r>
           </a:p>
         </p:txBody>
       </p:sp>
     </p:spTree>
     <p:extLst>
       <p:ext uri="{BB962C8B-B14F-4D97-AF65-F5344CB8AC3E}">
-        <p14:creationId xmlns:p14="http://schemas.microsoft.com/office/powerpoint/2010/main" val="187847993"/>
+        <p14:creationId xmlns:p14="http://schemas.microsoft.com/office/powerpoint/2010/main" val="2227909124"/>
       </p:ext>
     </p:extLst>
   </p:cSld>
@@ -12714,7 +12865,7 @@
           <p:cNvPr id="2" name="Título 1">
             <a:extLst>
               <a:ext uri="{FF2B5EF4-FFF2-40B4-BE49-F238E27FC236}">
-                <a16:creationId xmlns:a16="http://schemas.microsoft.com/office/drawing/2014/main" id="{6C226F0E-FBA2-4237-9C97-CFD63B0C1AEF}"/>
+                <a16:creationId xmlns:a16="http://schemas.microsoft.com/office/drawing/2014/main" id="{A9B2337F-CE9E-3F66-31AB-30D91D5B6DD6}"/>
               </a:ext>
             </a:extLst>
           </p:cNvPr>
@@ -12725,15 +12876,28 @@
             <p:ph type="title"/>
           </p:nvPr>
         </p:nvSpPr>
-        <p:spPr/>
+        <p:spPr>
+          <a:xfrm>
+            <a:off x="1141413" y="681788"/>
+            <a:ext cx="9905998" cy="1427747"/>
+          </a:xfrm>
+        </p:spPr>
         <p:txBody>
-          <a:bodyPr/>
+          <a:bodyPr>
+            <a:normAutofit/>
+          </a:bodyPr>
           <a:lstStyle/>
           <a:p>
-            <a:r>
-              <a:rPr lang="pt-BR" dirty="0"/>
-              <a:t>.</a:t>
-            </a:r>
+            <a:pPr algn="ctr"/>
+            <a:r>
+              <a:rPr lang="pt-BR" sz="4000" b="1" dirty="0"/>
+              <a:t>Classes Anônimas em </a:t>
+            </a:r>
+            <a:r>
+              <a:rPr lang="pt-BR" sz="4000" b="1" dirty="0" err="1"/>
+              <a:t>JavaScript</a:t>
+            </a:r>
+            <a:endParaRPr lang="pt-BR" sz="4000" dirty="0"/>
           </a:p>
         </p:txBody>
       </p:sp>
@@ -12742,7 +12906,7 @@
           <p:cNvPr id="3" name="Espaço Reservado para Conteúdo 2">
             <a:extLst>
               <a:ext uri="{FF2B5EF4-FFF2-40B4-BE49-F238E27FC236}">
-                <a16:creationId xmlns:a16="http://schemas.microsoft.com/office/drawing/2014/main" id="{E932BD88-75E4-4628-ACDB-42F2043B470C}"/>
+                <a16:creationId xmlns:a16="http://schemas.microsoft.com/office/drawing/2014/main" id="{41E54008-7914-4C6F-48C5-7015D5393A51}"/>
               </a:ext>
             </a:extLst>
           </p:cNvPr>
@@ -12755,246 +12919,17 @@
         </p:nvSpPr>
         <p:spPr>
           <a:xfrm>
-            <a:off x="1141412" y="414780"/>
-            <a:ext cx="9905999" cy="6372520"/>
+            <a:off x="1141412" y="2229853"/>
+            <a:ext cx="9905999" cy="3946359"/>
           </a:xfrm>
         </p:spPr>
         <p:txBody>
-          <a:bodyPr>
-            <a:normAutofit fontScale="70000" lnSpcReduction="20000"/>
-          </a:bodyPr>
+          <a:bodyPr/>
           <a:lstStyle/>
           <a:p>
             <a:r>
-              <a:rPr lang="pt-BR" sz="3200" dirty="0" err="1">
-                <a:solidFill>
-                  <a:schemeClr val="bg2">
-                    <a:lumMod val="20000"/>
-                    <a:lumOff val="80000"/>
-                  </a:schemeClr>
-                </a:solidFill>
-              </a:rPr>
-              <a:t>class</a:t>
-            </a:r>
-            <a:r>
-              <a:rPr lang="pt-BR" sz="3200" dirty="0"/>
-              <a:t> </a:t>
-            </a:r>
-            <a:r>
-              <a:rPr lang="pt-BR" sz="3200" dirty="0">
-                <a:solidFill>
-                  <a:srgbClr val="FF0000"/>
-                </a:solidFill>
-              </a:rPr>
-              <a:t>Animal </a:t>
-            </a:r>
-            <a:r>
-              <a:rPr lang="pt-BR" sz="3200" dirty="0"/>
-              <a:t>{</a:t>
-            </a:r>
-          </a:p>
-          <a:p>
-            <a:r>
-              <a:rPr lang="pt-BR" sz="3200" dirty="0"/>
-              <a:t>  </a:t>
-            </a:r>
-            <a:r>
-              <a:rPr lang="pt-BR" sz="3200" dirty="0" err="1">
-                <a:solidFill>
-                  <a:srgbClr val="FF0000"/>
-                </a:solidFill>
-              </a:rPr>
-              <a:t>constructor</a:t>
-            </a:r>
-            <a:r>
-              <a:rPr lang="pt-BR" sz="3200" dirty="0"/>
-              <a:t>(nome) {</a:t>
-            </a:r>
-          </a:p>
-          <a:p>
-            <a:r>
-              <a:rPr lang="pt-BR" sz="3200" dirty="0"/>
-              <a:t>    </a:t>
-            </a:r>
-            <a:r>
-              <a:rPr lang="pt-BR" sz="3200" dirty="0" err="1">
-                <a:solidFill>
-                  <a:srgbClr val="7030A0"/>
-                </a:solidFill>
-              </a:rPr>
-              <a:t>this</a:t>
-            </a:r>
-            <a:r>
-              <a:rPr lang="pt-BR" sz="3200" dirty="0" err="1"/>
-              <a:t>.nome</a:t>
-            </a:r>
-            <a:r>
-              <a:rPr lang="pt-BR" sz="3200" dirty="0"/>
-              <a:t> = nome;</a:t>
-            </a:r>
-          </a:p>
-          <a:p>
-            <a:r>
-              <a:rPr lang="pt-BR" sz="3200" dirty="0"/>
-              <a:t>  }</a:t>
-            </a:r>
-          </a:p>
-          <a:p>
-            <a:endParaRPr lang="pt-BR" sz="3200" dirty="0"/>
-          </a:p>
-          <a:p>
-            <a:r>
-              <a:rPr lang="pt-BR" sz="3200" dirty="0"/>
-              <a:t>  </a:t>
-            </a:r>
-            <a:r>
-              <a:rPr lang="pt-BR" sz="3200" dirty="0" err="1">
-                <a:solidFill>
-                  <a:srgbClr val="FF0000"/>
-                </a:solidFill>
-              </a:rPr>
-              <a:t>emitirSom</a:t>
-            </a:r>
-            <a:r>
-              <a:rPr lang="pt-BR" sz="3200" dirty="0"/>
-              <a:t>() {</a:t>
-            </a:r>
-          </a:p>
-          <a:p>
-            <a:r>
-              <a:rPr lang="pt-BR" sz="3200" dirty="0"/>
-              <a:t>    console</a:t>
-            </a:r>
-            <a:r>
-              <a:rPr lang="pt-BR" sz="3200" dirty="0">
-                <a:solidFill>
-                  <a:srgbClr val="FF0000"/>
-                </a:solidFill>
-              </a:rPr>
-              <a:t>.log</a:t>
-            </a:r>
-            <a:r>
-              <a:rPr lang="pt-BR" sz="3200" dirty="0"/>
-              <a:t>(</a:t>
-            </a:r>
-            <a:r>
-              <a:rPr lang="pt-BR" sz="3200" dirty="0">
-                <a:solidFill>
-                  <a:srgbClr val="00B050"/>
-                </a:solidFill>
-              </a:rPr>
-              <a:t>"Fazendo barulho!"</a:t>
-            </a:r>
-            <a:r>
-              <a:rPr lang="pt-BR" sz="3200" dirty="0"/>
-              <a:t>);</a:t>
-            </a:r>
-          </a:p>
-          <a:p>
-            <a:r>
-              <a:rPr lang="pt-BR" sz="3200" dirty="0"/>
-              <a:t>  }</a:t>
-            </a:r>
-          </a:p>
-          <a:p>
-            <a:r>
-              <a:rPr lang="pt-BR" sz="3200" dirty="0"/>
-              <a:t>}</a:t>
-            </a:r>
-          </a:p>
-          <a:p>
-            <a:endParaRPr lang="pt-BR" sz="3200" dirty="0"/>
-          </a:p>
-          <a:p>
-            <a:r>
-              <a:rPr lang="pt-BR" sz="3200" dirty="0"/>
-              <a:t>// Criando uma instância da classe Animal</a:t>
-            </a:r>
-          </a:p>
-          <a:p>
-            <a:r>
-              <a:rPr lang="pt-BR" sz="3200" dirty="0" err="1">
-                <a:solidFill>
-                  <a:schemeClr val="bg2">
-                    <a:lumMod val="20000"/>
-                    <a:lumOff val="80000"/>
-                  </a:schemeClr>
-                </a:solidFill>
-              </a:rPr>
-              <a:t>const</a:t>
-            </a:r>
-            <a:r>
-              <a:rPr lang="pt-BR" sz="3200" dirty="0">
-                <a:solidFill>
-                  <a:schemeClr val="bg2"/>
-                </a:solidFill>
-              </a:rPr>
-              <a:t> </a:t>
-            </a:r>
-            <a:r>
-              <a:rPr lang="pt-BR" sz="3200" dirty="0" err="1"/>
-              <a:t>meuAnimal</a:t>
-            </a:r>
-            <a:r>
-              <a:rPr lang="pt-BR" sz="3200" dirty="0"/>
-              <a:t> = </a:t>
-            </a:r>
-            <a:r>
-              <a:rPr lang="pt-BR" sz="3200" dirty="0">
-                <a:solidFill>
-                  <a:schemeClr val="bg2">
-                    <a:lumMod val="20000"/>
-                    <a:lumOff val="80000"/>
-                  </a:schemeClr>
-                </a:solidFill>
-              </a:rPr>
-              <a:t>new</a:t>
-            </a:r>
-            <a:r>
-              <a:rPr lang="pt-BR" sz="3200" dirty="0"/>
-              <a:t> </a:t>
-            </a:r>
-            <a:r>
-              <a:rPr lang="pt-BR" sz="3200" dirty="0">
-                <a:solidFill>
-                  <a:srgbClr val="FF0000"/>
-                </a:solidFill>
-              </a:rPr>
-              <a:t>Animal</a:t>
-            </a:r>
-            <a:r>
-              <a:rPr lang="pt-BR" sz="3200" dirty="0"/>
-              <a:t>(</a:t>
-            </a:r>
-            <a:r>
-              <a:rPr lang="pt-BR" sz="3200" dirty="0">
-                <a:solidFill>
-                  <a:srgbClr val="00B050"/>
-                </a:solidFill>
-              </a:rPr>
-              <a:t>"Cachorro"</a:t>
-            </a:r>
-            <a:r>
-              <a:rPr lang="pt-BR" sz="3200" dirty="0"/>
-              <a:t>);</a:t>
-            </a:r>
-          </a:p>
-          <a:p>
-            <a:r>
-              <a:rPr lang="pt-BR" sz="3200" dirty="0" err="1"/>
-              <a:t>meuAnimal.</a:t>
-            </a:r>
-            <a:r>
-              <a:rPr lang="pt-BR" sz="3200" dirty="0" err="1">
-                <a:solidFill>
-                  <a:srgbClr val="FF0000"/>
-                </a:solidFill>
-              </a:rPr>
-              <a:t>emitirSom</a:t>
-            </a:r>
-            <a:r>
-              <a:rPr lang="pt-BR" sz="3200" dirty="0"/>
-              <a:t>();</a:t>
+              <a:rPr lang="pt-BR" sz="4000" dirty="0"/>
+              <a:t>Classes anônimas são aquelas que não têm um nome identificador. Elas são úteis quando você precisa de uma classe temporária. Veja um exemplo:</a:t>
             </a:r>
           </a:p>
           <a:p>
@@ -13005,7 +12940,7 @@
     </p:spTree>
     <p:extLst>
       <p:ext uri="{BB962C8B-B14F-4D97-AF65-F5344CB8AC3E}">
-        <p14:creationId xmlns:p14="http://schemas.microsoft.com/office/powerpoint/2010/main" val="1041793094"/>
+        <p14:creationId xmlns:p14="http://schemas.microsoft.com/office/powerpoint/2010/main" val="3488249036"/>
       </p:ext>
     </p:extLst>
   </p:cSld>
@@ -13034,80 +12969,291 @@
       </p:grpSpPr>
       <p:sp>
         <p:nvSpPr>
-          <p:cNvPr id="2" name="Título 1">
+          <p:cNvPr id="3" name="CaixaDeTexto 2">
             <a:extLst>
               <a:ext uri="{FF2B5EF4-FFF2-40B4-BE49-F238E27FC236}">
-                <a16:creationId xmlns:a16="http://schemas.microsoft.com/office/drawing/2014/main" id="{8D5881DE-6582-4C01-BB46-017DB34A69E6}"/>
+                <a16:creationId xmlns:a16="http://schemas.microsoft.com/office/drawing/2014/main" id="{CFF57452-9B4C-76A4-A594-B7D52D991D3B}"/>
               </a:ext>
             </a:extLst>
           </p:cNvPr>
-          <p:cNvSpPr>
-            <a:spLocks noGrp="1"/>
-          </p:cNvSpPr>
-          <p:nvPr>
-            <p:ph type="title"/>
-          </p:nvPr>
+          <p:cNvSpPr txBox="1"/>
+          <p:nvPr/>
         </p:nvSpPr>
-        <p:spPr/>
+        <p:spPr>
+          <a:xfrm>
+            <a:off x="1852863" y="428178"/>
+            <a:ext cx="8486273" cy="6001643"/>
+          </a:xfrm>
+          <a:prstGeom prst="rect">
+            <a:avLst/>
+          </a:prstGeom>
+          <a:noFill/>
+        </p:spPr>
         <p:txBody>
-          <a:bodyPr/>
+          <a:bodyPr wrap="square">
+            <a:spAutoFit/>
+          </a:bodyPr>
           <a:lstStyle/>
           <a:p>
             <a:r>
-              <a:rPr lang="pt-BR" b="1" dirty="0"/>
-              <a:t>Classes Anônimas em </a:t>
-            </a:r>
-            <a:r>
-              <a:rPr lang="pt-BR" b="1" dirty="0" err="1"/>
-              <a:t>JavaScript</a:t>
-            </a:r>
-            <a:r>
-              <a:rPr lang="pt-BR" b="1" dirty="0"/>
-              <a:t>:</a:t>
-            </a:r>
-            <a:endParaRPr lang="pt-BR" dirty="0"/>
-          </a:p>
-        </p:txBody>
-      </p:sp>
-      <p:sp>
-        <p:nvSpPr>
-          <p:cNvPr id="3" name="Espaço Reservado para Conteúdo 2">
-            <a:extLst>
-              <a:ext uri="{FF2B5EF4-FFF2-40B4-BE49-F238E27FC236}">
-                <a16:creationId xmlns:a16="http://schemas.microsoft.com/office/drawing/2014/main" id="{29E7A46F-9195-4BF1-ADFA-6BD51B37CE77}"/>
-              </a:ext>
-            </a:extLst>
-          </p:cNvPr>
-          <p:cNvSpPr>
-            <a:spLocks noGrp="1"/>
-          </p:cNvSpPr>
-          <p:nvPr>
-            <p:ph idx="1"/>
-          </p:nvPr>
-        </p:nvSpPr>
-        <p:spPr/>
-        <p:txBody>
-          <a:bodyPr/>
-          <a:lstStyle/>
-          <a:p>
-            <a:r>
-              <a:rPr lang="pt-BR" sz="4000" dirty="0">
+              <a:rPr lang="pt-BR" sz="3200" dirty="0" err="1">
+                <a:solidFill>
+                  <a:srgbClr val="00B0F0"/>
+                </a:solidFill>
+              </a:rPr>
+              <a:t>const</a:t>
+            </a:r>
+            <a:r>
+              <a:rPr lang="pt-BR" sz="3200" dirty="0"/>
+              <a:t> </a:t>
+            </a:r>
+            <a:r>
+              <a:rPr lang="pt-BR" sz="3200" dirty="0">
+                <a:solidFill>
+                  <a:srgbClr val="FF0000"/>
+                </a:solidFill>
+              </a:rPr>
+              <a:t>Carro</a:t>
+            </a:r>
+            <a:r>
+              <a:rPr lang="pt-BR" sz="3200" dirty="0"/>
+              <a:t> = </a:t>
+            </a:r>
+            <a:r>
+              <a:rPr lang="pt-BR" sz="3200" dirty="0" err="1">
+                <a:solidFill>
+                  <a:srgbClr val="00B0F0"/>
+                </a:solidFill>
+              </a:rPr>
+              <a:t>class</a:t>
+            </a:r>
+            <a:r>
+              <a:rPr lang="pt-BR" sz="3200" dirty="0"/>
+              <a:t> {</a:t>
+            </a:r>
+          </a:p>
+          <a:p>
+            <a:r>
+              <a:rPr lang="pt-BR" sz="3200" dirty="0"/>
+              <a:t>  </a:t>
+            </a:r>
+            <a:r>
+              <a:rPr lang="pt-BR" sz="3200" dirty="0" err="1">
+                <a:solidFill>
+                  <a:srgbClr val="FF0000"/>
+                </a:solidFill>
+              </a:rPr>
+              <a:t>constructor</a:t>
+            </a:r>
+            <a:r>
+              <a:rPr lang="pt-BR" sz="3200" dirty="0"/>
+              <a:t>(marca) {</a:t>
+            </a:r>
+          </a:p>
+          <a:p>
+            <a:r>
+              <a:rPr lang="pt-BR" sz="3200" dirty="0">
+                <a:solidFill>
+                  <a:srgbClr val="7030A0"/>
+                </a:solidFill>
+              </a:rPr>
+              <a:t>   </a:t>
+            </a:r>
+            <a:r>
+              <a:rPr lang="pt-BR" sz="3200" dirty="0">
+                <a:solidFill>
+                  <a:srgbClr val="FFFF00"/>
+                </a:solidFill>
+              </a:rPr>
+              <a:t> </a:t>
+            </a:r>
+            <a:r>
+              <a:rPr lang="pt-BR" sz="3200" dirty="0" err="1">
+                <a:solidFill>
+                  <a:srgbClr val="FFFF00"/>
+                </a:solidFill>
+              </a:rPr>
+              <a:t>this</a:t>
+            </a:r>
+            <a:r>
+              <a:rPr lang="pt-BR" sz="3200" dirty="0" err="1"/>
+              <a:t>.marca</a:t>
+            </a:r>
+            <a:r>
+              <a:rPr lang="pt-BR" sz="3200" dirty="0"/>
+              <a:t> = marca;</a:t>
+            </a:r>
+          </a:p>
+          <a:p>
+            <a:r>
+              <a:rPr lang="pt-BR" sz="3200" dirty="0"/>
+              <a:t>  }</a:t>
+            </a:r>
+          </a:p>
+          <a:p>
+            <a:endParaRPr lang="pt-BR" sz="3200" dirty="0"/>
+          </a:p>
+          <a:p>
+            <a:r>
+              <a:rPr lang="pt-BR" sz="3200" dirty="0"/>
+              <a:t> </a:t>
+            </a:r>
+            <a:r>
+              <a:rPr lang="pt-BR" sz="3200" dirty="0">
+                <a:solidFill>
+                  <a:srgbClr val="FF0000"/>
+                </a:solidFill>
+              </a:rPr>
+              <a:t> dirigir</a:t>
+            </a:r>
+            <a:r>
+              <a:rPr lang="pt-BR" sz="3200" dirty="0"/>
+              <a:t>() {</a:t>
+            </a:r>
+          </a:p>
+          <a:p>
+            <a:r>
+              <a:rPr lang="pt-BR" sz="3200" dirty="0"/>
+              <a:t>    </a:t>
+            </a:r>
+            <a:r>
+              <a:rPr lang="pt-BR" sz="3200" dirty="0">
+                <a:solidFill>
+                  <a:srgbClr val="FFFF00"/>
+                </a:solidFill>
+              </a:rPr>
+              <a:t>console</a:t>
+            </a:r>
+            <a:r>
+              <a:rPr lang="pt-BR" sz="3200" dirty="0"/>
+              <a:t>.</a:t>
+            </a:r>
+            <a:r>
+              <a:rPr lang="pt-BR" sz="3200" dirty="0">
+                <a:solidFill>
+                  <a:srgbClr val="FF0000"/>
+                </a:solidFill>
+              </a:rPr>
+              <a:t>log</a:t>
+            </a:r>
+            <a:r>
+              <a:rPr lang="pt-BR" sz="3200" dirty="0"/>
+              <a:t>(</a:t>
+            </a:r>
+            <a:r>
+              <a:rPr lang="pt-BR" sz="3200" dirty="0">
+                <a:solidFill>
+                  <a:srgbClr val="00B050"/>
+                </a:solidFill>
+              </a:rPr>
+              <a:t>“Carro em movimento!”</a:t>
+            </a:r>
+            <a:r>
+              <a:rPr lang="pt-BR" sz="3200" dirty="0"/>
+              <a:t>);</a:t>
+            </a:r>
+          </a:p>
+          <a:p>
+            <a:r>
+              <a:rPr lang="pt-BR" sz="3200" dirty="0"/>
+              <a:t>  }</a:t>
+            </a:r>
+          </a:p>
+          <a:p>
+            <a:r>
+              <a:rPr lang="pt-BR" sz="3200" dirty="0"/>
+              <a:t>};</a:t>
+            </a:r>
+          </a:p>
+          <a:p>
+            <a:endParaRPr lang="pt-BR" sz="3200" dirty="0"/>
+          </a:p>
+          <a:p>
+            <a:r>
+              <a:rPr lang="pt-BR" sz="3200" dirty="0" err="1">
+                <a:solidFill>
+                  <a:srgbClr val="00B0F0"/>
+                </a:solidFill>
+              </a:rPr>
+              <a:t>const</a:t>
+            </a:r>
+            <a:r>
+              <a:rPr lang="pt-BR" sz="3200" dirty="0">
                 <a:solidFill>
                   <a:schemeClr val="tx2"/>
                 </a:solidFill>
               </a:rPr>
-              <a:t>Classes anônimas são aquelas que não têm um nome identificador. Elas são úteis quando você precisa de uma classe temporária. Veja um exemplo:</a:t>
-            </a:r>
-          </a:p>
-          <a:p>
-            <a:endParaRPr lang="pt-BR" dirty="0"/>
+              <a:t> </a:t>
+            </a:r>
+            <a:r>
+              <a:rPr lang="pt-BR" sz="3200" dirty="0" err="1"/>
+              <a:t>meuCarro</a:t>
+            </a:r>
+            <a:r>
+              <a:rPr lang="pt-BR" sz="3200" dirty="0"/>
+              <a:t> = </a:t>
+            </a:r>
+            <a:r>
+              <a:rPr lang="pt-BR" sz="3200" dirty="0">
+                <a:solidFill>
+                  <a:srgbClr val="00B0F0"/>
+                </a:solidFill>
+              </a:rPr>
+              <a:t>new</a:t>
+            </a:r>
+            <a:r>
+              <a:rPr lang="pt-BR" sz="3200" dirty="0"/>
+              <a:t> </a:t>
+            </a:r>
+            <a:r>
+              <a:rPr lang="pt-BR" sz="3200" dirty="0">
+                <a:solidFill>
+                  <a:srgbClr val="FF0000"/>
+                </a:solidFill>
+              </a:rPr>
+              <a:t>Carro</a:t>
+            </a:r>
+            <a:r>
+              <a:rPr lang="pt-BR" sz="3200" dirty="0"/>
+              <a:t>(</a:t>
+            </a:r>
+            <a:r>
+              <a:rPr lang="pt-BR" sz="3200" dirty="0">
+                <a:solidFill>
+                  <a:srgbClr val="00B050"/>
+                </a:solidFill>
+              </a:rPr>
+              <a:t>“Honda”</a:t>
+            </a:r>
+            <a:r>
+              <a:rPr lang="pt-BR" sz="3200" dirty="0"/>
+              <a:t>);</a:t>
+            </a:r>
+          </a:p>
+          <a:p>
+            <a:r>
+              <a:rPr lang="pt-BR" sz="3200" dirty="0" err="1"/>
+              <a:t>meuCarro.</a:t>
+            </a:r>
+            <a:r>
+              <a:rPr lang="pt-BR" sz="3200" dirty="0" err="1">
+                <a:solidFill>
+                  <a:srgbClr val="FF0000"/>
+                </a:solidFill>
+              </a:rPr>
+              <a:t>dirigir</a:t>
+            </a:r>
+            <a:r>
+              <a:rPr lang="pt-BR" sz="3200" dirty="0"/>
+              <a:t>();</a:t>
+            </a:r>
           </a:p>
         </p:txBody>
       </p:sp>
     </p:spTree>
     <p:extLst>
       <p:ext uri="{BB962C8B-B14F-4D97-AF65-F5344CB8AC3E}">
-        <p14:creationId xmlns:p14="http://schemas.microsoft.com/office/powerpoint/2010/main" val="3789826977"/>
+        <p14:creationId xmlns:p14="http://schemas.microsoft.com/office/powerpoint/2010/main" val="859375334"/>
       </p:ext>
     </p:extLst>
   </p:cSld>
@@ -13139,7 +13285,7 @@
           <p:cNvPr id="2" name="Título 1">
             <a:extLst>
               <a:ext uri="{FF2B5EF4-FFF2-40B4-BE49-F238E27FC236}">
-                <a16:creationId xmlns:a16="http://schemas.microsoft.com/office/drawing/2014/main" id="{755FF017-5D2F-4230-9440-802B91814A42}"/>
+                <a16:creationId xmlns:a16="http://schemas.microsoft.com/office/drawing/2014/main" id="{01C64C92-E985-5059-A893-8245ED8DAA5C}"/>
               </a:ext>
             </a:extLst>
           </p:cNvPr>
@@ -13147,27 +13293,36 @@
             <a:spLocks noGrp="1"/>
           </p:cNvSpPr>
           <p:nvPr>
-            <p:ph type="title"/>
+            <p:ph type="ctrTitle"/>
           </p:nvPr>
         </p:nvSpPr>
-        <p:spPr/>
+        <p:spPr>
+          <a:xfrm>
+            <a:off x="2068928" y="457200"/>
+            <a:ext cx="8791575" cy="1230062"/>
+          </a:xfrm>
+        </p:spPr>
         <p:txBody>
-          <a:bodyPr/>
+          <a:bodyPr>
+            <a:normAutofit/>
+          </a:bodyPr>
           <a:lstStyle/>
           <a:p>
-            <a:r>
-              <a:rPr lang="pt-BR" dirty="0"/>
-              <a:t>.</a:t>
-            </a:r>
+            <a:pPr algn="ctr"/>
+            <a:r>
+              <a:rPr lang="pt-BR" sz="4000" b="1" dirty="0"/>
+              <a:t>Atributos e Métodos em Classes</a:t>
+            </a:r>
+            <a:endParaRPr lang="pt-BR" sz="4000" dirty="0"/>
           </a:p>
         </p:txBody>
       </p:sp>
       <p:sp>
         <p:nvSpPr>
-          <p:cNvPr id="3" name="Espaço Reservado para Conteúdo 2">
+          <p:cNvPr id="3" name="Subtítulo 2">
             <a:extLst>
               <a:ext uri="{FF2B5EF4-FFF2-40B4-BE49-F238E27FC236}">
-                <a16:creationId xmlns:a16="http://schemas.microsoft.com/office/drawing/2014/main" id="{5FC08662-CB61-4947-8486-E1DC15FAA6E6}"/>
+                <a16:creationId xmlns:a16="http://schemas.microsoft.com/office/drawing/2014/main" id="{92558EBC-84A4-1720-1A72-352B984DAE72}"/>
               </a:ext>
             </a:extLst>
           </p:cNvPr>
@@ -13175,264 +13330,28 @@
             <a:spLocks noGrp="1"/>
           </p:cNvSpPr>
           <p:nvPr>
-            <p:ph idx="1"/>
+            <p:ph type="subTitle" idx="1"/>
           </p:nvPr>
         </p:nvSpPr>
         <p:spPr>
           <a:xfrm>
-            <a:off x="1141412" y="618518"/>
-            <a:ext cx="9905999" cy="5895404"/>
+            <a:off x="2068928" y="2463049"/>
+            <a:ext cx="8791575" cy="3488572"/>
           </a:xfrm>
         </p:spPr>
         <p:txBody>
           <a:bodyPr>
-            <a:normAutofit fontScale="92500" lnSpcReduction="20000"/>
+            <a:normAutofit lnSpcReduction="10000"/>
           </a:bodyPr>
           <a:lstStyle/>
           <a:p>
             <a:r>
-              <a:rPr lang="pt-BR" dirty="0" err="1">
+              <a:rPr lang="pt-BR" sz="4000" dirty="0">
                 <a:solidFill>
-                  <a:schemeClr val="tx2"/>
+                  <a:schemeClr val="tx1"/>
                 </a:solidFill>
               </a:rPr>
-              <a:t>const</a:t>
-            </a:r>
-            <a:r>
-              <a:rPr lang="pt-BR" dirty="0"/>
-              <a:t> </a:t>
-            </a:r>
-            <a:r>
-              <a:rPr lang="pt-BR" dirty="0">
-                <a:solidFill>
-                  <a:srgbClr val="FF0000"/>
-                </a:solidFill>
-              </a:rPr>
-              <a:t>Carro</a:t>
-            </a:r>
-            <a:r>
-              <a:rPr lang="pt-BR" dirty="0"/>
-              <a:t> = </a:t>
-            </a:r>
-            <a:r>
-              <a:rPr lang="pt-BR" dirty="0" err="1">
-                <a:solidFill>
-                  <a:schemeClr val="tx2"/>
-                </a:solidFill>
-              </a:rPr>
-              <a:t>class</a:t>
-            </a:r>
-            <a:r>
-              <a:rPr lang="pt-BR" dirty="0"/>
-              <a:t> {</a:t>
-            </a:r>
-          </a:p>
-          <a:p>
-            <a:r>
-              <a:rPr lang="pt-BR" dirty="0"/>
-              <a:t>  </a:t>
-            </a:r>
-            <a:r>
-              <a:rPr lang="pt-BR" dirty="0" err="1">
-                <a:solidFill>
-                  <a:srgbClr val="FF0000"/>
-                </a:solidFill>
-              </a:rPr>
-              <a:t>constructor</a:t>
-            </a:r>
-            <a:r>
-              <a:rPr lang="pt-BR" dirty="0"/>
-              <a:t>(marca) {</a:t>
-            </a:r>
-          </a:p>
-          <a:p>
-            <a:r>
-              <a:rPr lang="pt-BR" dirty="0">
-                <a:solidFill>
-                  <a:srgbClr val="7030A0"/>
-                </a:solidFill>
-              </a:rPr>
-              <a:t>    </a:t>
-            </a:r>
-            <a:r>
-              <a:rPr lang="pt-BR" dirty="0" err="1">
-                <a:solidFill>
-                  <a:srgbClr val="7030A0"/>
-                </a:solidFill>
-              </a:rPr>
-              <a:t>this</a:t>
-            </a:r>
-            <a:r>
-              <a:rPr lang="pt-BR" dirty="0" err="1"/>
-              <a:t>.marca</a:t>
-            </a:r>
-            <a:r>
-              <a:rPr lang="pt-BR" dirty="0"/>
-              <a:t> = marca;</a:t>
-            </a:r>
-          </a:p>
-          <a:p>
-            <a:r>
-              <a:rPr lang="pt-BR" dirty="0"/>
-              <a:t>  }</a:t>
-            </a:r>
-          </a:p>
-          <a:p>
-            <a:endParaRPr lang="pt-BR" dirty="0"/>
-          </a:p>
-          <a:p>
-            <a:r>
-              <a:rPr lang="pt-BR" dirty="0"/>
-              <a:t> </a:t>
-            </a:r>
-            <a:r>
-              <a:rPr lang="pt-BR" dirty="0">
-                <a:solidFill>
-                  <a:srgbClr val="FF0000"/>
-                </a:solidFill>
-              </a:rPr>
-              <a:t> dirigir</a:t>
-            </a:r>
-            <a:r>
-              <a:rPr lang="pt-BR" dirty="0"/>
-              <a:t>() {</a:t>
-            </a:r>
-          </a:p>
-          <a:p>
-            <a:r>
-              <a:rPr lang="pt-BR" dirty="0"/>
-              <a:t>    </a:t>
-            </a:r>
-            <a:r>
-              <a:rPr lang="pt-BR" dirty="0">
-                <a:solidFill>
-                  <a:srgbClr val="7030A0"/>
-                </a:solidFill>
-              </a:rPr>
-              <a:t>console</a:t>
-            </a:r>
-            <a:r>
-              <a:rPr lang="pt-BR" dirty="0"/>
-              <a:t>.</a:t>
-            </a:r>
-            <a:r>
-              <a:rPr lang="pt-BR" dirty="0">
-                <a:solidFill>
-                  <a:srgbClr val="FF0000"/>
-                </a:solidFill>
-              </a:rPr>
-              <a:t>log</a:t>
-            </a:r>
-            <a:r>
-              <a:rPr lang="pt-BR" dirty="0"/>
-              <a:t>(</a:t>
-            </a:r>
-            <a:r>
-              <a:rPr lang="pt-BR" dirty="0">
-                <a:solidFill>
-                  <a:srgbClr val="00B050"/>
-                </a:solidFill>
-              </a:rPr>
-              <a:t>“Carro em movimento!”</a:t>
-            </a:r>
-            <a:r>
-              <a:rPr lang="pt-BR" dirty="0"/>
-              <a:t>);</a:t>
-            </a:r>
-          </a:p>
-          <a:p>
-            <a:r>
-              <a:rPr lang="pt-BR" dirty="0"/>
-              <a:t>  }</a:t>
-            </a:r>
-          </a:p>
-          <a:p>
-            <a:r>
-              <a:rPr lang="pt-BR" dirty="0"/>
-              <a:t>};</a:t>
-            </a:r>
-          </a:p>
-          <a:p>
-            <a:endParaRPr lang="pt-BR" dirty="0"/>
-          </a:p>
-          <a:p>
-            <a:r>
-              <a:rPr lang="pt-BR" dirty="0" err="1">
-                <a:solidFill>
-                  <a:schemeClr val="tx2"/>
-                </a:solidFill>
-              </a:rPr>
-              <a:t>const</a:t>
-            </a:r>
-            <a:r>
-              <a:rPr lang="pt-BR" dirty="0">
-                <a:solidFill>
-                  <a:schemeClr val="tx2"/>
-                </a:solidFill>
-              </a:rPr>
-              <a:t> </a:t>
-            </a:r>
-            <a:r>
-              <a:rPr lang="pt-BR" dirty="0" err="1"/>
-              <a:t>meuCarro</a:t>
-            </a:r>
-            <a:r>
-              <a:rPr lang="pt-BR" dirty="0"/>
-              <a:t> = </a:t>
-            </a:r>
-            <a:r>
-              <a:rPr lang="pt-BR" dirty="0">
-                <a:solidFill>
-                  <a:schemeClr val="tx2"/>
-                </a:solidFill>
-              </a:rPr>
-              <a:t>new</a:t>
-            </a:r>
-            <a:r>
-              <a:rPr lang="pt-BR" dirty="0"/>
-              <a:t> </a:t>
-            </a:r>
-            <a:r>
-              <a:rPr lang="pt-BR" dirty="0">
-                <a:solidFill>
-                  <a:srgbClr val="FF0000"/>
-                </a:solidFill>
-              </a:rPr>
-              <a:t>Carro</a:t>
-            </a:r>
-            <a:r>
-              <a:rPr lang="pt-BR" dirty="0"/>
-              <a:t>(</a:t>
-            </a:r>
-            <a:r>
-              <a:rPr lang="pt-BR" dirty="0">
-                <a:solidFill>
-                  <a:srgbClr val="00B050"/>
-                </a:solidFill>
-              </a:rPr>
-              <a:t>“Honda”</a:t>
-            </a:r>
-            <a:r>
-              <a:rPr lang="pt-BR" dirty="0"/>
-              <a:t>);</a:t>
-            </a:r>
-          </a:p>
-          <a:p>
-            <a:r>
-              <a:rPr lang="pt-BR" dirty="0" err="1"/>
-              <a:t>meuCarro.</a:t>
-            </a:r>
-            <a:r>
-              <a:rPr lang="pt-BR" dirty="0" err="1">
-                <a:solidFill>
-                  <a:srgbClr val="FF0000"/>
-                </a:solidFill>
-              </a:rPr>
-              <a:t>dirigir</a:t>
-            </a:r>
-            <a:r>
-              <a:rPr lang="pt-BR" dirty="0"/>
-              <a:t>();</a:t>
+              <a:t>Atributos são as características ou propriedades de uma classe, enquanto métodos são as funções associadas a ela. Vamos ver um exemplo mais abrangente:</a:t>
             </a:r>
           </a:p>
           <a:p>
@@ -13443,7 +13362,7 @@
     </p:spTree>
     <p:extLst>
       <p:ext uri="{BB962C8B-B14F-4D97-AF65-F5344CB8AC3E}">
-        <p14:creationId xmlns:p14="http://schemas.microsoft.com/office/powerpoint/2010/main" val="2652340846"/>
+        <p14:creationId xmlns:p14="http://schemas.microsoft.com/office/powerpoint/2010/main" val="753602725"/>
       </p:ext>
     </p:extLst>
   </p:cSld>
@@ -13472,63 +13391,358 @@
       </p:grpSpPr>
       <p:sp>
         <p:nvSpPr>
-          <p:cNvPr id="2" name="Título 1">
+          <p:cNvPr id="3" name="CaixaDeTexto 2">
             <a:extLst>
               <a:ext uri="{FF2B5EF4-FFF2-40B4-BE49-F238E27FC236}">
-                <a16:creationId xmlns:a16="http://schemas.microsoft.com/office/drawing/2014/main" id="{681C256D-2AD6-4FE5-8D7F-6C999CA10AF3}"/>
+                <a16:creationId xmlns:a16="http://schemas.microsoft.com/office/drawing/2014/main" id="{99AC69A5-5297-0526-CD5A-C92C512F289C}"/>
               </a:ext>
             </a:extLst>
           </p:cNvPr>
-          <p:cNvSpPr>
-            <a:spLocks noGrp="1"/>
-          </p:cNvSpPr>
-          <p:nvPr>
-            <p:ph type="title"/>
-          </p:nvPr>
+          <p:cNvSpPr txBox="1"/>
+          <p:nvPr/>
         </p:nvSpPr>
-        <p:spPr/>
+        <p:spPr>
+          <a:xfrm>
+            <a:off x="3043990" y="366623"/>
+            <a:ext cx="6104020" cy="6124754"/>
+          </a:xfrm>
+          <a:prstGeom prst="rect">
+            <a:avLst/>
+          </a:prstGeom>
+          <a:noFill/>
+        </p:spPr>
         <p:txBody>
-          <a:bodyPr/>
-          <a:lstStyle/>
-          <a:p>
-            <a:r>
-              <a:rPr lang="pt-BR" b="1" dirty="0"/>
-              <a:t>Atributos e Métodos em Classes:</a:t>
-            </a:r>
-            <a:endParaRPr lang="pt-BR" dirty="0"/>
-          </a:p>
-        </p:txBody>
-      </p:sp>
-      <p:sp>
-        <p:nvSpPr>
-          <p:cNvPr id="3" name="Espaço Reservado para Conteúdo 2">
-            <a:extLst>
-              <a:ext uri="{FF2B5EF4-FFF2-40B4-BE49-F238E27FC236}">
-                <a16:creationId xmlns:a16="http://schemas.microsoft.com/office/drawing/2014/main" id="{C504EEEA-34DE-4AE7-9C7B-06547FA46621}"/>
-              </a:ext>
-            </a:extLst>
-          </p:cNvPr>
-          <p:cNvSpPr>
-            <a:spLocks noGrp="1"/>
-          </p:cNvSpPr>
-          <p:nvPr>
-            <p:ph idx="1"/>
-          </p:nvPr>
-        </p:nvSpPr>
-        <p:spPr/>
-        <p:txBody>
-          <a:bodyPr>
-            <a:normAutofit/>
+          <a:bodyPr wrap="square">
+            <a:spAutoFit/>
           </a:bodyPr>
           <a:lstStyle/>
           <a:p>
             <a:r>
-              <a:rPr lang="pt-BR" sz="4000" dirty="0">
+              <a:rPr lang="pt-BR" sz="2800" dirty="0" err="1">
                 <a:solidFill>
-                  <a:schemeClr val="tx2"/>
+                  <a:srgbClr val="00B0F0"/>
                 </a:solidFill>
               </a:rPr>
-              <a:t>Atributos são as características ou propriedades de uma classe, enquanto métodos são as funções associadas a ela. Vamos ver um exemplo mais abrangente:</a:t>
+              <a:t>class</a:t>
+            </a:r>
+            <a:r>
+              <a:rPr lang="pt-BR" sz="2800" dirty="0"/>
+              <a:t> </a:t>
+            </a:r>
+            <a:r>
+              <a:rPr lang="pt-BR" sz="2800" dirty="0">
+                <a:solidFill>
+                  <a:srgbClr val="FF0000"/>
+                </a:solidFill>
+              </a:rPr>
+              <a:t>Pessoa</a:t>
+            </a:r>
+            <a:r>
+              <a:rPr lang="pt-BR" sz="2800" dirty="0"/>
+              <a:t> {</a:t>
+            </a:r>
+          </a:p>
+          <a:p>
+            <a:r>
+              <a:rPr lang="pt-BR" sz="2800" dirty="0"/>
+              <a:t>  </a:t>
+            </a:r>
+            <a:r>
+              <a:rPr lang="pt-BR" sz="2800" dirty="0" err="1">
+                <a:solidFill>
+                  <a:srgbClr val="FF0000"/>
+                </a:solidFill>
+              </a:rPr>
+              <a:t>constructo</a:t>
+            </a:r>
+            <a:r>
+              <a:rPr lang="pt-BR" sz="2800" dirty="0" err="1"/>
+              <a:t>r</a:t>
+            </a:r>
+            <a:r>
+              <a:rPr lang="pt-BR" sz="2800" dirty="0"/>
+              <a:t>(nome, idade) {</a:t>
+            </a:r>
+          </a:p>
+          <a:p>
+            <a:r>
+              <a:rPr lang="pt-BR" sz="2800" dirty="0">
+                <a:solidFill>
+                  <a:srgbClr val="7030A0"/>
+                </a:solidFill>
+              </a:rPr>
+              <a:t>    </a:t>
+            </a:r>
+            <a:r>
+              <a:rPr lang="pt-BR" sz="2800" dirty="0" err="1">
+                <a:solidFill>
+                  <a:srgbClr val="FFFF00"/>
+                </a:solidFill>
+              </a:rPr>
+              <a:t>this</a:t>
+            </a:r>
+            <a:r>
+              <a:rPr lang="pt-BR" sz="2800" dirty="0" err="1"/>
+              <a:t>.nome</a:t>
+            </a:r>
+            <a:r>
+              <a:rPr lang="pt-BR" sz="2800" dirty="0"/>
+              <a:t> = nome;</a:t>
+            </a:r>
+          </a:p>
+          <a:p>
+            <a:r>
+              <a:rPr lang="pt-BR" sz="2800" dirty="0"/>
+              <a:t>   </a:t>
+            </a:r>
+            <a:r>
+              <a:rPr lang="pt-BR" sz="2800" dirty="0">
+                <a:solidFill>
+                  <a:srgbClr val="7030A0"/>
+                </a:solidFill>
+              </a:rPr>
+              <a:t> </a:t>
+            </a:r>
+            <a:r>
+              <a:rPr lang="pt-BR" sz="2800" dirty="0" err="1">
+                <a:solidFill>
+                  <a:srgbClr val="FFFF00"/>
+                </a:solidFill>
+              </a:rPr>
+              <a:t>this</a:t>
+            </a:r>
+            <a:r>
+              <a:rPr lang="pt-BR" sz="2800" dirty="0" err="1"/>
+              <a:t>.idade</a:t>
+            </a:r>
+            <a:r>
+              <a:rPr lang="pt-BR" sz="2800" dirty="0"/>
+              <a:t> = idade;</a:t>
+            </a:r>
+          </a:p>
+          <a:p>
+            <a:r>
+              <a:rPr lang="pt-BR" sz="2800" dirty="0"/>
+              <a:t>  }</a:t>
+            </a:r>
+          </a:p>
+          <a:p>
+            <a:endParaRPr lang="pt-BR" sz="2800" dirty="0"/>
+          </a:p>
+          <a:p>
+            <a:r>
+              <a:rPr lang="pt-BR" sz="2800" dirty="0"/>
+              <a:t>  </a:t>
+            </a:r>
+            <a:r>
+              <a:rPr lang="pt-BR" sz="2800" dirty="0">
+                <a:solidFill>
+                  <a:srgbClr val="FF0000"/>
+                </a:solidFill>
+              </a:rPr>
+              <a:t>apresentar</a:t>
+            </a:r>
+            <a:r>
+              <a:rPr lang="pt-BR" sz="2800" dirty="0"/>
+              <a:t>() {</a:t>
+            </a:r>
+          </a:p>
+          <a:p>
+            <a:r>
+              <a:rPr lang="pt-BR" sz="2800" dirty="0"/>
+              <a:t>   </a:t>
+            </a:r>
+            <a:r>
+              <a:rPr lang="pt-BR" sz="2800" dirty="0">
+                <a:solidFill>
+                  <a:srgbClr val="7030A0"/>
+                </a:solidFill>
+              </a:rPr>
+              <a:t> </a:t>
+            </a:r>
+            <a:r>
+              <a:rPr lang="pt-BR" sz="2800" dirty="0">
+                <a:solidFill>
+                  <a:srgbClr val="FFFF00"/>
+                </a:solidFill>
+              </a:rPr>
+              <a:t>console</a:t>
+            </a:r>
+            <a:r>
+              <a:rPr lang="pt-BR" sz="2800" dirty="0"/>
+              <a:t>.</a:t>
+            </a:r>
+            <a:r>
+              <a:rPr lang="pt-BR" sz="2800" dirty="0">
+                <a:solidFill>
+                  <a:srgbClr val="FF0000"/>
+                </a:solidFill>
+              </a:rPr>
+              <a:t>log</a:t>
+            </a:r>
+            <a:r>
+              <a:rPr lang="pt-BR" sz="2800" dirty="0"/>
+              <a:t>(</a:t>
+            </a:r>
+            <a:r>
+              <a:rPr lang="pt-BR" sz="2800" dirty="0">
+                <a:solidFill>
+                  <a:srgbClr val="00B050"/>
+                </a:solidFill>
+              </a:rPr>
+              <a:t>‘Olá, meu nome é ${</a:t>
+            </a:r>
+            <a:r>
+              <a:rPr lang="pt-BR" sz="2800" dirty="0" err="1">
+                <a:solidFill>
+                  <a:srgbClr val="FFFF00"/>
+                </a:solidFill>
+              </a:rPr>
+              <a:t>this</a:t>
+            </a:r>
+            <a:r>
+              <a:rPr lang="pt-BR" sz="2800" dirty="0" err="1">
+                <a:solidFill>
+                  <a:srgbClr val="00B050"/>
+                </a:solidFill>
+              </a:rPr>
+              <a:t>.nome</a:t>
+            </a:r>
+            <a:r>
+              <a:rPr lang="pt-BR" sz="2800" dirty="0">
+                <a:solidFill>
+                  <a:srgbClr val="00B050"/>
+                </a:solidFill>
+              </a:rPr>
+              <a:t>} e tenho ${</a:t>
+            </a:r>
+            <a:r>
+              <a:rPr lang="pt-BR" sz="2800" dirty="0" err="1">
+                <a:solidFill>
+                  <a:srgbClr val="FFFF00"/>
+                </a:solidFill>
+              </a:rPr>
+              <a:t>this</a:t>
+            </a:r>
+            <a:r>
+              <a:rPr lang="pt-BR" sz="2800" dirty="0" err="1">
+                <a:solidFill>
+                  <a:srgbClr val="00B050"/>
+                </a:solidFill>
+              </a:rPr>
+              <a:t>.idade</a:t>
+            </a:r>
+            <a:r>
+              <a:rPr lang="pt-BR" sz="2800" dirty="0">
+                <a:solidFill>
+                  <a:srgbClr val="00B050"/>
+                </a:solidFill>
+              </a:rPr>
+              <a:t>} anos.`</a:t>
+            </a:r>
+            <a:r>
+              <a:rPr lang="pt-BR" sz="2800" dirty="0"/>
+              <a:t>);</a:t>
+            </a:r>
+            <a:endParaRPr lang="pt-BR" sz="2800" dirty="0">
+              <a:solidFill>
+                <a:srgbClr val="00B050"/>
+              </a:solidFill>
+            </a:endParaRPr>
+          </a:p>
+          <a:p>
+            <a:r>
+              <a:rPr lang="pt-BR" sz="2800" dirty="0">
+                <a:solidFill>
+                  <a:srgbClr val="00B050"/>
+                </a:solidFill>
+              </a:rPr>
+              <a:t>  }</a:t>
+            </a:r>
+          </a:p>
+          <a:p>
+            <a:r>
+              <a:rPr lang="pt-BR" sz="2800" dirty="0"/>
+              <a:t>}</a:t>
+            </a:r>
+          </a:p>
+          <a:p>
+            <a:endParaRPr lang="pt-BR" sz="2800" dirty="0"/>
+          </a:p>
+          <a:p>
+            <a:r>
+              <a:rPr lang="pt-BR" sz="2800" dirty="0" err="1">
+                <a:solidFill>
+                  <a:srgbClr val="00B0F0"/>
+                </a:solidFill>
+              </a:rPr>
+              <a:t>const</a:t>
+            </a:r>
+            <a:r>
+              <a:rPr lang="pt-BR" sz="2800" dirty="0"/>
+              <a:t> pessoa1 =</a:t>
+            </a:r>
+            <a:r>
+              <a:rPr lang="pt-BR" sz="2800" dirty="0">
+                <a:solidFill>
+                  <a:srgbClr val="00B0F0"/>
+                </a:solidFill>
+              </a:rPr>
+              <a:t> new </a:t>
+            </a:r>
+            <a:r>
+              <a:rPr lang="pt-BR" sz="2800" dirty="0">
+                <a:solidFill>
+                  <a:srgbClr val="FF0000"/>
+                </a:solidFill>
+              </a:rPr>
+              <a:t>Pessoa</a:t>
+            </a:r>
+            <a:r>
+              <a:rPr lang="pt-BR" sz="2800" dirty="0"/>
+              <a:t>(</a:t>
+            </a:r>
+            <a:r>
+              <a:rPr lang="pt-BR" sz="2800" dirty="0">
+                <a:solidFill>
+                  <a:srgbClr val="00B050"/>
+                </a:solidFill>
+              </a:rPr>
+              <a:t>“João”</a:t>
+            </a:r>
+            <a:r>
+              <a:rPr lang="pt-BR" sz="2800" dirty="0"/>
+              <a:t>, </a:t>
+            </a:r>
+            <a:r>
+              <a:rPr lang="pt-BR" sz="2800" dirty="0">
+                <a:solidFill>
+                  <a:srgbClr val="FFFF00"/>
+                </a:solidFill>
+              </a:rPr>
+              <a:t>25</a:t>
+            </a:r>
+            <a:r>
+              <a:rPr lang="pt-BR" sz="2800" dirty="0"/>
+              <a:t>);</a:t>
+            </a:r>
+          </a:p>
+          <a:p>
+            <a:r>
+              <a:rPr lang="pt-BR" sz="2800" dirty="0"/>
+              <a:t>pessoa1.</a:t>
+            </a:r>
+            <a:r>
+              <a:rPr lang="pt-BR" sz="2800" dirty="0">
+                <a:solidFill>
+                  <a:srgbClr val="FF0000"/>
+                </a:solidFill>
+              </a:rPr>
+              <a:t>apresentar</a:t>
+            </a:r>
+            <a:r>
+              <a:rPr lang="pt-BR" sz="2800" dirty="0"/>
+              <a:t>();</a:t>
             </a:r>
           </a:p>
         </p:txBody>
@@ -13536,422 +13750,7 @@
     </p:spTree>
     <p:extLst>
       <p:ext uri="{BB962C8B-B14F-4D97-AF65-F5344CB8AC3E}">
-        <p14:creationId xmlns:p14="http://schemas.microsoft.com/office/powerpoint/2010/main" val="1790350836"/>
-      </p:ext>
-    </p:extLst>
-  </p:cSld>
-  <p:clrMapOvr>
-    <a:masterClrMapping/>
-  </p:clrMapOvr>
-</p:sld>
-</file>
-
-<file path=ppt/slides/slide8.xml><?xml version="1.0" encoding="utf-8"?>
-<p:sld xmlns:a="http://schemas.openxmlformats.org/drawingml/2006/main" xmlns:r="http://schemas.openxmlformats.org/officeDocument/2006/relationships" xmlns:p="http://schemas.openxmlformats.org/presentationml/2006/main">
-  <p:cSld>
-    <p:spTree>
-      <p:nvGrpSpPr>
-        <p:cNvPr id="1" name=""/>
-        <p:cNvGrpSpPr/>
-        <p:nvPr/>
-      </p:nvGrpSpPr>
-      <p:grpSpPr>
-        <a:xfrm>
-          <a:off x="0" y="0"/>
-          <a:ext cx="0" cy="0"/>
-          <a:chOff x="0" y="0"/>
-          <a:chExt cx="0" cy="0"/>
-        </a:xfrm>
-      </p:grpSpPr>
-      <p:sp>
-        <p:nvSpPr>
-          <p:cNvPr id="2" name="Título 1">
-            <a:extLst>
-              <a:ext uri="{FF2B5EF4-FFF2-40B4-BE49-F238E27FC236}">
-                <a16:creationId xmlns:a16="http://schemas.microsoft.com/office/drawing/2014/main" id="{285E867D-CB2D-4C82-A7FF-38DD8A561945}"/>
-              </a:ext>
-            </a:extLst>
-          </p:cNvPr>
-          <p:cNvSpPr>
-            <a:spLocks noGrp="1"/>
-          </p:cNvSpPr>
-          <p:nvPr>
-            <p:ph type="title"/>
-          </p:nvPr>
-        </p:nvSpPr>
-        <p:spPr/>
-        <p:txBody>
-          <a:bodyPr/>
-          <a:lstStyle/>
-          <a:p>
-            <a:r>
-              <a:rPr lang="pt-BR" dirty="0"/>
-              <a:t>.</a:t>
-            </a:r>
-          </a:p>
-        </p:txBody>
-      </p:sp>
-      <p:sp>
-        <p:nvSpPr>
-          <p:cNvPr id="3" name="Espaço Reservado para Conteúdo 2">
-            <a:extLst>
-              <a:ext uri="{FF2B5EF4-FFF2-40B4-BE49-F238E27FC236}">
-                <a16:creationId xmlns:a16="http://schemas.microsoft.com/office/drawing/2014/main" id="{30DEEECC-A6A1-40C9-B5B6-486EA5009852}"/>
-              </a:ext>
-            </a:extLst>
-          </p:cNvPr>
-          <p:cNvSpPr>
-            <a:spLocks noGrp="1"/>
-          </p:cNvSpPr>
-          <p:nvPr>
-            <p:ph idx="1"/>
-          </p:nvPr>
-        </p:nvSpPr>
-        <p:spPr>
-          <a:xfrm>
-            <a:off x="1141412" y="497304"/>
-            <a:ext cx="9905999" cy="5742177"/>
-          </a:xfrm>
-        </p:spPr>
-        <p:txBody>
-          <a:bodyPr>
-            <a:normAutofit fontScale="85000" lnSpcReduction="20000"/>
-          </a:bodyPr>
-          <a:lstStyle/>
-          <a:p>
-            <a:r>
-              <a:rPr lang="pt-BR" dirty="0" err="1">
-                <a:solidFill>
-                  <a:schemeClr val="tx2"/>
-                </a:solidFill>
-              </a:rPr>
-              <a:t>class</a:t>
-            </a:r>
-            <a:r>
-              <a:rPr lang="pt-BR" dirty="0"/>
-              <a:t> </a:t>
-            </a:r>
-            <a:r>
-              <a:rPr lang="pt-BR" dirty="0">
-                <a:solidFill>
-                  <a:srgbClr val="FF0000"/>
-                </a:solidFill>
-              </a:rPr>
-              <a:t>Pessoa</a:t>
-            </a:r>
-            <a:r>
-              <a:rPr lang="pt-BR" dirty="0"/>
-              <a:t> {</a:t>
-            </a:r>
-          </a:p>
-          <a:p>
-            <a:r>
-              <a:rPr lang="pt-BR" dirty="0"/>
-              <a:t>  </a:t>
-            </a:r>
-            <a:r>
-              <a:rPr lang="pt-BR" dirty="0" err="1">
-                <a:solidFill>
-                  <a:srgbClr val="FF0000"/>
-                </a:solidFill>
-              </a:rPr>
-              <a:t>constructo</a:t>
-            </a:r>
-            <a:r>
-              <a:rPr lang="pt-BR" dirty="0" err="1"/>
-              <a:t>r</a:t>
-            </a:r>
-            <a:r>
-              <a:rPr lang="pt-BR" dirty="0"/>
-              <a:t>(nome, idade) {</a:t>
-            </a:r>
-          </a:p>
-          <a:p>
-            <a:r>
-              <a:rPr lang="pt-BR" dirty="0">
-                <a:solidFill>
-                  <a:srgbClr val="7030A0"/>
-                </a:solidFill>
-              </a:rPr>
-              <a:t>    </a:t>
-            </a:r>
-            <a:r>
-              <a:rPr lang="pt-BR" dirty="0" err="1">
-                <a:solidFill>
-                  <a:srgbClr val="7030A0"/>
-                </a:solidFill>
-              </a:rPr>
-              <a:t>this</a:t>
-            </a:r>
-            <a:r>
-              <a:rPr lang="pt-BR" dirty="0" err="1"/>
-              <a:t>.nome</a:t>
-            </a:r>
-            <a:r>
-              <a:rPr lang="pt-BR" dirty="0"/>
-              <a:t> = nome;</a:t>
-            </a:r>
-          </a:p>
-          <a:p>
-            <a:r>
-              <a:rPr lang="pt-BR" dirty="0"/>
-              <a:t>   </a:t>
-            </a:r>
-            <a:r>
-              <a:rPr lang="pt-BR" dirty="0">
-                <a:solidFill>
-                  <a:srgbClr val="7030A0"/>
-                </a:solidFill>
-              </a:rPr>
-              <a:t> </a:t>
-            </a:r>
-            <a:r>
-              <a:rPr lang="pt-BR" dirty="0" err="1">
-                <a:solidFill>
-                  <a:srgbClr val="7030A0"/>
-                </a:solidFill>
-              </a:rPr>
-              <a:t>this</a:t>
-            </a:r>
-            <a:r>
-              <a:rPr lang="pt-BR" dirty="0" err="1"/>
-              <a:t>.idade</a:t>
-            </a:r>
-            <a:r>
-              <a:rPr lang="pt-BR" dirty="0"/>
-              <a:t> = idade;</a:t>
-            </a:r>
-          </a:p>
-          <a:p>
-            <a:r>
-              <a:rPr lang="pt-BR" dirty="0"/>
-              <a:t>  }</a:t>
-            </a:r>
-          </a:p>
-          <a:p>
-            <a:endParaRPr lang="pt-BR" dirty="0"/>
-          </a:p>
-          <a:p>
-            <a:r>
-              <a:rPr lang="pt-BR" dirty="0"/>
-              <a:t>  </a:t>
-            </a:r>
-            <a:r>
-              <a:rPr lang="pt-BR" dirty="0">
-                <a:solidFill>
-                  <a:srgbClr val="FF0000"/>
-                </a:solidFill>
-              </a:rPr>
-              <a:t>apresentar</a:t>
-            </a:r>
-            <a:r>
-              <a:rPr lang="pt-BR" dirty="0"/>
-              <a:t>() {</a:t>
-            </a:r>
-          </a:p>
-          <a:p>
-            <a:r>
-              <a:rPr lang="pt-BR" dirty="0"/>
-              <a:t>   </a:t>
-            </a:r>
-            <a:r>
-              <a:rPr lang="pt-BR" dirty="0">
-                <a:solidFill>
-                  <a:srgbClr val="7030A0"/>
-                </a:solidFill>
-              </a:rPr>
-              <a:t> console</a:t>
-            </a:r>
-            <a:r>
-              <a:rPr lang="pt-BR" dirty="0"/>
-              <a:t>.</a:t>
-            </a:r>
-            <a:r>
-              <a:rPr lang="pt-BR" dirty="0">
-                <a:solidFill>
-                  <a:srgbClr val="FF0000"/>
-                </a:solidFill>
-              </a:rPr>
-              <a:t>log</a:t>
-            </a:r>
-            <a:r>
-              <a:rPr lang="pt-BR" dirty="0"/>
-              <a:t>(</a:t>
-            </a:r>
-            <a:r>
-              <a:rPr lang="pt-BR" dirty="0">
-                <a:solidFill>
-                  <a:srgbClr val="00B050"/>
-                </a:solidFill>
-              </a:rPr>
-              <a:t>‘Olá, meu nome é ${</a:t>
-            </a:r>
-            <a:r>
-              <a:rPr lang="pt-BR" dirty="0" err="1">
-                <a:solidFill>
-                  <a:srgbClr val="7030A0"/>
-                </a:solidFill>
-              </a:rPr>
-              <a:t>this</a:t>
-            </a:r>
-            <a:r>
-              <a:rPr lang="pt-BR" dirty="0" err="1">
-                <a:solidFill>
-                  <a:srgbClr val="00B050"/>
-                </a:solidFill>
-              </a:rPr>
-              <a:t>.nome</a:t>
-            </a:r>
-            <a:r>
-              <a:rPr lang="pt-BR" dirty="0">
-                <a:solidFill>
-                  <a:srgbClr val="00B050"/>
-                </a:solidFill>
-              </a:rPr>
-              <a:t>} e tenho ${</a:t>
-            </a:r>
-            <a:r>
-              <a:rPr lang="pt-BR" dirty="0" err="1">
-                <a:solidFill>
-                  <a:srgbClr val="7030A0"/>
-                </a:solidFill>
-              </a:rPr>
-              <a:t>this</a:t>
-            </a:r>
-            <a:r>
-              <a:rPr lang="pt-BR" dirty="0" err="1">
-                <a:solidFill>
-                  <a:srgbClr val="00B050"/>
-                </a:solidFill>
-              </a:rPr>
-              <a:t>.idade</a:t>
-            </a:r>
-            <a:r>
-              <a:rPr lang="pt-BR" dirty="0">
-                <a:solidFill>
-                  <a:srgbClr val="00B050"/>
-                </a:solidFill>
-              </a:rPr>
-              <a:t>} anos.`</a:t>
-            </a:r>
-            <a:r>
-              <a:rPr lang="pt-BR" dirty="0"/>
-              <a:t>);</a:t>
-            </a:r>
-            <a:endParaRPr lang="pt-BR" dirty="0">
-              <a:solidFill>
-                <a:srgbClr val="00B050"/>
-              </a:solidFill>
-            </a:endParaRPr>
-          </a:p>
-          <a:p>
-            <a:r>
-              <a:rPr lang="pt-BR" dirty="0">
-                <a:solidFill>
-                  <a:srgbClr val="00B050"/>
-                </a:solidFill>
-              </a:rPr>
-              <a:t>  }</a:t>
-            </a:r>
-          </a:p>
-          <a:p>
-            <a:r>
-              <a:rPr lang="pt-BR" dirty="0"/>
-              <a:t>}</a:t>
-            </a:r>
-          </a:p>
-          <a:p>
-            <a:endParaRPr lang="pt-BR" dirty="0"/>
-          </a:p>
-          <a:p>
-            <a:r>
-              <a:rPr lang="pt-BR" dirty="0" err="1">
-                <a:solidFill>
-                  <a:schemeClr val="tx2"/>
-                </a:solidFill>
-              </a:rPr>
-              <a:t>const</a:t>
-            </a:r>
-            <a:r>
-              <a:rPr lang="pt-BR" dirty="0"/>
-              <a:t> pessoa1 = </a:t>
-            </a:r>
-            <a:r>
-              <a:rPr lang="pt-BR" dirty="0">
-                <a:solidFill>
-                  <a:schemeClr val="tx2"/>
-                </a:solidFill>
-              </a:rPr>
-              <a:t>new</a:t>
-            </a:r>
-            <a:r>
-              <a:rPr lang="pt-BR" dirty="0"/>
-              <a:t> </a:t>
-            </a:r>
-            <a:r>
-              <a:rPr lang="pt-BR" dirty="0">
-                <a:solidFill>
-                  <a:srgbClr val="FF0000"/>
-                </a:solidFill>
-              </a:rPr>
-              <a:t>Pessoa</a:t>
-            </a:r>
-            <a:r>
-              <a:rPr lang="pt-BR" dirty="0"/>
-              <a:t>(</a:t>
-            </a:r>
-            <a:r>
-              <a:rPr lang="pt-BR" dirty="0">
-                <a:solidFill>
-                  <a:srgbClr val="00B050"/>
-                </a:solidFill>
-              </a:rPr>
-              <a:t>“João”</a:t>
-            </a:r>
-            <a:r>
-              <a:rPr lang="pt-BR" dirty="0"/>
-              <a:t>, </a:t>
-            </a:r>
-            <a:r>
-              <a:rPr lang="pt-BR" dirty="0">
-                <a:solidFill>
-                  <a:srgbClr val="7030A0"/>
-                </a:solidFill>
-              </a:rPr>
-              <a:t>25</a:t>
-            </a:r>
-            <a:r>
-              <a:rPr lang="pt-BR" dirty="0"/>
-              <a:t>);</a:t>
-            </a:r>
-          </a:p>
-          <a:p>
-            <a:r>
-              <a:rPr lang="pt-BR" dirty="0"/>
-              <a:t>pessoa1.</a:t>
-            </a:r>
-            <a:r>
-              <a:rPr lang="pt-BR" dirty="0">
-                <a:solidFill>
-                  <a:srgbClr val="FF0000"/>
-                </a:solidFill>
-              </a:rPr>
-              <a:t>apresentar</a:t>
-            </a:r>
-            <a:r>
-              <a:rPr lang="pt-BR" dirty="0"/>
-              <a:t>();</a:t>
-            </a:r>
-          </a:p>
-          <a:p>
-            <a:endParaRPr lang="pt-BR" dirty="0"/>
-          </a:p>
-        </p:txBody>
-      </p:sp>
-    </p:spTree>
-    <p:extLst>
-      <p:ext uri="{BB962C8B-B14F-4D97-AF65-F5344CB8AC3E}">
-        <p14:creationId xmlns:p14="http://schemas.microsoft.com/office/powerpoint/2010/main" val="3037426711"/>
+        <p14:creationId xmlns:p14="http://schemas.microsoft.com/office/powerpoint/2010/main" val="3597635217"/>
       </p:ext>
     </p:extLst>
   </p:cSld>
@@ -13972,34 +13771,34 @@
         <a:sysClr val="window" lastClr="FFFFFF"/>
       </a:lt1>
       <a:dk2>
-        <a:srgbClr val="134770"/>
+        <a:srgbClr val="252C36"/>
       </a:dk2>
       <a:lt2>
-        <a:srgbClr val="82FFFF"/>
+        <a:srgbClr val="7C96A3"/>
       </a:lt2>
       <a:accent1>
-        <a:srgbClr val="9ACD4C"/>
+        <a:srgbClr val="4FD093"/>
       </a:accent1>
       <a:accent2>
-        <a:srgbClr val="FAA93A"/>
+        <a:srgbClr val="54BCDF"/>
       </a:accent2>
       <a:accent3>
-        <a:srgbClr val="D35940"/>
+        <a:srgbClr val="A262D0"/>
       </a:accent3>
       <a:accent4>
-        <a:srgbClr val="B258D3"/>
+        <a:srgbClr val="D7537B"/>
       </a:accent4>
       <a:accent5>
-        <a:srgbClr val="63A0CC"/>
+        <a:srgbClr val="E78045"/>
       </a:accent5>
       <a:accent6>
-        <a:srgbClr val="8AC4A7"/>
+        <a:srgbClr val="84C350"/>
       </a:accent6>
       <a:hlink>
-        <a:srgbClr val="B8FA56"/>
+        <a:srgbClr val="22FFFF"/>
       </a:hlink>
       <a:folHlink>
-        <a:srgbClr val="7AF8CC"/>
+        <a:srgbClr val="9BF3FD"/>
       </a:folHlink>
     </a:clrScheme>
     <a:fontScheme name="Circuit">
@@ -14166,7 +13965,7 @@
                 <a:tint val="98000"/>
                 <a:hueMod val="94000"/>
                 <a:satMod val="148000"/>
-                <a:lumMod val="150000"/>
+                <a:lumMod val="140000"/>
               </a:schemeClr>
             </a:gs>
             <a:gs pos="100000">
@@ -14174,7 +13973,7 @@
                 <a:shade val="92000"/>
                 <a:hueMod val="104000"/>
                 <a:satMod val="140000"/>
-                <a:lumMod val="68000"/>
+                <a:lumMod val="48000"/>
               </a:schemeClr>
             </a:gs>
           </a:gsLst>
@@ -14184,16 +13983,16 @@
           <a:blip xmlns:r="http://schemas.openxmlformats.org/officeDocument/2006/relationships" r:embed="rId1">
             <a:duotone>
               <a:schemeClr val="phClr">
-                <a:shade val="88000"/>
+                <a:shade val="48000"/>
                 <a:hueMod val="106000"/>
                 <a:satMod val="140000"/>
-                <a:lumMod val="54000"/>
+                <a:lumMod val="42000"/>
               </a:schemeClr>
               <a:schemeClr val="phClr">
                 <a:tint val="98000"/>
-                <a:hueMod val="90000"/>
-                <a:satMod val="150000"/>
-                <a:lumMod val="160000"/>
+                <a:hueMod val="92000"/>
+                <a:satMod val="220000"/>
+                <a:lumMod val="90000"/>
               </a:schemeClr>
             </a:duotone>
           </a:blip>
@@ -14206,7 +14005,7 @@
   <a:extraClrSchemeLst/>
   <a:extLst>
     <a:ext uri="{05A4C25C-085E-4340-85A3-A5531E510DB2}">
-      <thm15:themeFamily xmlns:thm15="http://schemas.microsoft.com/office/thememl/2012/main" name="Circuit" id="{0AC2F7E7-15F5-431C-B2A2-456FE929F56C}" vid="{0911B802-464C-4241-8DD9-B60FF88E379F}"/>
+      <thm15:themeFamily xmlns:thm15="http://schemas.microsoft.com/office/thememl/2012/main" name="Circuit" id="{0AC2F7E7-15F5-431C-B2A2-456FE929F56C}" vid="{142578CA-DEC9-49C3-80AF-C113973CC9A9}"/>
     </a:ext>
   </a:extLst>
 </a:theme>

--- a/FPOO/aula 18/Programação Orientada a Objetos POO.pptx
+++ b/FPOO/aula 18/Programação Orientada a Objetos POO.pptx
@@ -8,10 +8,12 @@
     <p:sldId id="257" r:id="rId2"/>
     <p:sldId id="258" r:id="rId3"/>
     <p:sldId id="263" r:id="rId4"/>
-    <p:sldId id="259" r:id="rId5"/>
-    <p:sldId id="260" r:id="rId6"/>
-    <p:sldId id="261" r:id="rId7"/>
-    <p:sldId id="262" r:id="rId8"/>
+    <p:sldId id="264" r:id="rId5"/>
+    <p:sldId id="265" r:id="rId6"/>
+    <p:sldId id="259" r:id="rId7"/>
+    <p:sldId id="260" r:id="rId8"/>
+    <p:sldId id="261" r:id="rId9"/>
+    <p:sldId id="262" r:id="rId10"/>
   </p:sldIdLst>
   <p:sldSz cx="12192000" cy="6858000"/>
   <p:notesSz cx="6858000" cy="9144000"/>
@@ -110,6 +112,11 @@
       </a:defRPr>
     </a:lvl9pPr>
   </p:defaultTextStyle>
+  <p:extLst>
+    <p:ext uri="{EFAFB233-063F-42B5-8137-9DF3F51BA10A}">
+      <p15:sldGuideLst xmlns:p15="http://schemas.microsoft.com/office/powerpoint/2012/main"/>
+    </p:ext>
+  </p:extLst>
 </p:presentation>
 </file>
 
@@ -170,7 +177,7 @@
           <a:noFill/>
           <a:extLst>
             <a:ext uri="{909E8E84-426E-40dd-AFC4-6F175D3DCCD1}">
-              <a14:hiddenFill xmlns:a14="http://schemas.microsoft.com/office/drawing/2010/main" xmlns="">
+              <a14:hiddenFill xmlns="" xmlns:a14="http://schemas.microsoft.com/office/drawing/2010/main">
                 <a:solidFill>
                   <a:srgbClr val="FFFFFF"/>
                 </a:solidFill>
@@ -229,7 +236,7 @@
             </a:ln>
             <a:extLst>
               <a:ext uri="{91240B29-F687-4f45-9708-019B960494DF}">
-                <a14:hiddenLine xmlns:a14="http://schemas.microsoft.com/office/drawing/2010/main" xmlns="" w="9525">
+                <a14:hiddenLine xmlns="" xmlns:a14="http://schemas.microsoft.com/office/drawing/2010/main" w="9525">
                   <a:solidFill>
                     <a:srgbClr val="000000"/>
                   </a:solidFill>
@@ -319,7 +326,7 @@
             </a:ln>
             <a:extLst>
               <a:ext uri="{91240B29-F687-4f45-9708-019B960494DF}">
-                <a14:hiddenLine xmlns:a14="http://schemas.microsoft.com/office/drawing/2010/main" xmlns="" w="9525">
+                <a14:hiddenLine xmlns="" xmlns:a14="http://schemas.microsoft.com/office/drawing/2010/main" w="9525">
                   <a:solidFill>
                     <a:srgbClr val="000000"/>
                   </a:solidFill>
@@ -409,7 +416,7 @@
             </a:ln>
             <a:extLst>
               <a:ext uri="{91240B29-F687-4f45-9708-019B960494DF}">
-                <a14:hiddenLine xmlns:a14="http://schemas.microsoft.com/office/drawing/2010/main" xmlns="" w="9525">
+                <a14:hiddenLine xmlns="" xmlns:a14="http://schemas.microsoft.com/office/drawing/2010/main" w="9525">
                   <a:solidFill>
                     <a:srgbClr val="000000"/>
                   </a:solidFill>
@@ -443,7 +450,7 @@
             </a:ln>
             <a:extLst>
               <a:ext uri="{91240B29-F687-4f45-9708-019B960494DF}">
-                <a14:hiddenLine xmlns:a14="http://schemas.microsoft.com/office/drawing/2010/main" xmlns="" w="9525">
+                <a14:hiddenLine xmlns="" xmlns:a14="http://schemas.microsoft.com/office/drawing/2010/main" w="9525">
                   <a:solidFill>
                     <a:srgbClr val="000000"/>
                   </a:solidFill>
@@ -533,7 +540,7 @@
             </a:ln>
             <a:extLst>
               <a:ext uri="{91240B29-F687-4f45-9708-019B960494DF}">
-                <a14:hiddenLine xmlns:a14="http://schemas.microsoft.com/office/drawing/2010/main" xmlns="" w="9525">
+                <a14:hiddenLine xmlns="" xmlns:a14="http://schemas.microsoft.com/office/drawing/2010/main" w="9525">
                   <a:solidFill>
                     <a:srgbClr val="000000"/>
                   </a:solidFill>
@@ -595,7 +602,7 @@
             </a:ln>
             <a:extLst>
               <a:ext uri="{91240B29-F687-4f45-9708-019B960494DF}">
-                <a14:hiddenLine xmlns:a14="http://schemas.microsoft.com/office/drawing/2010/main" xmlns="" w="9525">
+                <a14:hiddenLine xmlns="" xmlns:a14="http://schemas.microsoft.com/office/drawing/2010/main" w="9525">
                   <a:solidFill>
                     <a:srgbClr val="000000"/>
                   </a:solidFill>
@@ -657,7 +664,7 @@
             </a:ln>
             <a:extLst>
               <a:ext uri="{91240B29-F687-4f45-9708-019B960494DF}">
-                <a14:hiddenLine xmlns:a14="http://schemas.microsoft.com/office/drawing/2010/main" xmlns="" w="9525">
+                <a14:hiddenLine xmlns="" xmlns:a14="http://schemas.microsoft.com/office/drawing/2010/main" w="9525">
                   <a:solidFill>
                     <a:srgbClr val="000000"/>
                   </a:solidFill>
@@ -747,7 +754,7 @@
             </a:ln>
             <a:extLst>
               <a:ext uri="{91240B29-F687-4f45-9708-019B960494DF}">
-                <a14:hiddenLine xmlns:a14="http://schemas.microsoft.com/office/drawing/2010/main" xmlns="" w="9525">
+                <a14:hiddenLine xmlns="" xmlns:a14="http://schemas.microsoft.com/office/drawing/2010/main" w="9525">
                   <a:solidFill>
                     <a:srgbClr val="000000"/>
                   </a:solidFill>
@@ -809,7 +816,7 @@
             </a:ln>
             <a:extLst>
               <a:ext uri="{91240B29-F687-4f45-9708-019B960494DF}">
-                <a14:hiddenLine xmlns:a14="http://schemas.microsoft.com/office/drawing/2010/main" xmlns="" w="9525">
+                <a14:hiddenLine xmlns="" xmlns:a14="http://schemas.microsoft.com/office/drawing/2010/main" w="9525">
                   <a:solidFill>
                     <a:srgbClr val="000000"/>
                   </a:solidFill>
@@ -871,7 +878,7 @@
             </a:ln>
             <a:extLst>
               <a:ext uri="{91240B29-F687-4f45-9708-019B960494DF}">
-                <a14:hiddenLine xmlns:a14="http://schemas.microsoft.com/office/drawing/2010/main" xmlns="" w="9525">
+                <a14:hiddenLine xmlns="" xmlns:a14="http://schemas.microsoft.com/office/drawing/2010/main" w="9525">
                   <a:solidFill>
                     <a:srgbClr val="000000"/>
                   </a:solidFill>
@@ -961,7 +968,7 @@
             </a:ln>
             <a:extLst>
               <a:ext uri="{91240B29-F687-4f45-9708-019B960494DF}">
-                <a14:hiddenLine xmlns:a14="http://schemas.microsoft.com/office/drawing/2010/main" xmlns="" w="9525">
+                <a14:hiddenLine xmlns="" xmlns:a14="http://schemas.microsoft.com/office/drawing/2010/main" w="9525">
                   <a:solidFill>
                     <a:srgbClr val="000000"/>
                   </a:solidFill>
@@ -1051,7 +1058,7 @@
             </a:ln>
             <a:extLst>
               <a:ext uri="{91240B29-F687-4f45-9708-019B960494DF}">
-                <a14:hiddenLine xmlns:a14="http://schemas.microsoft.com/office/drawing/2010/main" xmlns="" w="9525">
+                <a14:hiddenLine xmlns="" xmlns:a14="http://schemas.microsoft.com/office/drawing/2010/main" w="9525">
                   <a:solidFill>
                     <a:srgbClr val="000000"/>
                   </a:solidFill>
@@ -1113,7 +1120,7 @@
             </a:ln>
             <a:extLst>
               <a:ext uri="{91240B29-F687-4f45-9708-019B960494DF}">
-                <a14:hiddenLine xmlns:a14="http://schemas.microsoft.com/office/drawing/2010/main" xmlns="" w="9525">
+                <a14:hiddenLine xmlns="" xmlns:a14="http://schemas.microsoft.com/office/drawing/2010/main" w="9525">
                   <a:solidFill>
                     <a:srgbClr val="000000"/>
                   </a:solidFill>
@@ -1223,7 +1230,7 @@
             </a:ln>
             <a:extLst>
               <a:ext uri="{91240B29-F687-4f45-9708-019B960494DF}">
-                <a14:hiddenLine xmlns:a14="http://schemas.microsoft.com/office/drawing/2010/main" xmlns="" w="9525">
+                <a14:hiddenLine xmlns="" xmlns:a14="http://schemas.microsoft.com/office/drawing/2010/main" w="9525">
                   <a:solidFill>
                     <a:srgbClr val="000000"/>
                   </a:solidFill>
@@ -1285,7 +1292,7 @@
             </a:ln>
             <a:extLst>
               <a:ext uri="{91240B29-F687-4f45-9708-019B960494DF}">
-                <a14:hiddenLine xmlns:a14="http://schemas.microsoft.com/office/drawing/2010/main" xmlns="" w="9525">
+                <a14:hiddenLine xmlns="" xmlns:a14="http://schemas.microsoft.com/office/drawing/2010/main" w="9525">
                   <a:solidFill>
                     <a:srgbClr val="000000"/>
                   </a:solidFill>
@@ -1375,7 +1382,7 @@
             </a:ln>
             <a:extLst>
               <a:ext uri="{91240B29-F687-4f45-9708-019B960494DF}">
-                <a14:hiddenLine xmlns:a14="http://schemas.microsoft.com/office/drawing/2010/main" xmlns="" w="9525">
+                <a14:hiddenLine xmlns="" xmlns:a14="http://schemas.microsoft.com/office/drawing/2010/main" w="9525">
                   <a:solidFill>
                     <a:srgbClr val="000000"/>
                   </a:solidFill>
@@ -1465,7 +1472,7 @@
             </a:ln>
             <a:extLst>
               <a:ext uri="{91240B29-F687-4f45-9708-019B960494DF}">
-                <a14:hiddenLine xmlns:a14="http://schemas.microsoft.com/office/drawing/2010/main" xmlns="" w="9525">
+                <a14:hiddenLine xmlns="" xmlns:a14="http://schemas.microsoft.com/office/drawing/2010/main" w="9525">
                   <a:solidFill>
                     <a:srgbClr val="000000"/>
                   </a:solidFill>
@@ -1527,7 +1534,7 @@
             </a:ln>
             <a:extLst>
               <a:ext uri="{91240B29-F687-4f45-9708-019B960494DF}">
-                <a14:hiddenLine xmlns:a14="http://schemas.microsoft.com/office/drawing/2010/main" xmlns="" w="9525">
+                <a14:hiddenLine xmlns="" xmlns:a14="http://schemas.microsoft.com/office/drawing/2010/main" w="9525">
                   <a:solidFill>
                     <a:srgbClr val="000000"/>
                   </a:solidFill>
@@ -1617,7 +1624,7 @@
             </a:ln>
             <a:extLst>
               <a:ext uri="{91240B29-F687-4f45-9708-019B960494DF}">
-                <a14:hiddenLine xmlns:a14="http://schemas.microsoft.com/office/drawing/2010/main" xmlns="" w="9525">
+                <a14:hiddenLine xmlns="" xmlns:a14="http://schemas.microsoft.com/office/drawing/2010/main" w="9525">
                   <a:solidFill>
                     <a:srgbClr val="000000"/>
                   </a:solidFill>
@@ -1707,7 +1714,7 @@
             </a:ln>
             <a:extLst>
               <a:ext uri="{91240B29-F687-4f45-9708-019B960494DF}">
-                <a14:hiddenLine xmlns:a14="http://schemas.microsoft.com/office/drawing/2010/main" xmlns="" w="9525">
+                <a14:hiddenLine xmlns="" xmlns:a14="http://schemas.microsoft.com/office/drawing/2010/main" w="9525">
                   <a:solidFill>
                     <a:srgbClr val="000000"/>
                   </a:solidFill>
@@ -1763,7 +1770,7 @@
             </a:ln>
             <a:extLst>
               <a:ext uri="{91240B29-F687-4f45-9708-019B960494DF}">
-                <a14:hiddenLine xmlns:a14="http://schemas.microsoft.com/office/drawing/2010/main" xmlns="" w="9525">
+                <a14:hiddenLine xmlns="" xmlns:a14="http://schemas.microsoft.com/office/drawing/2010/main" w="9525">
                   <a:solidFill>
                     <a:srgbClr val="000000"/>
                   </a:solidFill>
@@ -1853,7 +1860,7 @@
             </a:ln>
             <a:extLst>
               <a:ext uri="{91240B29-F687-4f45-9708-019B960494DF}">
-                <a14:hiddenLine xmlns:a14="http://schemas.microsoft.com/office/drawing/2010/main" xmlns="" w="9525">
+                <a14:hiddenLine xmlns="" xmlns:a14="http://schemas.microsoft.com/office/drawing/2010/main" w="9525">
                   <a:solidFill>
                     <a:srgbClr val="000000"/>
                   </a:solidFill>
@@ -1909,7 +1916,7 @@
             </a:ln>
             <a:extLst>
               <a:ext uri="{91240B29-F687-4f45-9708-019B960494DF}">
-                <a14:hiddenLine xmlns:a14="http://schemas.microsoft.com/office/drawing/2010/main" xmlns="" w="9525">
+                <a14:hiddenLine xmlns="" xmlns:a14="http://schemas.microsoft.com/office/drawing/2010/main" w="9525">
                   <a:solidFill>
                     <a:srgbClr val="000000"/>
                   </a:solidFill>
@@ -1999,7 +2006,7 @@
             </a:ln>
             <a:extLst>
               <a:ext uri="{91240B29-F687-4f45-9708-019B960494DF}">
-                <a14:hiddenLine xmlns:a14="http://schemas.microsoft.com/office/drawing/2010/main" xmlns="" w="9525">
+                <a14:hiddenLine xmlns="" xmlns:a14="http://schemas.microsoft.com/office/drawing/2010/main" w="9525">
                   <a:solidFill>
                     <a:srgbClr val="000000"/>
                   </a:solidFill>
@@ -2067,7 +2074,7 @@
             </a:ln>
             <a:extLst>
               <a:ext uri="{91240B29-F687-4f45-9708-019B960494DF}">
-                <a14:hiddenLine xmlns:a14="http://schemas.microsoft.com/office/drawing/2010/main" xmlns="" w="9525">
+                <a14:hiddenLine xmlns="" xmlns:a14="http://schemas.microsoft.com/office/drawing/2010/main" w="9525">
                   <a:solidFill>
                     <a:srgbClr val="000000"/>
                   </a:solidFill>
@@ -2157,7 +2164,7 @@
             </a:ln>
             <a:extLst>
               <a:ext uri="{91240B29-F687-4f45-9708-019B960494DF}">
-                <a14:hiddenLine xmlns:a14="http://schemas.microsoft.com/office/drawing/2010/main" xmlns="" w="9525">
+                <a14:hiddenLine xmlns="" xmlns:a14="http://schemas.microsoft.com/office/drawing/2010/main" w="9525">
                   <a:solidFill>
                     <a:srgbClr val="000000"/>
                   </a:solidFill>
@@ -2225,7 +2232,7 @@
             </a:ln>
             <a:extLst>
               <a:ext uri="{91240B29-F687-4f45-9708-019B960494DF}">
-                <a14:hiddenLine xmlns:a14="http://schemas.microsoft.com/office/drawing/2010/main" xmlns="" w="9525">
+                <a14:hiddenLine xmlns="" xmlns:a14="http://schemas.microsoft.com/office/drawing/2010/main" w="9525">
                   <a:solidFill>
                     <a:srgbClr val="000000"/>
                   </a:solidFill>
@@ -2315,7 +2322,7 @@
             </a:ln>
             <a:extLst>
               <a:ext uri="{91240B29-F687-4f45-9708-019B960494DF}">
-                <a14:hiddenLine xmlns:a14="http://schemas.microsoft.com/office/drawing/2010/main" xmlns="" w="9525">
+                <a14:hiddenLine xmlns="" xmlns:a14="http://schemas.microsoft.com/office/drawing/2010/main" w="9525">
                   <a:solidFill>
                     <a:srgbClr val="000000"/>
                   </a:solidFill>
@@ -2349,7 +2356,7 @@
             </a:ln>
             <a:extLst>
               <a:ext uri="{91240B29-F687-4f45-9708-019B960494DF}">
-                <a14:hiddenLine xmlns:a14="http://schemas.microsoft.com/office/drawing/2010/main" xmlns="" w="9525">
+                <a14:hiddenLine xmlns="" xmlns:a14="http://schemas.microsoft.com/office/drawing/2010/main" w="9525">
                   <a:solidFill>
                     <a:srgbClr val="000000"/>
                   </a:solidFill>
@@ -2439,7 +2446,7 @@
             </a:ln>
             <a:extLst>
               <a:ext uri="{91240B29-F687-4f45-9708-019B960494DF}">
-                <a14:hiddenLine xmlns:a14="http://schemas.microsoft.com/office/drawing/2010/main" xmlns="" w="9525">
+                <a14:hiddenLine xmlns="" xmlns:a14="http://schemas.microsoft.com/office/drawing/2010/main" w="9525">
                   <a:solidFill>
                     <a:srgbClr val="000000"/>
                   </a:solidFill>
@@ -2501,7 +2508,7 @@
             </a:ln>
             <a:extLst>
               <a:ext uri="{91240B29-F687-4f45-9708-019B960494DF}">
-                <a14:hiddenLine xmlns:a14="http://schemas.microsoft.com/office/drawing/2010/main" xmlns="" w="9525">
+                <a14:hiddenLine xmlns="" xmlns:a14="http://schemas.microsoft.com/office/drawing/2010/main" w="9525">
                   <a:solidFill>
                     <a:srgbClr val="000000"/>
                   </a:solidFill>
@@ -2563,7 +2570,7 @@
             </a:ln>
             <a:extLst>
               <a:ext uri="{91240B29-F687-4f45-9708-019B960494DF}">
-                <a14:hiddenLine xmlns:a14="http://schemas.microsoft.com/office/drawing/2010/main" xmlns="" w="9525">
+                <a14:hiddenLine xmlns="" xmlns:a14="http://schemas.microsoft.com/office/drawing/2010/main" w="9525">
                   <a:solidFill>
                     <a:srgbClr val="000000"/>
                   </a:solidFill>
@@ -2653,7 +2660,7 @@
             </a:ln>
             <a:extLst>
               <a:ext uri="{91240B29-F687-4f45-9708-019B960494DF}">
-                <a14:hiddenLine xmlns:a14="http://schemas.microsoft.com/office/drawing/2010/main" xmlns="" w="9525">
+                <a14:hiddenLine xmlns="" xmlns:a14="http://schemas.microsoft.com/office/drawing/2010/main" w="9525">
                   <a:solidFill>
                     <a:srgbClr val="000000"/>
                   </a:solidFill>
@@ -2721,7 +2728,7 @@
             </a:ln>
             <a:extLst>
               <a:ext uri="{91240B29-F687-4f45-9708-019B960494DF}">
-                <a14:hiddenLine xmlns:a14="http://schemas.microsoft.com/office/drawing/2010/main" xmlns="" w="9525">
+                <a14:hiddenLine xmlns="" xmlns:a14="http://schemas.microsoft.com/office/drawing/2010/main" w="9525">
                   <a:solidFill>
                     <a:srgbClr val="000000"/>
                   </a:solidFill>
@@ -2783,7 +2790,7 @@
             </a:ln>
             <a:extLst>
               <a:ext uri="{91240B29-F687-4f45-9708-019B960494DF}">
-                <a14:hiddenLine xmlns:a14="http://schemas.microsoft.com/office/drawing/2010/main" xmlns="" w="9525">
+                <a14:hiddenLine xmlns="" xmlns:a14="http://schemas.microsoft.com/office/drawing/2010/main" w="9525">
                   <a:solidFill>
                     <a:srgbClr val="000000"/>
                   </a:solidFill>
@@ -2873,7 +2880,7 @@
             </a:ln>
             <a:extLst>
               <a:ext uri="{91240B29-F687-4f45-9708-019B960494DF}">
-                <a14:hiddenLine xmlns:a14="http://schemas.microsoft.com/office/drawing/2010/main" xmlns="" w="9525">
+                <a14:hiddenLine xmlns="" xmlns:a14="http://schemas.microsoft.com/office/drawing/2010/main" w="9525">
                   <a:solidFill>
                     <a:srgbClr val="000000"/>
                   </a:solidFill>
@@ -2935,7 +2942,7 @@
             </a:ln>
             <a:extLst>
               <a:ext uri="{91240B29-F687-4f45-9708-019B960494DF}">
-                <a14:hiddenLine xmlns:a14="http://schemas.microsoft.com/office/drawing/2010/main" xmlns="" w="9525">
+                <a14:hiddenLine xmlns="" xmlns:a14="http://schemas.microsoft.com/office/drawing/2010/main" w="9525">
                   <a:solidFill>
                     <a:srgbClr val="000000"/>
                   </a:solidFill>
@@ -3025,7 +3032,7 @@
             </a:ln>
             <a:extLst>
               <a:ext uri="{91240B29-F687-4f45-9708-019B960494DF}">
-                <a14:hiddenLine xmlns:a14="http://schemas.microsoft.com/office/drawing/2010/main" xmlns="" w="9525">
+                <a14:hiddenLine xmlns="" xmlns:a14="http://schemas.microsoft.com/office/drawing/2010/main" w="9525">
                   <a:solidFill>
                     <a:srgbClr val="000000"/>
                   </a:solidFill>
@@ -3087,7 +3094,7 @@
             </a:ln>
             <a:extLst>
               <a:ext uri="{91240B29-F687-4f45-9708-019B960494DF}">
-                <a14:hiddenLine xmlns:a14="http://schemas.microsoft.com/office/drawing/2010/main" xmlns="" w="9525">
+                <a14:hiddenLine xmlns="" xmlns:a14="http://schemas.microsoft.com/office/drawing/2010/main" w="9525">
                   <a:solidFill>
                     <a:srgbClr val="000000"/>
                   </a:solidFill>
@@ -3177,7 +3184,7 @@
             </a:ln>
             <a:extLst>
               <a:ext uri="{91240B29-F687-4f45-9708-019B960494DF}">
-                <a14:hiddenLine xmlns:a14="http://schemas.microsoft.com/office/drawing/2010/main" xmlns="" w="9525">
+                <a14:hiddenLine xmlns="" xmlns:a14="http://schemas.microsoft.com/office/drawing/2010/main" w="9525">
                   <a:solidFill>
                     <a:srgbClr val="000000"/>
                   </a:solidFill>
@@ -3211,7 +3218,7 @@
             </a:ln>
             <a:extLst>
               <a:ext uri="{91240B29-F687-4f45-9708-019B960494DF}">
-                <a14:hiddenLine xmlns:a14="http://schemas.microsoft.com/office/drawing/2010/main" xmlns="" w="9525">
+                <a14:hiddenLine xmlns="" xmlns:a14="http://schemas.microsoft.com/office/drawing/2010/main" w="9525">
                   <a:solidFill>
                     <a:srgbClr val="000000"/>
                   </a:solidFill>
@@ -3276,7 +3283,7 @@
             </a:ln>
             <a:extLst>
               <a:ext uri="{91240B29-F687-4f45-9708-019B960494DF}">
-                <a14:hiddenLine xmlns:a14="http://schemas.microsoft.com/office/drawing/2010/main" xmlns="" w="9525">
+                <a14:hiddenLine xmlns="" xmlns:a14="http://schemas.microsoft.com/office/drawing/2010/main" w="9525">
                   <a:solidFill>
                     <a:srgbClr val="000000"/>
                   </a:solidFill>
@@ -3366,7 +3373,7 @@
             </a:ln>
             <a:extLst>
               <a:ext uri="{91240B29-F687-4f45-9708-019B960494DF}">
-                <a14:hiddenLine xmlns:a14="http://schemas.microsoft.com/office/drawing/2010/main" xmlns="" w="9525">
+                <a14:hiddenLine xmlns="" xmlns:a14="http://schemas.microsoft.com/office/drawing/2010/main" w="9525">
                   <a:solidFill>
                     <a:srgbClr val="000000"/>
                   </a:solidFill>
@@ -3428,7 +3435,7 @@
             </a:ln>
             <a:extLst>
               <a:ext uri="{91240B29-F687-4f45-9708-019B960494DF}">
-                <a14:hiddenLine xmlns:a14="http://schemas.microsoft.com/office/drawing/2010/main" xmlns="" w="9525">
+                <a14:hiddenLine xmlns="" xmlns:a14="http://schemas.microsoft.com/office/drawing/2010/main" w="9525">
                   <a:solidFill>
                     <a:srgbClr val="000000"/>
                   </a:solidFill>
@@ -3518,7 +3525,7 @@
             </a:ln>
             <a:extLst>
               <a:ext uri="{91240B29-F687-4f45-9708-019B960494DF}">
-                <a14:hiddenLine xmlns:a14="http://schemas.microsoft.com/office/drawing/2010/main" xmlns="" w="9525">
+                <a14:hiddenLine xmlns="" xmlns:a14="http://schemas.microsoft.com/office/drawing/2010/main" w="9525">
                   <a:solidFill>
                     <a:srgbClr val="000000"/>
                   </a:solidFill>
@@ -3608,7 +3615,7 @@
             </a:ln>
             <a:extLst>
               <a:ext uri="{91240B29-F687-4f45-9708-019B960494DF}">
-                <a14:hiddenLine xmlns:a14="http://schemas.microsoft.com/office/drawing/2010/main" xmlns="" w="9525">
+                <a14:hiddenLine xmlns="" xmlns:a14="http://schemas.microsoft.com/office/drawing/2010/main" w="9525">
                   <a:solidFill>
                     <a:srgbClr val="000000"/>
                   </a:solidFill>
@@ -3673,7 +3680,7 @@
             </a:ln>
             <a:extLst>
               <a:ext uri="{91240B29-F687-4f45-9708-019B960494DF}">
-                <a14:hiddenLine xmlns:a14="http://schemas.microsoft.com/office/drawing/2010/main" xmlns="" w="9525">
+                <a14:hiddenLine xmlns="" xmlns:a14="http://schemas.microsoft.com/office/drawing/2010/main" w="9525">
                   <a:solidFill>
                     <a:srgbClr val="000000"/>
                   </a:solidFill>
@@ -3735,7 +3742,7 @@
             </a:ln>
             <a:extLst>
               <a:ext uri="{91240B29-F687-4f45-9708-019B960494DF}">
-                <a14:hiddenLine xmlns:a14="http://schemas.microsoft.com/office/drawing/2010/main" xmlns="" w="9525">
+                <a14:hiddenLine xmlns="" xmlns:a14="http://schemas.microsoft.com/office/drawing/2010/main" w="9525">
                   <a:solidFill>
                     <a:srgbClr val="000000"/>
                   </a:solidFill>
@@ -3825,7 +3832,7 @@
             </a:ln>
             <a:extLst>
               <a:ext uri="{91240B29-F687-4f45-9708-019B960494DF}">
-                <a14:hiddenLine xmlns:a14="http://schemas.microsoft.com/office/drawing/2010/main" xmlns="" w="9525">
+                <a14:hiddenLine xmlns="" xmlns:a14="http://schemas.microsoft.com/office/drawing/2010/main" w="9525">
                   <a:solidFill>
                     <a:srgbClr val="000000"/>
                   </a:solidFill>
@@ -3915,7 +3922,7 @@
             </a:ln>
             <a:extLst>
               <a:ext uri="{91240B29-F687-4f45-9708-019B960494DF}">
-                <a14:hiddenLine xmlns:a14="http://schemas.microsoft.com/office/drawing/2010/main" xmlns="" w="9525">
+                <a14:hiddenLine xmlns="" xmlns:a14="http://schemas.microsoft.com/office/drawing/2010/main" w="9525">
                   <a:solidFill>
                     <a:srgbClr val="000000"/>
                   </a:solidFill>
@@ -3977,7 +3984,7 @@
             </a:ln>
             <a:extLst>
               <a:ext uri="{91240B29-F687-4f45-9708-019B960494DF}">
-                <a14:hiddenLine xmlns:a14="http://schemas.microsoft.com/office/drawing/2010/main" xmlns="" w="9525">
+                <a14:hiddenLine xmlns="" xmlns:a14="http://schemas.microsoft.com/office/drawing/2010/main" w="9525">
                   <a:solidFill>
                     <a:srgbClr val="000000"/>
                   </a:solidFill>
@@ -4097,7 +4104,7 @@
             </a:ln>
             <a:extLst>
               <a:ext uri="{91240B29-F687-4f45-9708-019B960494DF}">
-                <a14:hiddenLine xmlns:a14="http://schemas.microsoft.com/office/drawing/2010/main" xmlns="" w="9525">
+                <a14:hiddenLine xmlns="" xmlns:a14="http://schemas.microsoft.com/office/drawing/2010/main" w="9525">
                   <a:solidFill>
                     <a:srgbClr val="000000"/>
                   </a:solidFill>
@@ -4165,7 +4172,7 @@
             </a:ln>
             <a:extLst>
               <a:ext uri="{91240B29-F687-4f45-9708-019B960494DF}">
-                <a14:hiddenLine xmlns:a14="http://schemas.microsoft.com/office/drawing/2010/main" xmlns="" w="9525">
+                <a14:hiddenLine xmlns="" xmlns:a14="http://schemas.microsoft.com/office/drawing/2010/main" w="9525">
                   <a:solidFill>
                     <a:srgbClr val="000000"/>
                   </a:solidFill>
@@ -4255,7 +4262,7 @@
             </a:ln>
             <a:extLst>
               <a:ext uri="{91240B29-F687-4f45-9708-019B960494DF}">
-                <a14:hiddenLine xmlns:a14="http://schemas.microsoft.com/office/drawing/2010/main" xmlns="" w="9525">
+                <a14:hiddenLine xmlns="" xmlns:a14="http://schemas.microsoft.com/office/drawing/2010/main" w="9525">
                   <a:solidFill>
                     <a:srgbClr val="000000"/>
                   </a:solidFill>
@@ -8984,7 +8991,7 @@
           <a:noFill/>
           <a:extLst>
             <a:ext uri="{909E8E84-426E-40dd-AFC4-6F175D3DCCD1}">
-              <a14:hiddenFill xmlns:a14="http://schemas.microsoft.com/office/drawing/2010/main" xmlns="">
+              <a14:hiddenFill xmlns="" xmlns:a14="http://schemas.microsoft.com/office/drawing/2010/main">
                 <a:solidFill>
                   <a:srgbClr val="FFFFFF"/>
                 </a:solidFill>
@@ -9058,7 +9065,7 @@
               </a:ln>
               <a:extLst>
                 <a:ext uri="{91240B29-F687-4f45-9708-019B960494DF}">
-                  <a14:hiddenLine xmlns:a14="http://schemas.microsoft.com/office/drawing/2010/main" xmlns="" w="9525">
+                  <a14:hiddenLine xmlns="" xmlns:a14="http://schemas.microsoft.com/office/drawing/2010/main" w="9525">
                     <a:solidFill>
                       <a:srgbClr val="000000"/>
                     </a:solidFill>
@@ -9148,7 +9155,7 @@
               </a:ln>
               <a:extLst>
                 <a:ext uri="{91240B29-F687-4f45-9708-019B960494DF}">
-                  <a14:hiddenLine xmlns:a14="http://schemas.microsoft.com/office/drawing/2010/main" xmlns="" w="9525">
+                  <a14:hiddenLine xmlns="" xmlns:a14="http://schemas.microsoft.com/office/drawing/2010/main" w="9525">
                     <a:solidFill>
                       <a:srgbClr val="000000"/>
                     </a:solidFill>
@@ -9238,7 +9245,7 @@
               </a:ln>
               <a:extLst>
                 <a:ext uri="{91240B29-F687-4f45-9708-019B960494DF}">
-                  <a14:hiddenLine xmlns:a14="http://schemas.microsoft.com/office/drawing/2010/main" xmlns="" w="9525">
+                  <a14:hiddenLine xmlns="" xmlns:a14="http://schemas.microsoft.com/office/drawing/2010/main" w="9525">
                     <a:solidFill>
                       <a:srgbClr val="000000"/>
                     </a:solidFill>
@@ -9300,7 +9307,7 @@
               </a:ln>
               <a:extLst>
                 <a:ext uri="{91240B29-F687-4f45-9708-019B960494DF}">
-                  <a14:hiddenLine xmlns:a14="http://schemas.microsoft.com/office/drawing/2010/main" xmlns="" w="9525">
+                  <a14:hiddenLine xmlns="" xmlns:a14="http://schemas.microsoft.com/office/drawing/2010/main" w="9525">
                     <a:solidFill>
                       <a:srgbClr val="000000"/>
                     </a:solidFill>
@@ -9390,7 +9397,7 @@
               </a:ln>
               <a:extLst>
                 <a:ext uri="{91240B29-F687-4f45-9708-019B960494DF}">
-                  <a14:hiddenLine xmlns:a14="http://schemas.microsoft.com/office/drawing/2010/main" xmlns="" w="9525">
+                  <a14:hiddenLine xmlns="" xmlns:a14="http://schemas.microsoft.com/office/drawing/2010/main" w="9525">
                     <a:solidFill>
                       <a:srgbClr val="000000"/>
                     </a:solidFill>
@@ -9452,7 +9459,7 @@
               </a:ln>
               <a:extLst>
                 <a:ext uri="{91240B29-F687-4f45-9708-019B960494DF}">
-                  <a14:hiddenLine xmlns:a14="http://schemas.microsoft.com/office/drawing/2010/main" xmlns="" w="9525">
+                  <a14:hiddenLine xmlns="" xmlns:a14="http://schemas.microsoft.com/office/drawing/2010/main" w="9525">
                     <a:solidFill>
                       <a:srgbClr val="000000"/>
                     </a:solidFill>
@@ -9514,7 +9521,7 @@
               </a:ln>
               <a:extLst>
                 <a:ext uri="{91240B29-F687-4f45-9708-019B960494DF}">
-                  <a14:hiddenLine xmlns:a14="http://schemas.microsoft.com/office/drawing/2010/main" xmlns="" w="9525">
+                  <a14:hiddenLine xmlns="" xmlns:a14="http://schemas.microsoft.com/office/drawing/2010/main" w="9525">
                     <a:solidFill>
                       <a:srgbClr val="000000"/>
                     </a:solidFill>
@@ -9604,7 +9611,7 @@
               </a:ln>
               <a:extLst>
                 <a:ext uri="{91240B29-F687-4f45-9708-019B960494DF}">
-                  <a14:hiddenLine xmlns:a14="http://schemas.microsoft.com/office/drawing/2010/main" xmlns="" w="9525">
+                  <a14:hiddenLine xmlns="" xmlns:a14="http://schemas.microsoft.com/office/drawing/2010/main" w="9525">
                     <a:solidFill>
                       <a:srgbClr val="000000"/>
                     </a:solidFill>
@@ -9694,7 +9701,7 @@
               </a:ln>
               <a:extLst>
                 <a:ext uri="{91240B29-F687-4f45-9708-019B960494DF}">
-                  <a14:hiddenLine xmlns:a14="http://schemas.microsoft.com/office/drawing/2010/main" xmlns="" w="9525">
+                  <a14:hiddenLine xmlns="" xmlns:a14="http://schemas.microsoft.com/office/drawing/2010/main" w="9525">
                     <a:solidFill>
                       <a:srgbClr val="000000"/>
                     </a:solidFill>
@@ -9756,7 +9763,7 @@
               </a:ln>
               <a:extLst>
                 <a:ext uri="{91240B29-F687-4f45-9708-019B960494DF}">
-                  <a14:hiddenLine xmlns:a14="http://schemas.microsoft.com/office/drawing/2010/main" xmlns="" w="9525">
+                  <a14:hiddenLine xmlns="" xmlns:a14="http://schemas.microsoft.com/office/drawing/2010/main" w="9525">
                     <a:solidFill>
                       <a:srgbClr val="000000"/>
                     </a:solidFill>
@@ -9866,7 +9873,7 @@
               </a:ln>
               <a:extLst>
                 <a:ext uri="{91240B29-F687-4f45-9708-019B960494DF}">
-                  <a14:hiddenLine xmlns:a14="http://schemas.microsoft.com/office/drawing/2010/main" xmlns="" w="9525">
+                  <a14:hiddenLine xmlns="" xmlns:a14="http://schemas.microsoft.com/office/drawing/2010/main" w="9525">
                     <a:solidFill>
                       <a:srgbClr val="000000"/>
                     </a:solidFill>
@@ -9950,7 +9957,7 @@
               </a:ln>
               <a:extLst>
                 <a:ext uri="{91240B29-F687-4f45-9708-019B960494DF}">
-                  <a14:hiddenLine xmlns:a14="http://schemas.microsoft.com/office/drawing/2010/main" xmlns="" w="9525">
+                  <a14:hiddenLine xmlns="" xmlns:a14="http://schemas.microsoft.com/office/drawing/2010/main" w="9525">
                     <a:solidFill>
                       <a:srgbClr val="000000"/>
                     </a:solidFill>
@@ -10012,7 +10019,7 @@
               </a:ln>
               <a:extLst>
                 <a:ext uri="{91240B29-F687-4f45-9708-019B960494DF}">
-                  <a14:hiddenLine xmlns:a14="http://schemas.microsoft.com/office/drawing/2010/main" xmlns="" w="9525">
+                  <a14:hiddenLine xmlns="" xmlns:a14="http://schemas.microsoft.com/office/drawing/2010/main" w="9525">
                     <a:solidFill>
                       <a:srgbClr val="000000"/>
                     </a:solidFill>
@@ -10074,7 +10081,7 @@
               </a:ln>
               <a:extLst>
                 <a:ext uri="{91240B29-F687-4f45-9708-019B960494DF}">
-                  <a14:hiddenLine xmlns:a14="http://schemas.microsoft.com/office/drawing/2010/main" xmlns="" w="9525">
+                  <a14:hiddenLine xmlns="" xmlns:a14="http://schemas.microsoft.com/office/drawing/2010/main" w="9525">
                     <a:solidFill>
                       <a:srgbClr val="000000"/>
                     </a:solidFill>
@@ -10164,7 +10171,7 @@
               </a:ln>
               <a:extLst>
                 <a:ext uri="{91240B29-F687-4f45-9708-019B960494DF}">
-                  <a14:hiddenLine xmlns:a14="http://schemas.microsoft.com/office/drawing/2010/main" xmlns="" w="9525">
+                  <a14:hiddenLine xmlns="" xmlns:a14="http://schemas.microsoft.com/office/drawing/2010/main" w="9525">
                     <a:solidFill>
                       <a:srgbClr val="000000"/>
                     </a:solidFill>
@@ -10198,7 +10205,7 @@
               </a:ln>
               <a:extLst>
                 <a:ext uri="{91240B29-F687-4f45-9708-019B960494DF}">
-                  <a14:hiddenLine xmlns:a14="http://schemas.microsoft.com/office/drawing/2010/main" xmlns="" w="9525">
+                  <a14:hiddenLine xmlns="" xmlns:a14="http://schemas.microsoft.com/office/drawing/2010/main" w="9525">
                     <a:solidFill>
                       <a:srgbClr val="000000"/>
                     </a:solidFill>
@@ -10263,7 +10270,7 @@
               </a:ln>
               <a:extLst>
                 <a:ext uri="{91240B29-F687-4f45-9708-019B960494DF}">
-                  <a14:hiddenLine xmlns:a14="http://schemas.microsoft.com/office/drawing/2010/main" xmlns="" w="9525">
+                  <a14:hiddenLine xmlns="" xmlns:a14="http://schemas.microsoft.com/office/drawing/2010/main" w="9525">
                     <a:solidFill>
                       <a:srgbClr val="000000"/>
                     </a:solidFill>
@@ -10353,7 +10360,7 @@
               </a:ln>
               <a:extLst>
                 <a:ext uri="{91240B29-F687-4f45-9708-019B960494DF}">
-                  <a14:hiddenLine xmlns:a14="http://schemas.microsoft.com/office/drawing/2010/main" xmlns="" w="9525">
+                  <a14:hiddenLine xmlns="" xmlns:a14="http://schemas.microsoft.com/office/drawing/2010/main" w="9525">
                     <a:solidFill>
                       <a:srgbClr val="000000"/>
                     </a:solidFill>
@@ -10415,7 +10422,7 @@
               </a:ln>
               <a:extLst>
                 <a:ext uri="{91240B29-F687-4f45-9708-019B960494DF}">
-                  <a14:hiddenLine xmlns:a14="http://schemas.microsoft.com/office/drawing/2010/main" xmlns="" w="9525">
+                  <a14:hiddenLine xmlns="" xmlns:a14="http://schemas.microsoft.com/office/drawing/2010/main" w="9525">
                     <a:solidFill>
                       <a:srgbClr val="000000"/>
                     </a:solidFill>
@@ -10505,7 +10512,7 @@
               </a:ln>
               <a:extLst>
                 <a:ext uri="{91240B29-F687-4f45-9708-019B960494DF}">
-                  <a14:hiddenLine xmlns:a14="http://schemas.microsoft.com/office/drawing/2010/main" xmlns="" w="9525">
+                  <a14:hiddenLine xmlns="" xmlns:a14="http://schemas.microsoft.com/office/drawing/2010/main" w="9525">
                     <a:solidFill>
                       <a:srgbClr val="000000"/>
                     </a:solidFill>
@@ -10570,7 +10577,7 @@
               </a:ln>
               <a:extLst>
                 <a:ext uri="{91240B29-F687-4f45-9708-019B960494DF}">
-                  <a14:hiddenLine xmlns:a14="http://schemas.microsoft.com/office/drawing/2010/main" xmlns="" w="9525">
+                  <a14:hiddenLine xmlns="" xmlns:a14="http://schemas.microsoft.com/office/drawing/2010/main" w="9525">
                     <a:solidFill>
                       <a:srgbClr val="000000"/>
                     </a:solidFill>
@@ -10632,7 +10639,7 @@
               </a:ln>
               <a:extLst>
                 <a:ext uri="{91240B29-F687-4f45-9708-019B960494DF}">
-                  <a14:hiddenLine xmlns:a14="http://schemas.microsoft.com/office/drawing/2010/main" xmlns="" w="9525">
+                  <a14:hiddenLine xmlns="" xmlns:a14="http://schemas.microsoft.com/office/drawing/2010/main" w="9525">
                     <a:solidFill>
                       <a:srgbClr val="000000"/>
                     </a:solidFill>
@@ -10722,7 +10729,7 @@
               </a:ln>
               <a:extLst>
                 <a:ext uri="{91240B29-F687-4f45-9708-019B960494DF}">
-                  <a14:hiddenLine xmlns:a14="http://schemas.microsoft.com/office/drawing/2010/main" xmlns="" w="9525">
+                  <a14:hiddenLine xmlns="" xmlns:a14="http://schemas.microsoft.com/office/drawing/2010/main" w="9525">
                     <a:solidFill>
                       <a:srgbClr val="000000"/>
                     </a:solidFill>
@@ -10812,7 +10819,7 @@
               </a:ln>
               <a:extLst>
                 <a:ext uri="{91240B29-F687-4f45-9708-019B960494DF}">
-                  <a14:hiddenLine xmlns:a14="http://schemas.microsoft.com/office/drawing/2010/main" xmlns="" w="9525">
+                  <a14:hiddenLine xmlns="" xmlns:a14="http://schemas.microsoft.com/office/drawing/2010/main" w="9525">
                     <a:solidFill>
                       <a:srgbClr val="000000"/>
                     </a:solidFill>
@@ -10877,7 +10884,7 @@
               </a:ln>
               <a:extLst>
                 <a:ext uri="{91240B29-F687-4f45-9708-019B960494DF}">
-                  <a14:hiddenLine xmlns:a14="http://schemas.microsoft.com/office/drawing/2010/main" xmlns="" w="9525">
+                  <a14:hiddenLine xmlns="" xmlns:a14="http://schemas.microsoft.com/office/drawing/2010/main" w="9525">
                     <a:solidFill>
                       <a:srgbClr val="000000"/>
                     </a:solidFill>
@@ -10997,7 +11004,7 @@
               </a:ln>
               <a:extLst>
                 <a:ext uri="{91240B29-F687-4f45-9708-019B960494DF}">
-                  <a14:hiddenLine xmlns:a14="http://schemas.microsoft.com/office/drawing/2010/main" xmlns="" w="9525">
+                  <a14:hiddenLine xmlns="" xmlns:a14="http://schemas.microsoft.com/office/drawing/2010/main" w="9525">
                     <a:solidFill>
                       <a:srgbClr val="000000"/>
                     </a:solidFill>
@@ -11078,7 +11085,7 @@
               </a:ln>
               <a:extLst>
                 <a:ext uri="{91240B29-F687-4f45-9708-019B960494DF}">
-                  <a14:hiddenLine xmlns:a14="http://schemas.microsoft.com/office/drawing/2010/main" xmlns="" w="9525">
+                  <a14:hiddenLine xmlns="" xmlns:a14="http://schemas.microsoft.com/office/drawing/2010/main" w="9525">
                     <a:solidFill>
                       <a:srgbClr val="000000"/>
                     </a:solidFill>
@@ -11193,7 +11200,7 @@
               </a:ln>
               <a:extLst>
                 <a:ext uri="{91240B29-F687-4f45-9708-019B960494DF}">
-                  <a14:hiddenLine xmlns:a14="http://schemas.microsoft.com/office/drawing/2010/main" xmlns="" w="9525">
+                  <a14:hiddenLine xmlns="" xmlns:a14="http://schemas.microsoft.com/office/drawing/2010/main" w="9525">
                     <a:solidFill>
                       <a:srgbClr val="000000"/>
                     </a:solidFill>
@@ -11283,7 +11290,7 @@
               </a:ln>
               <a:extLst>
                 <a:ext uri="{91240B29-F687-4f45-9708-019B960494DF}">
-                  <a14:hiddenLine xmlns:a14="http://schemas.microsoft.com/office/drawing/2010/main" xmlns="" w="9525">
+                  <a14:hiddenLine xmlns="" xmlns:a14="http://schemas.microsoft.com/office/drawing/2010/main" w="9525">
                     <a:solidFill>
                       <a:srgbClr val="000000"/>
                     </a:solidFill>
@@ -11348,7 +11355,7 @@
               </a:ln>
               <a:extLst>
                 <a:ext uri="{91240B29-F687-4f45-9708-019B960494DF}">
-                  <a14:hiddenLine xmlns:a14="http://schemas.microsoft.com/office/drawing/2010/main" xmlns="" w="9525">
+                  <a14:hiddenLine xmlns="" xmlns:a14="http://schemas.microsoft.com/office/drawing/2010/main" w="9525">
                     <a:solidFill>
                       <a:srgbClr val="000000"/>
                     </a:solidFill>
@@ -11438,7 +11445,7 @@
               </a:ln>
               <a:extLst>
                 <a:ext uri="{91240B29-F687-4f45-9708-019B960494DF}">
-                  <a14:hiddenLine xmlns:a14="http://schemas.microsoft.com/office/drawing/2010/main" xmlns="" w="9525">
+                  <a14:hiddenLine xmlns="" xmlns:a14="http://schemas.microsoft.com/office/drawing/2010/main" w="9525">
                     <a:solidFill>
                       <a:srgbClr val="000000"/>
                     </a:solidFill>
@@ -11506,7 +11513,7 @@
               </a:ln>
               <a:extLst>
                 <a:ext uri="{91240B29-F687-4f45-9708-019B960494DF}">
-                  <a14:hiddenLine xmlns:a14="http://schemas.microsoft.com/office/drawing/2010/main" xmlns="" w="9525">
+                  <a14:hiddenLine xmlns="" xmlns:a14="http://schemas.microsoft.com/office/drawing/2010/main" w="9525">
                     <a:solidFill>
                       <a:srgbClr val="000000"/>
                     </a:solidFill>
@@ -11596,7 +11603,7 @@
               </a:ln>
               <a:extLst>
                 <a:ext uri="{91240B29-F687-4f45-9708-019B960494DF}">
-                  <a14:hiddenLine xmlns:a14="http://schemas.microsoft.com/office/drawing/2010/main" xmlns="" w="9525">
+                  <a14:hiddenLine xmlns="" xmlns:a14="http://schemas.microsoft.com/office/drawing/2010/main" w="9525">
                     <a:solidFill>
                       <a:srgbClr val="000000"/>
                     </a:solidFill>
@@ -11664,7 +11671,7 @@
               </a:ln>
               <a:extLst>
                 <a:ext uri="{91240B29-F687-4f45-9708-019B960494DF}">
-                  <a14:hiddenLine xmlns:a14="http://schemas.microsoft.com/office/drawing/2010/main" xmlns="" w="9525">
+                  <a14:hiddenLine xmlns="" xmlns:a14="http://schemas.microsoft.com/office/drawing/2010/main" w="9525">
                     <a:solidFill>
                       <a:srgbClr val="000000"/>
                     </a:solidFill>
@@ -11754,7 +11761,7 @@
               </a:ln>
               <a:extLst>
                 <a:ext uri="{91240B29-F687-4f45-9708-019B960494DF}">
-                  <a14:hiddenLine xmlns:a14="http://schemas.microsoft.com/office/drawing/2010/main" xmlns="" w="9525">
+                  <a14:hiddenLine xmlns="" xmlns:a14="http://schemas.microsoft.com/office/drawing/2010/main" w="9525">
                     <a:solidFill>
                       <a:srgbClr val="000000"/>
                     </a:solidFill>
@@ -11788,7 +11795,7 @@
               </a:ln>
               <a:extLst>
                 <a:ext uri="{91240B29-F687-4f45-9708-019B960494DF}">
-                  <a14:hiddenLine xmlns:a14="http://schemas.microsoft.com/office/drawing/2010/main" xmlns="" w="9525">
+                  <a14:hiddenLine xmlns="" xmlns:a14="http://schemas.microsoft.com/office/drawing/2010/main" w="9525">
                     <a:solidFill>
                       <a:srgbClr val="000000"/>
                     </a:solidFill>
@@ -12865,6 +12872,1266 @@
           <p:cNvPr id="2" name="Título 1">
             <a:extLst>
               <a:ext uri="{FF2B5EF4-FFF2-40B4-BE49-F238E27FC236}">
+                <a16:creationId xmlns:a16="http://schemas.microsoft.com/office/drawing/2014/main" id="{B380BE7C-69C2-430F-B0E3-185AA4276DAA}"/>
+              </a:ext>
+            </a:extLst>
+          </p:cNvPr>
+          <p:cNvSpPr>
+            <a:spLocks noGrp="1"/>
+          </p:cNvSpPr>
+          <p:nvPr>
+            <p:ph type="title"/>
+          </p:nvPr>
+        </p:nvSpPr>
+        <p:spPr>
+          <a:xfrm>
+            <a:off x="3758268" y="813732"/>
+            <a:ext cx="4882394" cy="1283356"/>
+          </a:xfrm>
+        </p:spPr>
+        <p:txBody>
+          <a:bodyPr/>
+          <a:lstStyle/>
+          <a:p>
+            <a:r>
+              <a:rPr lang="pt-BR" b="1" i="0" dirty="0">
+                <a:effectLst/>
+                <a:latin typeface="Times New Roman" panose="02020603050405020304" pitchFamily="18" charset="0"/>
+              </a:rPr>
+              <a:t>Classes internas</a:t>
+            </a:r>
+            <a:br>
+              <a:rPr lang="pt-BR" b="1" i="0" dirty="0">
+                <a:solidFill>
+                  <a:srgbClr val="000000"/>
+                </a:solidFill>
+                <a:effectLst/>
+                <a:latin typeface="Times New Roman" panose="02020603050405020304" pitchFamily="18" charset="0"/>
+              </a:rPr>
+            </a:br>
+            <a:endParaRPr lang="pt-BR" dirty="0"/>
+          </a:p>
+        </p:txBody>
+      </p:sp>
+      <p:sp>
+        <p:nvSpPr>
+          <p:cNvPr id="3" name="Espaço Reservado para Conteúdo 2">
+            <a:extLst>
+              <a:ext uri="{FF2B5EF4-FFF2-40B4-BE49-F238E27FC236}">
+                <a16:creationId xmlns:a16="http://schemas.microsoft.com/office/drawing/2014/main" id="{FB3C2BEB-757D-FA9C-7370-1E02174000E6}"/>
+              </a:ext>
+            </a:extLst>
+          </p:cNvPr>
+          <p:cNvSpPr>
+            <a:spLocks noGrp="1"/>
+          </p:cNvSpPr>
+          <p:nvPr>
+            <p:ph idx="1"/>
+          </p:nvPr>
+        </p:nvSpPr>
+        <p:spPr>
+          <a:xfrm>
+            <a:off x="1195877" y="2759977"/>
+            <a:ext cx="10007176" cy="1048625"/>
+          </a:xfrm>
+        </p:spPr>
+        <p:txBody>
+          <a:bodyPr/>
+          <a:lstStyle/>
+          <a:p>
+            <a:r>
+              <a:rPr lang="pt-BR" b="0" i="0" dirty="0">
+                <a:effectLst/>
+                <a:latin typeface="Times New Roman" panose="02020603050405020304" pitchFamily="18" charset="0"/>
+              </a:rPr>
+              <a:t>Uma classe interna é uma classe que é subordinada a uma outra classe, sendo definida no corpo dessa outra classe.</a:t>
+            </a:r>
+          </a:p>
+        </p:txBody>
+      </p:sp>
+    </p:spTree>
+    <p:extLst>
+      <p:ext uri="{BB962C8B-B14F-4D97-AF65-F5344CB8AC3E}">
+        <p14:creationId xmlns:p14="http://schemas.microsoft.com/office/powerpoint/2010/main" val="712003591"/>
+      </p:ext>
+    </p:extLst>
+  </p:cSld>
+  <p:clrMapOvr>
+    <a:masterClrMapping/>
+  </p:clrMapOvr>
+</p:sld>
+</file>
+
+<file path=ppt/slides/slide5.xml><?xml version="1.0" encoding="utf-8"?>
+<p:sld xmlns:a="http://schemas.openxmlformats.org/drawingml/2006/main" xmlns:r="http://schemas.openxmlformats.org/officeDocument/2006/relationships" xmlns:p="http://schemas.openxmlformats.org/presentationml/2006/main">
+  <p:cSld>
+    <p:spTree>
+      <p:nvGrpSpPr>
+        <p:cNvPr id="1" name=""/>
+        <p:cNvGrpSpPr/>
+        <p:nvPr/>
+      </p:nvGrpSpPr>
+      <p:grpSpPr>
+        <a:xfrm>
+          <a:off x="0" y="0"/>
+          <a:ext cx="0" cy="0"/>
+          <a:chOff x="0" y="0"/>
+          <a:chExt cx="0" cy="0"/>
+        </a:xfrm>
+      </p:grpSpPr>
+      <p:sp>
+        <p:nvSpPr>
+          <p:cNvPr id="6" name="Espaço Reservado para Conteúdo 5">
+            <a:extLst>
+              <a:ext uri="{FF2B5EF4-FFF2-40B4-BE49-F238E27FC236}">
+                <a16:creationId xmlns:a16="http://schemas.microsoft.com/office/drawing/2014/main" id="{14982B63-D078-7B8F-D4BF-E5A9CBDC672D}"/>
+              </a:ext>
+            </a:extLst>
+          </p:cNvPr>
+          <p:cNvSpPr>
+            <a:spLocks noGrp="1"/>
+          </p:cNvSpPr>
+          <p:nvPr>
+            <p:ph idx="1"/>
+          </p:nvPr>
+        </p:nvSpPr>
+        <p:spPr>
+          <a:xfrm>
+            <a:off x="956854" y="135461"/>
+            <a:ext cx="9905999" cy="6636814"/>
+          </a:xfrm>
+        </p:spPr>
+        <p:txBody>
+          <a:bodyPr>
+            <a:noAutofit/>
+          </a:bodyPr>
+          <a:lstStyle/>
+          <a:p>
+            <a:pPr marL="0" indent="0">
+              <a:buNone/>
+            </a:pPr>
+            <a:r>
+              <a:rPr lang="pt-BR" sz="1400" b="0" dirty="0" err="1">
+                <a:solidFill>
+                  <a:srgbClr val="F286C4"/>
+                </a:solidFill>
+                <a:effectLst/>
+                <a:latin typeface="Fira Code" pitchFamily="1" charset="0"/>
+              </a:rPr>
+              <a:t>class</a:t>
+            </a:r>
+            <a:r>
+              <a:rPr lang="pt-BR" sz="1400" b="0" dirty="0">
+                <a:solidFill>
+                  <a:srgbClr val="F6F6F4"/>
+                </a:solidFill>
+                <a:effectLst/>
+                <a:latin typeface="Fira Code" pitchFamily="1" charset="0"/>
+              </a:rPr>
+              <a:t> </a:t>
+            </a:r>
+            <a:r>
+              <a:rPr lang="pt-BR" sz="1400" b="0" dirty="0" err="1">
+                <a:solidFill>
+                  <a:srgbClr val="97E1F1"/>
+                </a:solidFill>
+                <a:effectLst/>
+                <a:latin typeface="Fira Code" pitchFamily="1" charset="0"/>
+              </a:rPr>
+              <a:t>ClasseExterna</a:t>
+            </a:r>
+            <a:r>
+              <a:rPr lang="pt-BR" sz="1400" b="0" dirty="0">
+                <a:solidFill>
+                  <a:srgbClr val="F6F6F4"/>
+                </a:solidFill>
+                <a:effectLst/>
+                <a:latin typeface="Fira Code" pitchFamily="1" charset="0"/>
+              </a:rPr>
+              <a:t> {</a:t>
+            </a:r>
+          </a:p>
+          <a:p>
+            <a:pPr marL="0" indent="0">
+              <a:buNone/>
+            </a:pPr>
+            <a:r>
+              <a:rPr lang="pt-BR" sz="1400" b="0" dirty="0" err="1">
+                <a:solidFill>
+                  <a:srgbClr val="F286C4"/>
+                </a:solidFill>
+                <a:effectLst/>
+                <a:latin typeface="Fira Code" pitchFamily="1" charset="0"/>
+              </a:rPr>
+              <a:t>private</a:t>
+            </a:r>
+            <a:r>
+              <a:rPr lang="pt-BR" sz="1400" b="0" dirty="0">
+                <a:solidFill>
+                  <a:srgbClr val="F6F6F4"/>
+                </a:solidFill>
+                <a:effectLst/>
+                <a:latin typeface="Fira Code" pitchFamily="1" charset="0"/>
+              </a:rPr>
+              <a:t> </a:t>
+            </a:r>
+            <a:r>
+              <a:rPr lang="pt-BR" sz="1400" b="0" i="1" dirty="0" err="1">
+                <a:solidFill>
+                  <a:srgbClr val="97E1F1"/>
+                </a:solidFill>
+                <a:effectLst/>
+                <a:latin typeface="Fira Code" pitchFamily="1" charset="0"/>
+              </a:rPr>
+              <a:t>int</a:t>
+            </a:r>
+            <a:r>
+              <a:rPr lang="pt-BR" sz="1400" b="0" dirty="0">
+                <a:solidFill>
+                  <a:srgbClr val="F6F6F4"/>
+                </a:solidFill>
+                <a:effectLst/>
+                <a:latin typeface="Fira Code" pitchFamily="1" charset="0"/>
+              </a:rPr>
+              <a:t> x;</a:t>
+            </a:r>
+          </a:p>
+          <a:p>
+            <a:pPr marL="0" indent="0">
+              <a:buNone/>
+            </a:pPr>
+            <a:r>
+              <a:rPr lang="pt-BR" sz="1400" b="0" dirty="0">
+                <a:solidFill>
+                  <a:srgbClr val="F6F6F4"/>
+                </a:solidFill>
+                <a:effectLst/>
+                <a:latin typeface="Fira Code" pitchFamily="1" charset="0"/>
+              </a:rPr>
+              <a:t>    </a:t>
+            </a:r>
+            <a:r>
+              <a:rPr lang="pt-BR" sz="1400" b="0" dirty="0" err="1">
+                <a:solidFill>
+                  <a:srgbClr val="F286C4"/>
+                </a:solidFill>
+                <a:effectLst/>
+                <a:latin typeface="Fira Code" pitchFamily="1" charset="0"/>
+              </a:rPr>
+              <a:t>public</a:t>
+            </a:r>
+            <a:r>
+              <a:rPr lang="pt-BR" sz="1400" b="0" dirty="0">
+                <a:solidFill>
+                  <a:srgbClr val="F6F6F4"/>
+                </a:solidFill>
+                <a:effectLst/>
+                <a:latin typeface="Fira Code" pitchFamily="1" charset="0"/>
+              </a:rPr>
+              <a:t> </a:t>
+            </a:r>
+            <a:r>
+              <a:rPr lang="pt-BR" sz="1400" b="0" dirty="0" err="1">
+                <a:solidFill>
+                  <a:srgbClr val="62E884"/>
+                </a:solidFill>
+                <a:effectLst/>
+                <a:latin typeface="Fira Code" pitchFamily="1" charset="0"/>
+              </a:rPr>
+              <a:t>ClasseExterna</a:t>
+            </a:r>
+            <a:r>
+              <a:rPr lang="pt-BR" sz="1400" b="0" dirty="0">
+                <a:solidFill>
+                  <a:srgbClr val="F6F6F4"/>
+                </a:solidFill>
+                <a:effectLst/>
+                <a:latin typeface="Fira Code" pitchFamily="1" charset="0"/>
+              </a:rPr>
+              <a:t>(</a:t>
+            </a:r>
+            <a:r>
+              <a:rPr lang="pt-BR" sz="1400" b="0" i="1" dirty="0" err="1">
+                <a:solidFill>
+                  <a:srgbClr val="97E1F1"/>
+                </a:solidFill>
+                <a:effectLst/>
+                <a:latin typeface="Fira Code" pitchFamily="1" charset="0"/>
+              </a:rPr>
+              <a:t>int</a:t>
+            </a:r>
+            <a:r>
+              <a:rPr lang="pt-BR" sz="1400" b="0" dirty="0">
+                <a:solidFill>
+                  <a:srgbClr val="F6F6F4"/>
+                </a:solidFill>
+                <a:effectLst/>
+                <a:latin typeface="Fira Code" pitchFamily="1" charset="0"/>
+              </a:rPr>
+              <a:t> </a:t>
+            </a:r>
+            <a:r>
+              <a:rPr lang="pt-BR" sz="1400" b="0" i="1" dirty="0">
+                <a:solidFill>
+                  <a:srgbClr val="FFB86C"/>
+                </a:solidFill>
+                <a:effectLst/>
+                <a:latin typeface="Fira Code" pitchFamily="1" charset="0"/>
+              </a:rPr>
+              <a:t>valor</a:t>
+            </a:r>
+            <a:r>
+              <a:rPr lang="pt-BR" sz="1400" b="0" dirty="0">
+                <a:solidFill>
+                  <a:srgbClr val="F6F6F4"/>
+                </a:solidFill>
+                <a:effectLst/>
+                <a:latin typeface="Fira Code" pitchFamily="1" charset="0"/>
+              </a:rPr>
+              <a:t>) {</a:t>
+            </a:r>
+          </a:p>
+          <a:p>
+            <a:pPr marL="0" indent="0">
+              <a:buNone/>
+            </a:pPr>
+            <a:r>
+              <a:rPr lang="pt-BR" sz="1400" b="0" dirty="0">
+                <a:solidFill>
+                  <a:srgbClr val="F6F6F4"/>
+                </a:solidFill>
+                <a:effectLst/>
+                <a:latin typeface="Fira Code" pitchFamily="1" charset="0"/>
+              </a:rPr>
+              <a:t>        x </a:t>
+            </a:r>
+            <a:r>
+              <a:rPr lang="pt-BR" sz="1400" b="0" dirty="0">
+                <a:solidFill>
+                  <a:srgbClr val="F286C4"/>
+                </a:solidFill>
+                <a:effectLst/>
+                <a:latin typeface="Fira Code" pitchFamily="1" charset="0"/>
+              </a:rPr>
+              <a:t>=</a:t>
+            </a:r>
+            <a:r>
+              <a:rPr lang="pt-BR" sz="1400" b="0" dirty="0">
+                <a:solidFill>
+                  <a:srgbClr val="F6F6F4"/>
+                </a:solidFill>
+                <a:effectLst/>
+                <a:latin typeface="Fira Code" pitchFamily="1" charset="0"/>
+              </a:rPr>
+              <a:t> valor;} </a:t>
+            </a:r>
+          </a:p>
+          <a:p>
+            <a:pPr marL="0" indent="0">
+              <a:buNone/>
+            </a:pPr>
+            <a:r>
+              <a:rPr lang="pt-BR" sz="1400" b="0" dirty="0">
+                <a:solidFill>
+                  <a:srgbClr val="F6F6F4"/>
+                </a:solidFill>
+                <a:effectLst/>
+                <a:latin typeface="Fira Code" pitchFamily="1" charset="0"/>
+              </a:rPr>
+              <a:t>    </a:t>
+            </a:r>
+            <a:r>
+              <a:rPr lang="pt-BR" sz="1400" b="0" dirty="0" err="1">
+                <a:solidFill>
+                  <a:srgbClr val="F286C4"/>
+                </a:solidFill>
+                <a:effectLst/>
+                <a:latin typeface="Fira Code" pitchFamily="1" charset="0"/>
+              </a:rPr>
+              <a:t>public</a:t>
+            </a:r>
+            <a:r>
+              <a:rPr lang="pt-BR" sz="1400" b="0" dirty="0">
+                <a:solidFill>
+                  <a:srgbClr val="F6F6F4"/>
+                </a:solidFill>
+                <a:effectLst/>
+                <a:latin typeface="Fira Code" pitchFamily="1" charset="0"/>
+              </a:rPr>
+              <a:t> </a:t>
+            </a:r>
+            <a:r>
+              <a:rPr lang="pt-BR" sz="1400" b="0" i="1" dirty="0" err="1">
+                <a:solidFill>
+                  <a:srgbClr val="97E1F1"/>
+                </a:solidFill>
+                <a:effectLst/>
+                <a:latin typeface="Fira Code" pitchFamily="1" charset="0"/>
+              </a:rPr>
+              <a:t>void</a:t>
+            </a:r>
+            <a:r>
+              <a:rPr lang="pt-BR" sz="1400" b="0" dirty="0">
+                <a:solidFill>
+                  <a:srgbClr val="F6F6F4"/>
+                </a:solidFill>
+                <a:effectLst/>
+                <a:latin typeface="Fira Code" pitchFamily="1" charset="0"/>
+              </a:rPr>
+              <a:t> </a:t>
+            </a:r>
+            <a:r>
+              <a:rPr lang="pt-BR" sz="1400" b="0" dirty="0">
+                <a:solidFill>
+                  <a:srgbClr val="62E884"/>
+                </a:solidFill>
+                <a:effectLst/>
+                <a:latin typeface="Fira Code" pitchFamily="1" charset="0"/>
+              </a:rPr>
+              <a:t>roda</a:t>
+            </a:r>
+            <a:r>
+              <a:rPr lang="pt-BR" sz="1400" b="0" dirty="0">
+                <a:solidFill>
+                  <a:srgbClr val="F6F6F4"/>
+                </a:solidFill>
+                <a:effectLst/>
+                <a:latin typeface="Fira Code" pitchFamily="1" charset="0"/>
+              </a:rPr>
+              <a:t>() {</a:t>
+            </a:r>
+          </a:p>
+          <a:p>
+            <a:pPr marL="0" indent="0">
+              <a:buNone/>
+            </a:pPr>
+            <a:r>
+              <a:rPr lang="pt-BR" sz="1400" b="0" dirty="0">
+                <a:solidFill>
+                  <a:srgbClr val="F6F6F4"/>
+                </a:solidFill>
+                <a:effectLst/>
+                <a:latin typeface="Fira Code" pitchFamily="1" charset="0"/>
+              </a:rPr>
+              <a:t>        </a:t>
+            </a:r>
+            <a:r>
+              <a:rPr lang="pt-BR" sz="1400" b="0" i="1" dirty="0" err="1">
+                <a:solidFill>
+                  <a:srgbClr val="97E1F1"/>
+                </a:solidFill>
+                <a:effectLst/>
+                <a:latin typeface="Fira Code" pitchFamily="1" charset="0"/>
+              </a:rPr>
+              <a:t>ClasseInterna</a:t>
+            </a:r>
+            <a:r>
+              <a:rPr lang="pt-BR" sz="1400" b="0" dirty="0">
+                <a:solidFill>
+                  <a:srgbClr val="F6F6F4"/>
+                </a:solidFill>
+                <a:effectLst/>
+                <a:latin typeface="Fira Code" pitchFamily="1" charset="0"/>
+              </a:rPr>
+              <a:t> </a:t>
+            </a:r>
+            <a:r>
+              <a:rPr lang="pt-BR" sz="1400" b="0" dirty="0" err="1">
+                <a:solidFill>
+                  <a:srgbClr val="F6F6F4"/>
+                </a:solidFill>
+                <a:effectLst/>
+                <a:latin typeface="Fira Code" pitchFamily="1" charset="0"/>
+              </a:rPr>
+              <a:t>ci</a:t>
+            </a:r>
+            <a:r>
+              <a:rPr lang="pt-BR" sz="1400" b="0" dirty="0">
+                <a:solidFill>
+                  <a:srgbClr val="F6F6F4"/>
+                </a:solidFill>
+                <a:effectLst/>
+                <a:latin typeface="Fira Code" pitchFamily="1" charset="0"/>
+              </a:rPr>
+              <a:t> </a:t>
+            </a:r>
+            <a:r>
+              <a:rPr lang="pt-BR" sz="1400" b="0" dirty="0">
+                <a:solidFill>
+                  <a:srgbClr val="F286C4"/>
+                </a:solidFill>
+                <a:effectLst/>
+                <a:latin typeface="Fira Code" pitchFamily="1" charset="0"/>
+              </a:rPr>
+              <a:t>=</a:t>
+            </a:r>
+            <a:r>
+              <a:rPr lang="pt-BR" sz="1400" b="0" dirty="0">
+                <a:solidFill>
+                  <a:srgbClr val="F6F6F4"/>
+                </a:solidFill>
+                <a:effectLst/>
+                <a:latin typeface="Fira Code" pitchFamily="1" charset="0"/>
+              </a:rPr>
+              <a:t> </a:t>
+            </a:r>
+            <a:r>
+              <a:rPr lang="pt-BR" sz="1400" b="1" dirty="0">
+                <a:solidFill>
+                  <a:srgbClr val="F286C4"/>
+                </a:solidFill>
+                <a:effectLst/>
+                <a:latin typeface="Fira Code" pitchFamily="1" charset="0"/>
+              </a:rPr>
+              <a:t>new</a:t>
+            </a:r>
+            <a:r>
+              <a:rPr lang="pt-BR" sz="1400" b="0" dirty="0">
+                <a:solidFill>
+                  <a:srgbClr val="F6F6F4"/>
+                </a:solidFill>
+                <a:effectLst/>
+                <a:latin typeface="Fira Code" pitchFamily="1" charset="0"/>
+              </a:rPr>
+              <a:t> </a:t>
+            </a:r>
+            <a:r>
+              <a:rPr lang="pt-BR" sz="1400" b="0" dirty="0" err="1">
+                <a:solidFill>
+                  <a:srgbClr val="62E884"/>
+                </a:solidFill>
+                <a:effectLst/>
+                <a:latin typeface="Fira Code" pitchFamily="1" charset="0"/>
+              </a:rPr>
+              <a:t>ClasseInterna</a:t>
+            </a:r>
+            <a:r>
+              <a:rPr lang="pt-BR" sz="1400" b="0" dirty="0">
+                <a:solidFill>
+                  <a:srgbClr val="F6F6F4"/>
+                </a:solidFill>
+                <a:effectLst/>
+                <a:latin typeface="Fira Code" pitchFamily="1" charset="0"/>
+              </a:rPr>
+              <a:t>();</a:t>
+            </a:r>
+          </a:p>
+          <a:p>
+            <a:pPr marL="0" indent="0">
+              <a:buNone/>
+            </a:pPr>
+            <a:r>
+              <a:rPr lang="pt-BR" sz="1400" b="0" dirty="0">
+                <a:solidFill>
+                  <a:srgbClr val="F6F6F4"/>
+                </a:solidFill>
+                <a:effectLst/>
+                <a:latin typeface="Fira Code" pitchFamily="1" charset="0"/>
+              </a:rPr>
+              <a:t>        </a:t>
+            </a:r>
+            <a:r>
+              <a:rPr lang="pt-BR" sz="1400" b="0" dirty="0" err="1">
+                <a:solidFill>
+                  <a:srgbClr val="F6F6F4"/>
+                </a:solidFill>
+                <a:effectLst/>
+                <a:latin typeface="Fira Code" pitchFamily="1" charset="0"/>
+              </a:rPr>
+              <a:t>ci.</a:t>
+            </a:r>
+            <a:r>
+              <a:rPr lang="pt-BR" sz="1400" b="0" dirty="0" err="1">
+                <a:solidFill>
+                  <a:srgbClr val="62E884"/>
+                </a:solidFill>
+                <a:effectLst/>
+                <a:latin typeface="Fira Code" pitchFamily="1" charset="0"/>
+              </a:rPr>
+              <a:t>imprimeX</a:t>
+            </a:r>
+            <a:r>
+              <a:rPr lang="pt-BR" sz="1400" b="0" dirty="0">
+                <a:solidFill>
+                  <a:srgbClr val="F6F6F4"/>
+                </a:solidFill>
+                <a:effectLst/>
+                <a:latin typeface="Fira Code" pitchFamily="1" charset="0"/>
+              </a:rPr>
+              <a:t>();}</a:t>
+            </a:r>
+          </a:p>
+          <a:p>
+            <a:pPr marL="0" indent="0">
+              <a:buNone/>
+            </a:pPr>
+            <a:r>
+              <a:rPr lang="pt-BR" sz="1400" b="0" dirty="0">
+                <a:solidFill>
+                  <a:srgbClr val="F6F6F4"/>
+                </a:solidFill>
+                <a:effectLst/>
+                <a:latin typeface="Fira Code" pitchFamily="1" charset="0"/>
+              </a:rPr>
+              <a:t>    </a:t>
+            </a:r>
+            <a:r>
+              <a:rPr lang="pt-BR" sz="1400" b="0" dirty="0" err="1">
+                <a:solidFill>
+                  <a:srgbClr val="F286C4"/>
+                </a:solidFill>
+                <a:effectLst/>
+                <a:latin typeface="Fira Code" pitchFamily="1" charset="0"/>
+              </a:rPr>
+              <a:t>public</a:t>
+            </a:r>
+            <a:r>
+              <a:rPr lang="pt-BR" sz="1400" b="0" dirty="0">
+                <a:solidFill>
+                  <a:srgbClr val="F6F6F4"/>
+                </a:solidFill>
+                <a:effectLst/>
+                <a:latin typeface="Fira Code" pitchFamily="1" charset="0"/>
+              </a:rPr>
+              <a:t> </a:t>
+            </a:r>
+            <a:r>
+              <a:rPr lang="pt-BR" sz="1400" b="0" dirty="0" err="1">
+                <a:solidFill>
+                  <a:srgbClr val="F286C4"/>
+                </a:solidFill>
+                <a:effectLst/>
+                <a:latin typeface="Fira Code" pitchFamily="1" charset="0"/>
+              </a:rPr>
+              <a:t>class</a:t>
+            </a:r>
+            <a:r>
+              <a:rPr lang="pt-BR" sz="1400" b="0" dirty="0">
+                <a:solidFill>
+                  <a:srgbClr val="F6F6F4"/>
+                </a:solidFill>
+                <a:effectLst/>
+                <a:latin typeface="Fira Code" pitchFamily="1" charset="0"/>
+              </a:rPr>
+              <a:t> </a:t>
+            </a:r>
+            <a:r>
+              <a:rPr lang="pt-BR" sz="1400" b="0" dirty="0" err="1">
+                <a:solidFill>
+                  <a:srgbClr val="97E1F1"/>
+                </a:solidFill>
+                <a:effectLst/>
+                <a:latin typeface="Fira Code" pitchFamily="1" charset="0"/>
+              </a:rPr>
+              <a:t>ClasseInterna</a:t>
+            </a:r>
+            <a:r>
+              <a:rPr lang="pt-BR" sz="1400" b="0" dirty="0">
+                <a:solidFill>
+                  <a:srgbClr val="F6F6F4"/>
+                </a:solidFill>
+                <a:effectLst/>
+                <a:latin typeface="Fira Code" pitchFamily="1" charset="0"/>
+              </a:rPr>
+              <a:t> {</a:t>
+            </a:r>
+          </a:p>
+          <a:p>
+            <a:pPr marL="0" indent="0">
+              <a:buNone/>
+            </a:pPr>
+            <a:r>
+              <a:rPr lang="pt-BR" sz="1400" b="0" dirty="0">
+                <a:solidFill>
+                  <a:srgbClr val="F6F6F4"/>
+                </a:solidFill>
+                <a:effectLst/>
+                <a:latin typeface="Fira Code" pitchFamily="1" charset="0"/>
+              </a:rPr>
+              <a:t>       </a:t>
+            </a:r>
+            <a:r>
+              <a:rPr lang="pt-BR" sz="1400" b="0" i="1" dirty="0" err="1">
+                <a:solidFill>
+                  <a:srgbClr val="97E1F1"/>
+                </a:solidFill>
+                <a:effectLst/>
+                <a:latin typeface="Fira Code" pitchFamily="1" charset="0"/>
+              </a:rPr>
+              <a:t>int</a:t>
+            </a:r>
+            <a:r>
+              <a:rPr lang="pt-BR" sz="1400" b="0" dirty="0">
+                <a:solidFill>
+                  <a:srgbClr val="F6F6F4"/>
+                </a:solidFill>
+                <a:effectLst/>
+                <a:latin typeface="Fira Code" pitchFamily="1" charset="0"/>
+              </a:rPr>
+              <a:t> y;</a:t>
+            </a:r>
+          </a:p>
+          <a:p>
+            <a:pPr marL="0" indent="0">
+              <a:buNone/>
+            </a:pPr>
+            <a:r>
+              <a:rPr lang="pt-BR" sz="1400" b="0" dirty="0">
+                <a:solidFill>
+                  <a:srgbClr val="F6F6F4"/>
+                </a:solidFill>
+                <a:effectLst/>
+                <a:latin typeface="Fira Code" pitchFamily="1" charset="0"/>
+              </a:rPr>
+              <a:t>        </a:t>
+            </a:r>
+            <a:r>
+              <a:rPr lang="pt-BR" sz="1400" b="0" dirty="0" err="1">
+                <a:solidFill>
+                  <a:srgbClr val="F286C4"/>
+                </a:solidFill>
+                <a:effectLst/>
+                <a:latin typeface="Fira Code" pitchFamily="1" charset="0"/>
+              </a:rPr>
+              <a:t>public</a:t>
+            </a:r>
+            <a:r>
+              <a:rPr lang="pt-BR" sz="1400" b="0" dirty="0">
+                <a:solidFill>
+                  <a:srgbClr val="F6F6F4"/>
+                </a:solidFill>
+                <a:effectLst/>
+                <a:latin typeface="Fira Code" pitchFamily="1" charset="0"/>
+              </a:rPr>
+              <a:t> </a:t>
+            </a:r>
+            <a:r>
+              <a:rPr lang="pt-BR" sz="1400" b="0" i="1" dirty="0" err="1">
+                <a:solidFill>
+                  <a:srgbClr val="97E1F1"/>
+                </a:solidFill>
+                <a:effectLst/>
+                <a:latin typeface="Fira Code" pitchFamily="1" charset="0"/>
+              </a:rPr>
+              <a:t>void</a:t>
+            </a:r>
+            <a:r>
+              <a:rPr lang="pt-BR" sz="1400" b="0" dirty="0">
+                <a:solidFill>
+                  <a:srgbClr val="F6F6F4"/>
+                </a:solidFill>
+                <a:effectLst/>
+                <a:latin typeface="Fira Code" pitchFamily="1" charset="0"/>
+              </a:rPr>
+              <a:t> </a:t>
+            </a:r>
+            <a:r>
+              <a:rPr lang="pt-BR" sz="1400" b="0" dirty="0" err="1">
+                <a:solidFill>
+                  <a:srgbClr val="62E884"/>
+                </a:solidFill>
+                <a:effectLst/>
+                <a:latin typeface="Fira Code" pitchFamily="1" charset="0"/>
+              </a:rPr>
+              <a:t>imprimeX</a:t>
+            </a:r>
+            <a:r>
+              <a:rPr lang="pt-BR" sz="1400" b="0" dirty="0">
+                <a:solidFill>
+                  <a:srgbClr val="F6F6F4"/>
+                </a:solidFill>
+                <a:effectLst/>
+                <a:latin typeface="Fira Code" pitchFamily="1" charset="0"/>
+              </a:rPr>
+              <a:t>() {                    </a:t>
+            </a:r>
+            <a:r>
+              <a:rPr lang="pt-BR" sz="1400" b="0" dirty="0" err="1">
+                <a:solidFill>
+                  <a:srgbClr val="F6F6F4"/>
+                </a:solidFill>
+                <a:effectLst/>
+                <a:latin typeface="Fira Code" pitchFamily="1" charset="0"/>
+              </a:rPr>
+              <a:t>System.out.</a:t>
+            </a:r>
+            <a:r>
+              <a:rPr lang="pt-BR" sz="1400" b="0" dirty="0" err="1">
+                <a:solidFill>
+                  <a:srgbClr val="62E884"/>
+                </a:solidFill>
+                <a:effectLst/>
+                <a:latin typeface="Fira Code" pitchFamily="1" charset="0"/>
+              </a:rPr>
+              <a:t>println</a:t>
+            </a:r>
+            <a:r>
+              <a:rPr lang="pt-BR" sz="1400" b="0" dirty="0">
+                <a:solidFill>
+                  <a:srgbClr val="F6F6F4"/>
+                </a:solidFill>
+                <a:effectLst/>
+                <a:latin typeface="Fira Code" pitchFamily="1" charset="0"/>
+              </a:rPr>
+              <a:t>(x);</a:t>
+            </a:r>
+          </a:p>
+          <a:p>
+            <a:pPr marL="0" indent="0">
+              <a:buNone/>
+            </a:pPr>
+            <a:r>
+              <a:rPr lang="pt-BR" sz="1400" b="0" dirty="0">
+                <a:solidFill>
+                  <a:srgbClr val="F6F6F4"/>
+                </a:solidFill>
+                <a:effectLst/>
+                <a:latin typeface="Fira Code" pitchFamily="1" charset="0"/>
+              </a:rPr>
+              <a:t>        }}}</a:t>
+            </a:r>
+          </a:p>
+          <a:p>
+            <a:pPr marL="0" indent="0">
+              <a:buNone/>
+            </a:pPr>
+            <a:br>
+              <a:rPr lang="pt-BR" sz="1400" b="0" dirty="0">
+                <a:solidFill>
+                  <a:srgbClr val="F6F6F4"/>
+                </a:solidFill>
+                <a:effectLst/>
+                <a:latin typeface="Fira Code" pitchFamily="1" charset="0"/>
+              </a:rPr>
+            </a:br>
+            <a:r>
+              <a:rPr lang="pt-BR" sz="1400" b="0" dirty="0" err="1">
+                <a:solidFill>
+                  <a:srgbClr val="F286C4"/>
+                </a:solidFill>
+                <a:effectLst/>
+                <a:latin typeface="Fira Code" pitchFamily="1" charset="0"/>
+              </a:rPr>
+              <a:t>public</a:t>
+            </a:r>
+            <a:r>
+              <a:rPr lang="pt-BR" sz="1400" b="0" dirty="0">
+                <a:solidFill>
+                  <a:srgbClr val="F6F6F4"/>
+                </a:solidFill>
+                <a:effectLst/>
+                <a:latin typeface="Fira Code" pitchFamily="1" charset="0"/>
+              </a:rPr>
+              <a:t> </a:t>
+            </a:r>
+            <a:r>
+              <a:rPr lang="pt-BR" sz="1400" b="0" dirty="0" err="1">
+                <a:solidFill>
+                  <a:srgbClr val="F286C4"/>
+                </a:solidFill>
+                <a:effectLst/>
+                <a:latin typeface="Fira Code" pitchFamily="1" charset="0"/>
+              </a:rPr>
+              <a:t>class</a:t>
+            </a:r>
+            <a:r>
+              <a:rPr lang="pt-BR" sz="1400" b="0" dirty="0">
+                <a:solidFill>
+                  <a:srgbClr val="F6F6F4"/>
+                </a:solidFill>
+                <a:effectLst/>
+                <a:latin typeface="Fira Code" pitchFamily="1" charset="0"/>
+              </a:rPr>
+              <a:t> </a:t>
+            </a:r>
+            <a:r>
+              <a:rPr lang="pt-BR" sz="1400" b="0" dirty="0" err="1">
+                <a:solidFill>
+                  <a:srgbClr val="97E1F1"/>
+                </a:solidFill>
+                <a:effectLst/>
+                <a:latin typeface="Fira Code" pitchFamily="1" charset="0"/>
+              </a:rPr>
+              <a:t>Main</a:t>
+            </a:r>
+            <a:r>
+              <a:rPr lang="pt-BR" sz="1400" b="0" dirty="0">
+                <a:solidFill>
+                  <a:srgbClr val="F6F6F4"/>
+                </a:solidFill>
+                <a:effectLst/>
+                <a:latin typeface="Fira Code" pitchFamily="1" charset="0"/>
+              </a:rPr>
+              <a:t> {</a:t>
+            </a:r>
+          </a:p>
+          <a:p>
+            <a:pPr marL="0" indent="0">
+              <a:buNone/>
+            </a:pPr>
+            <a:r>
+              <a:rPr lang="pt-BR" sz="1400" b="0" dirty="0">
+                <a:solidFill>
+                  <a:srgbClr val="F6F6F4"/>
+                </a:solidFill>
+                <a:effectLst/>
+                <a:latin typeface="Fira Code" pitchFamily="1" charset="0"/>
+              </a:rPr>
+              <a:t>    </a:t>
+            </a:r>
+            <a:r>
+              <a:rPr lang="pt-BR" sz="1400" b="0" dirty="0" err="1">
+                <a:solidFill>
+                  <a:srgbClr val="F286C4"/>
+                </a:solidFill>
+                <a:effectLst/>
+                <a:latin typeface="Fira Code" pitchFamily="1" charset="0"/>
+              </a:rPr>
+              <a:t>public</a:t>
+            </a:r>
+            <a:r>
+              <a:rPr lang="pt-BR" sz="1400" b="0" dirty="0">
+                <a:solidFill>
+                  <a:srgbClr val="F6F6F4"/>
+                </a:solidFill>
+                <a:effectLst/>
+                <a:latin typeface="Fira Code" pitchFamily="1" charset="0"/>
+              </a:rPr>
+              <a:t> </a:t>
+            </a:r>
+            <a:r>
+              <a:rPr lang="pt-BR" sz="1400" b="0" dirty="0" err="1">
+                <a:solidFill>
+                  <a:srgbClr val="F286C4"/>
+                </a:solidFill>
+                <a:effectLst/>
+                <a:latin typeface="Fira Code" pitchFamily="1" charset="0"/>
+              </a:rPr>
+              <a:t>static</a:t>
+            </a:r>
+            <a:r>
+              <a:rPr lang="pt-BR" sz="1400" b="0" dirty="0">
+                <a:solidFill>
+                  <a:srgbClr val="F6F6F4"/>
+                </a:solidFill>
+                <a:effectLst/>
+                <a:latin typeface="Fira Code" pitchFamily="1" charset="0"/>
+              </a:rPr>
+              <a:t> </a:t>
+            </a:r>
+            <a:r>
+              <a:rPr lang="pt-BR" sz="1400" b="0" i="1" dirty="0" err="1">
+                <a:solidFill>
+                  <a:srgbClr val="97E1F1"/>
+                </a:solidFill>
+                <a:effectLst/>
+                <a:latin typeface="Fira Code" pitchFamily="1" charset="0"/>
+              </a:rPr>
+              <a:t>void</a:t>
+            </a:r>
+            <a:r>
+              <a:rPr lang="pt-BR" sz="1400" b="0" dirty="0">
+                <a:solidFill>
+                  <a:srgbClr val="F6F6F4"/>
+                </a:solidFill>
+                <a:effectLst/>
+                <a:latin typeface="Fira Code" pitchFamily="1" charset="0"/>
+              </a:rPr>
+              <a:t> </a:t>
+            </a:r>
+            <a:r>
+              <a:rPr lang="pt-BR" sz="1400" b="0" dirty="0" err="1">
+                <a:solidFill>
+                  <a:srgbClr val="62E884"/>
+                </a:solidFill>
+                <a:effectLst/>
+                <a:latin typeface="Fira Code" pitchFamily="1" charset="0"/>
+              </a:rPr>
+              <a:t>main</a:t>
+            </a:r>
+            <a:r>
+              <a:rPr lang="pt-BR" sz="1400" b="0" dirty="0">
+                <a:solidFill>
+                  <a:srgbClr val="F6F6F4"/>
+                </a:solidFill>
+                <a:effectLst/>
+                <a:latin typeface="Fira Code" pitchFamily="1" charset="0"/>
+              </a:rPr>
+              <a:t>(</a:t>
+            </a:r>
+            <a:r>
+              <a:rPr lang="pt-BR" sz="1400" b="0" i="1" dirty="0" err="1">
+                <a:solidFill>
+                  <a:srgbClr val="97E1F1"/>
+                </a:solidFill>
+                <a:effectLst/>
+                <a:latin typeface="Fira Code" pitchFamily="1" charset="0"/>
+              </a:rPr>
+              <a:t>String</a:t>
+            </a:r>
+            <a:r>
+              <a:rPr lang="pt-BR" sz="1400" b="0" dirty="0">
+                <a:solidFill>
+                  <a:srgbClr val="F6F6F4"/>
+                </a:solidFill>
+                <a:effectLst/>
+                <a:latin typeface="Fira Code" pitchFamily="1" charset="0"/>
+              </a:rPr>
+              <a:t>[] </a:t>
+            </a:r>
+            <a:r>
+              <a:rPr lang="pt-BR" sz="1400" b="0" i="1" dirty="0" err="1">
+                <a:solidFill>
+                  <a:srgbClr val="FFB86C"/>
+                </a:solidFill>
+                <a:effectLst/>
+                <a:latin typeface="Fira Code" pitchFamily="1" charset="0"/>
+              </a:rPr>
+              <a:t>args</a:t>
+            </a:r>
+            <a:r>
+              <a:rPr lang="pt-BR" sz="1400" b="0" dirty="0">
+                <a:solidFill>
+                  <a:srgbClr val="F6F6F4"/>
+                </a:solidFill>
+                <a:effectLst/>
+                <a:latin typeface="Fira Code" pitchFamily="1" charset="0"/>
+              </a:rPr>
+              <a:t>) {</a:t>
+            </a:r>
+          </a:p>
+          <a:p>
+            <a:pPr marL="0" indent="0">
+              <a:buNone/>
+            </a:pPr>
+            <a:r>
+              <a:rPr lang="pt-BR" sz="1400" b="0" dirty="0">
+                <a:solidFill>
+                  <a:srgbClr val="F6F6F4"/>
+                </a:solidFill>
+                <a:effectLst/>
+                <a:latin typeface="Fira Code" pitchFamily="1" charset="0"/>
+              </a:rPr>
+              <a:t>       </a:t>
+            </a:r>
+            <a:r>
+              <a:rPr lang="pt-BR" sz="1400" b="0" i="1" dirty="0" err="1">
+                <a:solidFill>
+                  <a:srgbClr val="97E1F1"/>
+                </a:solidFill>
+                <a:effectLst/>
+                <a:latin typeface="Fira Code" pitchFamily="1" charset="0"/>
+              </a:rPr>
+              <a:t>ClasseExterna</a:t>
+            </a:r>
+            <a:r>
+              <a:rPr lang="pt-BR" sz="1400" b="0" dirty="0">
+                <a:solidFill>
+                  <a:srgbClr val="F6F6F4"/>
+                </a:solidFill>
+                <a:effectLst/>
+                <a:latin typeface="Fira Code" pitchFamily="1" charset="0"/>
+              </a:rPr>
+              <a:t> </a:t>
+            </a:r>
+            <a:r>
+              <a:rPr lang="pt-BR" sz="1400" b="0" dirty="0" err="1">
+                <a:solidFill>
+                  <a:srgbClr val="F6F6F4"/>
+                </a:solidFill>
+                <a:effectLst/>
+                <a:latin typeface="Fira Code" pitchFamily="1" charset="0"/>
+              </a:rPr>
+              <a:t>ce</a:t>
+            </a:r>
+            <a:r>
+              <a:rPr lang="pt-BR" sz="1400" b="0" dirty="0">
+                <a:solidFill>
+                  <a:srgbClr val="F6F6F4"/>
+                </a:solidFill>
+                <a:effectLst/>
+                <a:latin typeface="Fira Code" pitchFamily="1" charset="0"/>
+              </a:rPr>
+              <a:t> </a:t>
+            </a:r>
+            <a:r>
+              <a:rPr lang="pt-BR" sz="1400" b="0" dirty="0">
+                <a:solidFill>
+                  <a:srgbClr val="F286C4"/>
+                </a:solidFill>
+                <a:effectLst/>
+                <a:latin typeface="Fira Code" pitchFamily="1" charset="0"/>
+              </a:rPr>
+              <a:t>=</a:t>
+            </a:r>
+            <a:r>
+              <a:rPr lang="pt-BR" sz="1400" b="0" dirty="0">
+                <a:solidFill>
+                  <a:srgbClr val="F6F6F4"/>
+                </a:solidFill>
+                <a:effectLst/>
+                <a:latin typeface="Fira Code" pitchFamily="1" charset="0"/>
+              </a:rPr>
+              <a:t> </a:t>
+            </a:r>
+            <a:r>
+              <a:rPr lang="pt-BR" sz="1400" b="1" dirty="0">
+                <a:solidFill>
+                  <a:srgbClr val="F286C4"/>
+                </a:solidFill>
+                <a:effectLst/>
+                <a:latin typeface="Fira Code" pitchFamily="1" charset="0"/>
+              </a:rPr>
+              <a:t>new</a:t>
+            </a:r>
+            <a:r>
+              <a:rPr lang="pt-BR" sz="1400" b="0" dirty="0">
+                <a:solidFill>
+                  <a:srgbClr val="F6F6F4"/>
+                </a:solidFill>
+                <a:effectLst/>
+                <a:latin typeface="Fira Code" pitchFamily="1" charset="0"/>
+              </a:rPr>
+              <a:t> </a:t>
+            </a:r>
+            <a:r>
+              <a:rPr lang="pt-BR" sz="1400" b="0" dirty="0" err="1">
+                <a:solidFill>
+                  <a:srgbClr val="62E884"/>
+                </a:solidFill>
+                <a:effectLst/>
+                <a:latin typeface="Fira Code" pitchFamily="1" charset="0"/>
+              </a:rPr>
+              <a:t>ClasseExterna</a:t>
+            </a:r>
+            <a:r>
+              <a:rPr lang="pt-BR" sz="1400" b="0" dirty="0">
+                <a:solidFill>
+                  <a:srgbClr val="F6F6F4"/>
+                </a:solidFill>
+                <a:effectLst/>
+                <a:latin typeface="Fira Code" pitchFamily="1" charset="0"/>
+              </a:rPr>
+              <a:t>(</a:t>
+            </a:r>
+            <a:r>
+              <a:rPr lang="pt-BR" sz="1400" b="0" dirty="0">
+                <a:solidFill>
+                  <a:srgbClr val="BF9EEE"/>
+                </a:solidFill>
+                <a:effectLst/>
+                <a:latin typeface="Fira Code" pitchFamily="1" charset="0"/>
+              </a:rPr>
+              <a:t>5</a:t>
+            </a:r>
+            <a:r>
+              <a:rPr lang="pt-BR" sz="1400" b="0" dirty="0">
+                <a:solidFill>
+                  <a:srgbClr val="F6F6F4"/>
+                </a:solidFill>
+                <a:effectLst/>
+                <a:latin typeface="Fira Code" pitchFamily="1" charset="0"/>
+              </a:rPr>
+              <a:t>);</a:t>
+            </a:r>
+          </a:p>
+          <a:p>
+            <a:pPr marL="0" indent="0">
+              <a:buNone/>
+            </a:pPr>
+            <a:r>
+              <a:rPr lang="pt-BR" sz="1400" b="0" dirty="0">
+                <a:solidFill>
+                  <a:srgbClr val="F6F6F4"/>
+                </a:solidFill>
+                <a:effectLst/>
+                <a:latin typeface="Fira Code" pitchFamily="1" charset="0"/>
+              </a:rPr>
+              <a:t>        </a:t>
+            </a:r>
+            <a:r>
+              <a:rPr lang="pt-BR" sz="1400" b="0" dirty="0" err="1">
+                <a:solidFill>
+                  <a:srgbClr val="F6F6F4"/>
+                </a:solidFill>
+                <a:effectLst/>
+                <a:latin typeface="Fira Code" pitchFamily="1" charset="0"/>
+              </a:rPr>
+              <a:t>ce.</a:t>
+            </a:r>
+            <a:r>
+              <a:rPr lang="pt-BR" sz="1400" b="0" dirty="0" err="1">
+                <a:solidFill>
+                  <a:srgbClr val="62E884"/>
+                </a:solidFill>
+                <a:effectLst/>
+                <a:latin typeface="Fira Code" pitchFamily="1" charset="0"/>
+              </a:rPr>
+              <a:t>roda</a:t>
+            </a:r>
+            <a:r>
+              <a:rPr lang="pt-BR" sz="1400" b="0" dirty="0">
+                <a:solidFill>
+                  <a:srgbClr val="F6F6F4"/>
+                </a:solidFill>
+                <a:effectLst/>
+                <a:latin typeface="Fira Code" pitchFamily="1" charset="0"/>
+              </a:rPr>
+              <a:t>();</a:t>
+            </a:r>
+          </a:p>
+          <a:p>
+            <a:pPr marL="0" indent="0">
+              <a:buNone/>
+            </a:pPr>
+            <a:r>
+              <a:rPr lang="pt-BR" sz="1400" b="0" dirty="0">
+                <a:solidFill>
+                  <a:srgbClr val="F6F6F4"/>
+                </a:solidFill>
+                <a:effectLst/>
+                <a:latin typeface="Fira Code" pitchFamily="1" charset="0"/>
+              </a:rPr>
+              <a:t>    }}</a:t>
+            </a:r>
+          </a:p>
+        </p:txBody>
+      </p:sp>
+    </p:spTree>
+    <p:extLst>
+      <p:ext uri="{BB962C8B-B14F-4D97-AF65-F5344CB8AC3E}">
+        <p14:creationId xmlns:p14="http://schemas.microsoft.com/office/powerpoint/2010/main" val="3012962390"/>
+      </p:ext>
+    </p:extLst>
+  </p:cSld>
+  <p:clrMapOvr>
+    <a:masterClrMapping/>
+  </p:clrMapOvr>
+</p:sld>
+</file>
+
+<file path=ppt/slides/slide6.xml><?xml version="1.0" encoding="utf-8"?>
+<p:sld xmlns:a="http://schemas.openxmlformats.org/drawingml/2006/main" xmlns:r="http://schemas.openxmlformats.org/officeDocument/2006/relationships" xmlns:p="http://schemas.openxmlformats.org/presentationml/2006/main">
+  <p:cSld>
+    <p:spTree>
+      <p:nvGrpSpPr>
+        <p:cNvPr id="1" name=""/>
+        <p:cNvGrpSpPr/>
+        <p:nvPr/>
+      </p:nvGrpSpPr>
+      <p:grpSpPr>
+        <a:xfrm>
+          <a:off x="0" y="0"/>
+          <a:ext cx="0" cy="0"/>
+          <a:chOff x="0" y="0"/>
+          <a:chExt cx="0" cy="0"/>
+        </a:xfrm>
+      </p:grpSpPr>
+      <p:sp>
+        <p:nvSpPr>
+          <p:cNvPr id="2" name="Título 1">
+            <a:extLst>
+              <a:ext uri="{FF2B5EF4-FFF2-40B4-BE49-F238E27FC236}">
                 <a16:creationId xmlns:a16="http://schemas.microsoft.com/office/drawing/2014/main" id="{A9B2337F-CE9E-3F66-31AB-30D91D5B6DD6}"/>
               </a:ext>
             </a:extLst>
@@ -12950,7 +14217,7 @@
 </p:sld>
 </file>
 
-<file path=ppt/slides/slide5.xml><?xml version="1.0" encoding="utf-8"?>
+<file path=ppt/slides/slide7.xml><?xml version="1.0" encoding="utf-8"?>
 <p:sld xmlns:a="http://schemas.openxmlformats.org/drawingml/2006/main" xmlns:r="http://schemas.openxmlformats.org/officeDocument/2006/relationships" xmlns:p="http://schemas.openxmlformats.org/presentationml/2006/main">
   <p:cSld>
     <p:spTree>
@@ -13263,7 +14530,7 @@
 </p:sld>
 </file>
 
-<file path=ppt/slides/slide6.xml><?xml version="1.0" encoding="utf-8"?>
+<file path=ppt/slides/slide8.xml><?xml version="1.0" encoding="utf-8"?>
 <p:sld xmlns:a="http://schemas.openxmlformats.org/drawingml/2006/main" xmlns:r="http://schemas.openxmlformats.org/officeDocument/2006/relationships" xmlns:p="http://schemas.openxmlformats.org/presentationml/2006/main">
   <p:cSld>
     <p:spTree>
@@ -13372,7 +14639,7 @@
 </p:sld>
 </file>
 
-<file path=ppt/slides/slide7.xml><?xml version="1.0" encoding="utf-8"?>
+<file path=ppt/slides/slide9.xml><?xml version="1.0" encoding="utf-8"?>
 <p:sld xmlns:a="http://schemas.openxmlformats.org/drawingml/2006/main" xmlns:r="http://schemas.openxmlformats.org/officeDocument/2006/relationships" xmlns:p="http://schemas.openxmlformats.org/presentationml/2006/main">
   <p:cSld>
     <p:spTree>

--- a/FPOO/aula 18/Programação Orientada a Objetos POO.pptx
+++ b/FPOO/aula 18/Programação Orientada a Objetos POO.pptx
@@ -7,13 +7,12 @@
   <p:sldIdLst>
     <p:sldId id="257" r:id="rId2"/>
     <p:sldId id="258" r:id="rId3"/>
-    <p:sldId id="263" r:id="rId4"/>
-    <p:sldId id="264" r:id="rId5"/>
-    <p:sldId id="265" r:id="rId6"/>
-    <p:sldId id="259" r:id="rId7"/>
-    <p:sldId id="260" r:id="rId8"/>
-    <p:sldId id="261" r:id="rId9"/>
-    <p:sldId id="262" r:id="rId10"/>
+    <p:sldId id="264" r:id="rId4"/>
+    <p:sldId id="265" r:id="rId5"/>
+    <p:sldId id="259" r:id="rId6"/>
+    <p:sldId id="260" r:id="rId7"/>
+    <p:sldId id="261" r:id="rId8"/>
+    <p:sldId id="262" r:id="rId9"/>
   </p:sldIdLst>
   <p:sldSz cx="12192000" cy="6858000"/>
   <p:notesSz cx="6858000" cy="9144000"/>
@@ -177,7 +176,7 @@
           <a:noFill/>
           <a:extLst>
             <a:ext uri="{909E8E84-426E-40dd-AFC4-6F175D3DCCD1}">
-              <a14:hiddenFill xmlns="" xmlns:a14="http://schemas.microsoft.com/office/drawing/2010/main">
+              <a14:hiddenFill xmlns:a14="http://schemas.microsoft.com/office/drawing/2010/main" xmlns="">
                 <a:solidFill>
                   <a:srgbClr val="FFFFFF"/>
                 </a:solidFill>
@@ -236,7 +235,7 @@
             </a:ln>
             <a:extLst>
               <a:ext uri="{91240B29-F687-4f45-9708-019B960494DF}">
-                <a14:hiddenLine xmlns="" xmlns:a14="http://schemas.microsoft.com/office/drawing/2010/main" w="9525">
+                <a14:hiddenLine xmlns:a14="http://schemas.microsoft.com/office/drawing/2010/main" xmlns="" w="9525">
                   <a:solidFill>
                     <a:srgbClr val="000000"/>
                   </a:solidFill>
@@ -326,7 +325,7 @@
             </a:ln>
             <a:extLst>
               <a:ext uri="{91240B29-F687-4f45-9708-019B960494DF}">
-                <a14:hiddenLine xmlns="" xmlns:a14="http://schemas.microsoft.com/office/drawing/2010/main" w="9525">
+                <a14:hiddenLine xmlns:a14="http://schemas.microsoft.com/office/drawing/2010/main" xmlns="" w="9525">
                   <a:solidFill>
                     <a:srgbClr val="000000"/>
                   </a:solidFill>
@@ -416,7 +415,7 @@
             </a:ln>
             <a:extLst>
               <a:ext uri="{91240B29-F687-4f45-9708-019B960494DF}">
-                <a14:hiddenLine xmlns="" xmlns:a14="http://schemas.microsoft.com/office/drawing/2010/main" w="9525">
+                <a14:hiddenLine xmlns:a14="http://schemas.microsoft.com/office/drawing/2010/main" xmlns="" w="9525">
                   <a:solidFill>
                     <a:srgbClr val="000000"/>
                   </a:solidFill>
@@ -450,7 +449,7 @@
             </a:ln>
             <a:extLst>
               <a:ext uri="{91240B29-F687-4f45-9708-019B960494DF}">
-                <a14:hiddenLine xmlns="" xmlns:a14="http://schemas.microsoft.com/office/drawing/2010/main" w="9525">
+                <a14:hiddenLine xmlns:a14="http://schemas.microsoft.com/office/drawing/2010/main" xmlns="" w="9525">
                   <a:solidFill>
                     <a:srgbClr val="000000"/>
                   </a:solidFill>
@@ -540,7 +539,7 @@
             </a:ln>
             <a:extLst>
               <a:ext uri="{91240B29-F687-4f45-9708-019B960494DF}">
-                <a14:hiddenLine xmlns="" xmlns:a14="http://schemas.microsoft.com/office/drawing/2010/main" w="9525">
+                <a14:hiddenLine xmlns:a14="http://schemas.microsoft.com/office/drawing/2010/main" xmlns="" w="9525">
                   <a:solidFill>
                     <a:srgbClr val="000000"/>
                   </a:solidFill>
@@ -602,7 +601,7 @@
             </a:ln>
             <a:extLst>
               <a:ext uri="{91240B29-F687-4f45-9708-019B960494DF}">
-                <a14:hiddenLine xmlns="" xmlns:a14="http://schemas.microsoft.com/office/drawing/2010/main" w="9525">
+                <a14:hiddenLine xmlns:a14="http://schemas.microsoft.com/office/drawing/2010/main" xmlns="" w="9525">
                   <a:solidFill>
                     <a:srgbClr val="000000"/>
                   </a:solidFill>
@@ -664,7 +663,7 @@
             </a:ln>
             <a:extLst>
               <a:ext uri="{91240B29-F687-4f45-9708-019B960494DF}">
-                <a14:hiddenLine xmlns="" xmlns:a14="http://schemas.microsoft.com/office/drawing/2010/main" w="9525">
+                <a14:hiddenLine xmlns:a14="http://schemas.microsoft.com/office/drawing/2010/main" xmlns="" w="9525">
                   <a:solidFill>
                     <a:srgbClr val="000000"/>
                   </a:solidFill>
@@ -754,7 +753,7 @@
             </a:ln>
             <a:extLst>
               <a:ext uri="{91240B29-F687-4f45-9708-019B960494DF}">
-                <a14:hiddenLine xmlns="" xmlns:a14="http://schemas.microsoft.com/office/drawing/2010/main" w="9525">
+                <a14:hiddenLine xmlns:a14="http://schemas.microsoft.com/office/drawing/2010/main" xmlns="" w="9525">
                   <a:solidFill>
                     <a:srgbClr val="000000"/>
                   </a:solidFill>
@@ -816,7 +815,7 @@
             </a:ln>
             <a:extLst>
               <a:ext uri="{91240B29-F687-4f45-9708-019B960494DF}">
-                <a14:hiddenLine xmlns="" xmlns:a14="http://schemas.microsoft.com/office/drawing/2010/main" w="9525">
+                <a14:hiddenLine xmlns:a14="http://schemas.microsoft.com/office/drawing/2010/main" xmlns="" w="9525">
                   <a:solidFill>
                     <a:srgbClr val="000000"/>
                   </a:solidFill>
@@ -878,7 +877,7 @@
             </a:ln>
             <a:extLst>
               <a:ext uri="{91240B29-F687-4f45-9708-019B960494DF}">
-                <a14:hiddenLine xmlns="" xmlns:a14="http://schemas.microsoft.com/office/drawing/2010/main" w="9525">
+                <a14:hiddenLine xmlns:a14="http://schemas.microsoft.com/office/drawing/2010/main" xmlns="" w="9525">
                   <a:solidFill>
                     <a:srgbClr val="000000"/>
                   </a:solidFill>
@@ -968,7 +967,7 @@
             </a:ln>
             <a:extLst>
               <a:ext uri="{91240B29-F687-4f45-9708-019B960494DF}">
-                <a14:hiddenLine xmlns="" xmlns:a14="http://schemas.microsoft.com/office/drawing/2010/main" w="9525">
+                <a14:hiddenLine xmlns:a14="http://schemas.microsoft.com/office/drawing/2010/main" xmlns="" w="9525">
                   <a:solidFill>
                     <a:srgbClr val="000000"/>
                   </a:solidFill>
@@ -1058,7 +1057,7 @@
             </a:ln>
             <a:extLst>
               <a:ext uri="{91240B29-F687-4f45-9708-019B960494DF}">
-                <a14:hiddenLine xmlns="" xmlns:a14="http://schemas.microsoft.com/office/drawing/2010/main" w="9525">
+                <a14:hiddenLine xmlns:a14="http://schemas.microsoft.com/office/drawing/2010/main" xmlns="" w="9525">
                   <a:solidFill>
                     <a:srgbClr val="000000"/>
                   </a:solidFill>
@@ -1120,7 +1119,7 @@
             </a:ln>
             <a:extLst>
               <a:ext uri="{91240B29-F687-4f45-9708-019B960494DF}">
-                <a14:hiddenLine xmlns="" xmlns:a14="http://schemas.microsoft.com/office/drawing/2010/main" w="9525">
+                <a14:hiddenLine xmlns:a14="http://schemas.microsoft.com/office/drawing/2010/main" xmlns="" w="9525">
                   <a:solidFill>
                     <a:srgbClr val="000000"/>
                   </a:solidFill>
@@ -1230,7 +1229,7 @@
             </a:ln>
             <a:extLst>
               <a:ext uri="{91240B29-F687-4f45-9708-019B960494DF}">
-                <a14:hiddenLine xmlns="" xmlns:a14="http://schemas.microsoft.com/office/drawing/2010/main" w="9525">
+                <a14:hiddenLine xmlns:a14="http://schemas.microsoft.com/office/drawing/2010/main" xmlns="" w="9525">
                   <a:solidFill>
                     <a:srgbClr val="000000"/>
                   </a:solidFill>
@@ -1292,7 +1291,7 @@
             </a:ln>
             <a:extLst>
               <a:ext uri="{91240B29-F687-4f45-9708-019B960494DF}">
-                <a14:hiddenLine xmlns="" xmlns:a14="http://schemas.microsoft.com/office/drawing/2010/main" w="9525">
+                <a14:hiddenLine xmlns:a14="http://schemas.microsoft.com/office/drawing/2010/main" xmlns="" w="9525">
                   <a:solidFill>
                     <a:srgbClr val="000000"/>
                   </a:solidFill>
@@ -1382,7 +1381,7 @@
             </a:ln>
             <a:extLst>
               <a:ext uri="{91240B29-F687-4f45-9708-019B960494DF}">
-                <a14:hiddenLine xmlns="" xmlns:a14="http://schemas.microsoft.com/office/drawing/2010/main" w="9525">
+                <a14:hiddenLine xmlns:a14="http://schemas.microsoft.com/office/drawing/2010/main" xmlns="" w="9525">
                   <a:solidFill>
                     <a:srgbClr val="000000"/>
                   </a:solidFill>
@@ -1472,7 +1471,7 @@
             </a:ln>
             <a:extLst>
               <a:ext uri="{91240B29-F687-4f45-9708-019B960494DF}">
-                <a14:hiddenLine xmlns="" xmlns:a14="http://schemas.microsoft.com/office/drawing/2010/main" w="9525">
+                <a14:hiddenLine xmlns:a14="http://schemas.microsoft.com/office/drawing/2010/main" xmlns="" w="9525">
                   <a:solidFill>
                     <a:srgbClr val="000000"/>
                   </a:solidFill>
@@ -1534,7 +1533,7 @@
             </a:ln>
             <a:extLst>
               <a:ext uri="{91240B29-F687-4f45-9708-019B960494DF}">
-                <a14:hiddenLine xmlns="" xmlns:a14="http://schemas.microsoft.com/office/drawing/2010/main" w="9525">
+                <a14:hiddenLine xmlns:a14="http://schemas.microsoft.com/office/drawing/2010/main" xmlns="" w="9525">
                   <a:solidFill>
                     <a:srgbClr val="000000"/>
                   </a:solidFill>
@@ -1624,7 +1623,7 @@
             </a:ln>
             <a:extLst>
               <a:ext uri="{91240B29-F687-4f45-9708-019B960494DF}">
-                <a14:hiddenLine xmlns="" xmlns:a14="http://schemas.microsoft.com/office/drawing/2010/main" w="9525">
+                <a14:hiddenLine xmlns:a14="http://schemas.microsoft.com/office/drawing/2010/main" xmlns="" w="9525">
                   <a:solidFill>
                     <a:srgbClr val="000000"/>
                   </a:solidFill>
@@ -1714,7 +1713,7 @@
             </a:ln>
             <a:extLst>
               <a:ext uri="{91240B29-F687-4f45-9708-019B960494DF}">
-                <a14:hiddenLine xmlns="" xmlns:a14="http://schemas.microsoft.com/office/drawing/2010/main" w="9525">
+                <a14:hiddenLine xmlns:a14="http://schemas.microsoft.com/office/drawing/2010/main" xmlns="" w="9525">
                   <a:solidFill>
                     <a:srgbClr val="000000"/>
                   </a:solidFill>
@@ -1770,7 +1769,7 @@
             </a:ln>
             <a:extLst>
               <a:ext uri="{91240B29-F687-4f45-9708-019B960494DF}">
-                <a14:hiddenLine xmlns="" xmlns:a14="http://schemas.microsoft.com/office/drawing/2010/main" w="9525">
+                <a14:hiddenLine xmlns:a14="http://schemas.microsoft.com/office/drawing/2010/main" xmlns="" w="9525">
                   <a:solidFill>
                     <a:srgbClr val="000000"/>
                   </a:solidFill>
@@ -1860,7 +1859,7 @@
             </a:ln>
             <a:extLst>
               <a:ext uri="{91240B29-F687-4f45-9708-019B960494DF}">
-                <a14:hiddenLine xmlns="" xmlns:a14="http://schemas.microsoft.com/office/drawing/2010/main" w="9525">
+                <a14:hiddenLine xmlns:a14="http://schemas.microsoft.com/office/drawing/2010/main" xmlns="" w="9525">
                   <a:solidFill>
                     <a:srgbClr val="000000"/>
                   </a:solidFill>
@@ -1916,7 +1915,7 @@
             </a:ln>
             <a:extLst>
               <a:ext uri="{91240B29-F687-4f45-9708-019B960494DF}">
-                <a14:hiddenLine xmlns="" xmlns:a14="http://schemas.microsoft.com/office/drawing/2010/main" w="9525">
+                <a14:hiddenLine xmlns:a14="http://schemas.microsoft.com/office/drawing/2010/main" xmlns="" w="9525">
                   <a:solidFill>
                     <a:srgbClr val="000000"/>
                   </a:solidFill>
@@ -2006,7 +2005,7 @@
             </a:ln>
             <a:extLst>
               <a:ext uri="{91240B29-F687-4f45-9708-019B960494DF}">
-                <a14:hiddenLine xmlns="" xmlns:a14="http://schemas.microsoft.com/office/drawing/2010/main" w="9525">
+                <a14:hiddenLine xmlns:a14="http://schemas.microsoft.com/office/drawing/2010/main" xmlns="" w="9525">
                   <a:solidFill>
                     <a:srgbClr val="000000"/>
                   </a:solidFill>
@@ -2074,7 +2073,7 @@
             </a:ln>
             <a:extLst>
               <a:ext uri="{91240B29-F687-4f45-9708-019B960494DF}">
-                <a14:hiddenLine xmlns="" xmlns:a14="http://schemas.microsoft.com/office/drawing/2010/main" w="9525">
+                <a14:hiddenLine xmlns:a14="http://schemas.microsoft.com/office/drawing/2010/main" xmlns="" w="9525">
                   <a:solidFill>
                     <a:srgbClr val="000000"/>
                   </a:solidFill>
@@ -2164,7 +2163,7 @@
             </a:ln>
             <a:extLst>
               <a:ext uri="{91240B29-F687-4f45-9708-019B960494DF}">
-                <a14:hiddenLine xmlns="" xmlns:a14="http://schemas.microsoft.com/office/drawing/2010/main" w="9525">
+                <a14:hiddenLine xmlns:a14="http://schemas.microsoft.com/office/drawing/2010/main" xmlns="" w="9525">
                   <a:solidFill>
                     <a:srgbClr val="000000"/>
                   </a:solidFill>
@@ -2232,7 +2231,7 @@
             </a:ln>
             <a:extLst>
               <a:ext uri="{91240B29-F687-4f45-9708-019B960494DF}">
-                <a14:hiddenLine xmlns="" xmlns:a14="http://schemas.microsoft.com/office/drawing/2010/main" w="9525">
+                <a14:hiddenLine xmlns:a14="http://schemas.microsoft.com/office/drawing/2010/main" xmlns="" w="9525">
                   <a:solidFill>
                     <a:srgbClr val="000000"/>
                   </a:solidFill>
@@ -2322,7 +2321,7 @@
             </a:ln>
             <a:extLst>
               <a:ext uri="{91240B29-F687-4f45-9708-019B960494DF}">
-                <a14:hiddenLine xmlns="" xmlns:a14="http://schemas.microsoft.com/office/drawing/2010/main" w="9525">
+                <a14:hiddenLine xmlns:a14="http://schemas.microsoft.com/office/drawing/2010/main" xmlns="" w="9525">
                   <a:solidFill>
                     <a:srgbClr val="000000"/>
                   </a:solidFill>
@@ -2356,7 +2355,7 @@
             </a:ln>
             <a:extLst>
               <a:ext uri="{91240B29-F687-4f45-9708-019B960494DF}">
-                <a14:hiddenLine xmlns="" xmlns:a14="http://schemas.microsoft.com/office/drawing/2010/main" w="9525">
+                <a14:hiddenLine xmlns:a14="http://schemas.microsoft.com/office/drawing/2010/main" xmlns="" w="9525">
                   <a:solidFill>
                     <a:srgbClr val="000000"/>
                   </a:solidFill>
@@ -2446,7 +2445,7 @@
             </a:ln>
             <a:extLst>
               <a:ext uri="{91240B29-F687-4f45-9708-019B960494DF}">
-                <a14:hiddenLine xmlns="" xmlns:a14="http://schemas.microsoft.com/office/drawing/2010/main" w="9525">
+                <a14:hiddenLine xmlns:a14="http://schemas.microsoft.com/office/drawing/2010/main" xmlns="" w="9525">
                   <a:solidFill>
                     <a:srgbClr val="000000"/>
                   </a:solidFill>
@@ -2508,7 +2507,7 @@
             </a:ln>
             <a:extLst>
               <a:ext uri="{91240B29-F687-4f45-9708-019B960494DF}">
-                <a14:hiddenLine xmlns="" xmlns:a14="http://schemas.microsoft.com/office/drawing/2010/main" w="9525">
+                <a14:hiddenLine xmlns:a14="http://schemas.microsoft.com/office/drawing/2010/main" xmlns="" w="9525">
                   <a:solidFill>
                     <a:srgbClr val="000000"/>
                   </a:solidFill>
@@ -2570,7 +2569,7 @@
             </a:ln>
             <a:extLst>
               <a:ext uri="{91240B29-F687-4f45-9708-019B960494DF}">
-                <a14:hiddenLine xmlns="" xmlns:a14="http://schemas.microsoft.com/office/drawing/2010/main" w="9525">
+                <a14:hiddenLine xmlns:a14="http://schemas.microsoft.com/office/drawing/2010/main" xmlns="" w="9525">
                   <a:solidFill>
                     <a:srgbClr val="000000"/>
                   </a:solidFill>
@@ -2660,7 +2659,7 @@
             </a:ln>
             <a:extLst>
               <a:ext uri="{91240B29-F687-4f45-9708-019B960494DF}">
-                <a14:hiddenLine xmlns="" xmlns:a14="http://schemas.microsoft.com/office/drawing/2010/main" w="9525">
+                <a14:hiddenLine xmlns:a14="http://schemas.microsoft.com/office/drawing/2010/main" xmlns="" w="9525">
                   <a:solidFill>
                     <a:srgbClr val="000000"/>
                   </a:solidFill>
@@ -2728,7 +2727,7 @@
             </a:ln>
             <a:extLst>
               <a:ext uri="{91240B29-F687-4f45-9708-019B960494DF}">
-                <a14:hiddenLine xmlns="" xmlns:a14="http://schemas.microsoft.com/office/drawing/2010/main" w="9525">
+                <a14:hiddenLine xmlns:a14="http://schemas.microsoft.com/office/drawing/2010/main" xmlns="" w="9525">
                   <a:solidFill>
                     <a:srgbClr val="000000"/>
                   </a:solidFill>
@@ -2790,7 +2789,7 @@
             </a:ln>
             <a:extLst>
               <a:ext uri="{91240B29-F687-4f45-9708-019B960494DF}">
-                <a14:hiddenLine xmlns="" xmlns:a14="http://schemas.microsoft.com/office/drawing/2010/main" w="9525">
+                <a14:hiddenLine xmlns:a14="http://schemas.microsoft.com/office/drawing/2010/main" xmlns="" w="9525">
                   <a:solidFill>
                     <a:srgbClr val="000000"/>
                   </a:solidFill>
@@ -2880,7 +2879,7 @@
             </a:ln>
             <a:extLst>
               <a:ext uri="{91240B29-F687-4f45-9708-019B960494DF}">
-                <a14:hiddenLine xmlns="" xmlns:a14="http://schemas.microsoft.com/office/drawing/2010/main" w="9525">
+                <a14:hiddenLine xmlns:a14="http://schemas.microsoft.com/office/drawing/2010/main" xmlns="" w="9525">
                   <a:solidFill>
                     <a:srgbClr val="000000"/>
                   </a:solidFill>
@@ -2942,7 +2941,7 @@
             </a:ln>
             <a:extLst>
               <a:ext uri="{91240B29-F687-4f45-9708-019B960494DF}">
-                <a14:hiddenLine xmlns="" xmlns:a14="http://schemas.microsoft.com/office/drawing/2010/main" w="9525">
+                <a14:hiddenLine xmlns:a14="http://schemas.microsoft.com/office/drawing/2010/main" xmlns="" w="9525">
                   <a:solidFill>
                     <a:srgbClr val="000000"/>
                   </a:solidFill>
@@ -3032,7 +3031,7 @@
             </a:ln>
             <a:extLst>
               <a:ext uri="{91240B29-F687-4f45-9708-019B960494DF}">
-                <a14:hiddenLine xmlns="" xmlns:a14="http://schemas.microsoft.com/office/drawing/2010/main" w="9525">
+                <a14:hiddenLine xmlns:a14="http://schemas.microsoft.com/office/drawing/2010/main" xmlns="" w="9525">
                   <a:solidFill>
                     <a:srgbClr val="000000"/>
                   </a:solidFill>
@@ -3094,7 +3093,7 @@
             </a:ln>
             <a:extLst>
               <a:ext uri="{91240B29-F687-4f45-9708-019B960494DF}">
-                <a14:hiddenLine xmlns="" xmlns:a14="http://schemas.microsoft.com/office/drawing/2010/main" w="9525">
+                <a14:hiddenLine xmlns:a14="http://schemas.microsoft.com/office/drawing/2010/main" xmlns="" w="9525">
                   <a:solidFill>
                     <a:srgbClr val="000000"/>
                   </a:solidFill>
@@ -3184,7 +3183,7 @@
             </a:ln>
             <a:extLst>
               <a:ext uri="{91240B29-F687-4f45-9708-019B960494DF}">
-                <a14:hiddenLine xmlns="" xmlns:a14="http://schemas.microsoft.com/office/drawing/2010/main" w="9525">
+                <a14:hiddenLine xmlns:a14="http://schemas.microsoft.com/office/drawing/2010/main" xmlns="" w="9525">
                   <a:solidFill>
                     <a:srgbClr val="000000"/>
                   </a:solidFill>
@@ -3218,7 +3217,7 @@
             </a:ln>
             <a:extLst>
               <a:ext uri="{91240B29-F687-4f45-9708-019B960494DF}">
-                <a14:hiddenLine xmlns="" xmlns:a14="http://schemas.microsoft.com/office/drawing/2010/main" w="9525">
+                <a14:hiddenLine xmlns:a14="http://schemas.microsoft.com/office/drawing/2010/main" xmlns="" w="9525">
                   <a:solidFill>
                     <a:srgbClr val="000000"/>
                   </a:solidFill>
@@ -3283,7 +3282,7 @@
             </a:ln>
             <a:extLst>
               <a:ext uri="{91240B29-F687-4f45-9708-019B960494DF}">
-                <a14:hiddenLine xmlns="" xmlns:a14="http://schemas.microsoft.com/office/drawing/2010/main" w="9525">
+                <a14:hiddenLine xmlns:a14="http://schemas.microsoft.com/office/drawing/2010/main" xmlns="" w="9525">
                   <a:solidFill>
                     <a:srgbClr val="000000"/>
                   </a:solidFill>
@@ -3373,7 +3372,7 @@
             </a:ln>
             <a:extLst>
               <a:ext uri="{91240B29-F687-4f45-9708-019B960494DF}">
-                <a14:hiddenLine xmlns="" xmlns:a14="http://schemas.microsoft.com/office/drawing/2010/main" w="9525">
+                <a14:hiddenLine xmlns:a14="http://schemas.microsoft.com/office/drawing/2010/main" xmlns="" w="9525">
                   <a:solidFill>
                     <a:srgbClr val="000000"/>
                   </a:solidFill>
@@ -3435,7 +3434,7 @@
             </a:ln>
             <a:extLst>
               <a:ext uri="{91240B29-F687-4f45-9708-019B960494DF}">
-                <a14:hiddenLine xmlns="" xmlns:a14="http://schemas.microsoft.com/office/drawing/2010/main" w="9525">
+                <a14:hiddenLine xmlns:a14="http://schemas.microsoft.com/office/drawing/2010/main" xmlns="" w="9525">
                   <a:solidFill>
                     <a:srgbClr val="000000"/>
                   </a:solidFill>
@@ -3525,7 +3524,7 @@
             </a:ln>
             <a:extLst>
               <a:ext uri="{91240B29-F687-4f45-9708-019B960494DF}">
-                <a14:hiddenLine xmlns="" xmlns:a14="http://schemas.microsoft.com/office/drawing/2010/main" w="9525">
+                <a14:hiddenLine xmlns:a14="http://schemas.microsoft.com/office/drawing/2010/main" xmlns="" w="9525">
                   <a:solidFill>
                     <a:srgbClr val="000000"/>
                   </a:solidFill>
@@ -3615,7 +3614,7 @@
             </a:ln>
             <a:extLst>
               <a:ext uri="{91240B29-F687-4f45-9708-019B960494DF}">
-                <a14:hiddenLine xmlns="" xmlns:a14="http://schemas.microsoft.com/office/drawing/2010/main" w="9525">
+                <a14:hiddenLine xmlns:a14="http://schemas.microsoft.com/office/drawing/2010/main" xmlns="" w="9525">
                   <a:solidFill>
                     <a:srgbClr val="000000"/>
                   </a:solidFill>
@@ -3680,7 +3679,7 @@
             </a:ln>
             <a:extLst>
               <a:ext uri="{91240B29-F687-4f45-9708-019B960494DF}">
-                <a14:hiddenLine xmlns="" xmlns:a14="http://schemas.microsoft.com/office/drawing/2010/main" w="9525">
+                <a14:hiddenLine xmlns:a14="http://schemas.microsoft.com/office/drawing/2010/main" xmlns="" w="9525">
                   <a:solidFill>
                     <a:srgbClr val="000000"/>
                   </a:solidFill>
@@ -3742,7 +3741,7 @@
             </a:ln>
             <a:extLst>
               <a:ext uri="{91240B29-F687-4f45-9708-019B960494DF}">
-                <a14:hiddenLine xmlns="" xmlns:a14="http://schemas.microsoft.com/office/drawing/2010/main" w="9525">
+                <a14:hiddenLine xmlns:a14="http://schemas.microsoft.com/office/drawing/2010/main" xmlns="" w="9525">
                   <a:solidFill>
                     <a:srgbClr val="000000"/>
                   </a:solidFill>
@@ -3832,7 +3831,7 @@
             </a:ln>
             <a:extLst>
               <a:ext uri="{91240B29-F687-4f45-9708-019B960494DF}">
-                <a14:hiddenLine xmlns="" xmlns:a14="http://schemas.microsoft.com/office/drawing/2010/main" w="9525">
+                <a14:hiddenLine xmlns:a14="http://schemas.microsoft.com/office/drawing/2010/main" xmlns="" w="9525">
                   <a:solidFill>
                     <a:srgbClr val="000000"/>
                   </a:solidFill>
@@ -3922,7 +3921,7 @@
             </a:ln>
             <a:extLst>
               <a:ext uri="{91240B29-F687-4f45-9708-019B960494DF}">
-                <a14:hiddenLine xmlns="" xmlns:a14="http://schemas.microsoft.com/office/drawing/2010/main" w="9525">
+                <a14:hiddenLine xmlns:a14="http://schemas.microsoft.com/office/drawing/2010/main" xmlns="" w="9525">
                   <a:solidFill>
                     <a:srgbClr val="000000"/>
                   </a:solidFill>
@@ -3984,7 +3983,7 @@
             </a:ln>
             <a:extLst>
               <a:ext uri="{91240B29-F687-4f45-9708-019B960494DF}">
-                <a14:hiddenLine xmlns="" xmlns:a14="http://schemas.microsoft.com/office/drawing/2010/main" w="9525">
+                <a14:hiddenLine xmlns:a14="http://schemas.microsoft.com/office/drawing/2010/main" xmlns="" w="9525">
                   <a:solidFill>
                     <a:srgbClr val="000000"/>
                   </a:solidFill>
@@ -4104,7 +4103,7 @@
             </a:ln>
             <a:extLst>
               <a:ext uri="{91240B29-F687-4f45-9708-019B960494DF}">
-                <a14:hiddenLine xmlns="" xmlns:a14="http://schemas.microsoft.com/office/drawing/2010/main" w="9525">
+                <a14:hiddenLine xmlns:a14="http://schemas.microsoft.com/office/drawing/2010/main" xmlns="" w="9525">
                   <a:solidFill>
                     <a:srgbClr val="000000"/>
                   </a:solidFill>
@@ -4172,7 +4171,7 @@
             </a:ln>
             <a:extLst>
               <a:ext uri="{91240B29-F687-4f45-9708-019B960494DF}">
-                <a14:hiddenLine xmlns="" xmlns:a14="http://schemas.microsoft.com/office/drawing/2010/main" w="9525">
+                <a14:hiddenLine xmlns:a14="http://schemas.microsoft.com/office/drawing/2010/main" xmlns="" w="9525">
                   <a:solidFill>
                     <a:srgbClr val="000000"/>
                   </a:solidFill>
@@ -4262,7 +4261,7 @@
             </a:ln>
             <a:extLst>
               <a:ext uri="{91240B29-F687-4f45-9708-019B960494DF}">
-                <a14:hiddenLine xmlns="" xmlns:a14="http://schemas.microsoft.com/office/drawing/2010/main" w="9525">
+                <a14:hiddenLine xmlns:a14="http://schemas.microsoft.com/office/drawing/2010/main" xmlns="" w="9525">
                   <a:solidFill>
                     <a:srgbClr val="000000"/>
                   </a:solidFill>
@@ -8991,7 +8990,7 @@
           <a:noFill/>
           <a:extLst>
             <a:ext uri="{909E8E84-426E-40dd-AFC4-6F175D3DCCD1}">
-              <a14:hiddenFill xmlns="" xmlns:a14="http://schemas.microsoft.com/office/drawing/2010/main">
+              <a14:hiddenFill xmlns:a14="http://schemas.microsoft.com/office/drawing/2010/main" xmlns="">
                 <a:solidFill>
                   <a:srgbClr val="FFFFFF"/>
                 </a:solidFill>
@@ -9065,7 +9064,7 @@
               </a:ln>
               <a:extLst>
                 <a:ext uri="{91240B29-F687-4f45-9708-019B960494DF}">
-                  <a14:hiddenLine xmlns="" xmlns:a14="http://schemas.microsoft.com/office/drawing/2010/main" w="9525">
+                  <a14:hiddenLine xmlns:a14="http://schemas.microsoft.com/office/drawing/2010/main" xmlns="" w="9525">
                     <a:solidFill>
                       <a:srgbClr val="000000"/>
                     </a:solidFill>
@@ -9155,7 +9154,7 @@
               </a:ln>
               <a:extLst>
                 <a:ext uri="{91240B29-F687-4f45-9708-019B960494DF}">
-                  <a14:hiddenLine xmlns="" xmlns:a14="http://schemas.microsoft.com/office/drawing/2010/main" w="9525">
+                  <a14:hiddenLine xmlns:a14="http://schemas.microsoft.com/office/drawing/2010/main" xmlns="" w="9525">
                     <a:solidFill>
                       <a:srgbClr val="000000"/>
                     </a:solidFill>
@@ -9245,7 +9244,7 @@
               </a:ln>
               <a:extLst>
                 <a:ext uri="{91240B29-F687-4f45-9708-019B960494DF}">
-                  <a14:hiddenLine xmlns="" xmlns:a14="http://schemas.microsoft.com/office/drawing/2010/main" w="9525">
+                  <a14:hiddenLine xmlns:a14="http://schemas.microsoft.com/office/drawing/2010/main" xmlns="" w="9525">
                     <a:solidFill>
                       <a:srgbClr val="000000"/>
                     </a:solidFill>
@@ -9307,7 +9306,7 @@
               </a:ln>
               <a:extLst>
                 <a:ext uri="{91240B29-F687-4f45-9708-019B960494DF}">
-                  <a14:hiddenLine xmlns="" xmlns:a14="http://schemas.microsoft.com/office/drawing/2010/main" w="9525">
+                  <a14:hiddenLine xmlns:a14="http://schemas.microsoft.com/office/drawing/2010/main" xmlns="" w="9525">
                     <a:solidFill>
                       <a:srgbClr val="000000"/>
                     </a:solidFill>
@@ -9397,7 +9396,7 @@
               </a:ln>
               <a:extLst>
                 <a:ext uri="{91240B29-F687-4f45-9708-019B960494DF}">
-                  <a14:hiddenLine xmlns="" xmlns:a14="http://schemas.microsoft.com/office/drawing/2010/main" w="9525">
+                  <a14:hiddenLine xmlns:a14="http://schemas.microsoft.com/office/drawing/2010/main" xmlns="" w="9525">
                     <a:solidFill>
                       <a:srgbClr val="000000"/>
                     </a:solidFill>
@@ -9459,7 +9458,7 @@
               </a:ln>
               <a:extLst>
                 <a:ext uri="{91240B29-F687-4f45-9708-019B960494DF}">
-                  <a14:hiddenLine xmlns="" xmlns:a14="http://schemas.microsoft.com/office/drawing/2010/main" w="9525">
+                  <a14:hiddenLine xmlns:a14="http://schemas.microsoft.com/office/drawing/2010/main" xmlns="" w="9525">
                     <a:solidFill>
                       <a:srgbClr val="000000"/>
                     </a:solidFill>
@@ -9521,7 +9520,7 @@
               </a:ln>
               <a:extLst>
                 <a:ext uri="{91240B29-F687-4f45-9708-019B960494DF}">
-                  <a14:hiddenLine xmlns="" xmlns:a14="http://schemas.microsoft.com/office/drawing/2010/main" w="9525">
+                  <a14:hiddenLine xmlns:a14="http://schemas.microsoft.com/office/drawing/2010/main" xmlns="" w="9525">
                     <a:solidFill>
                       <a:srgbClr val="000000"/>
                     </a:solidFill>
@@ -9611,7 +9610,7 @@
               </a:ln>
               <a:extLst>
                 <a:ext uri="{91240B29-F687-4f45-9708-019B960494DF}">
-                  <a14:hiddenLine xmlns="" xmlns:a14="http://schemas.microsoft.com/office/drawing/2010/main" w="9525">
+                  <a14:hiddenLine xmlns:a14="http://schemas.microsoft.com/office/drawing/2010/main" xmlns="" w="9525">
                     <a:solidFill>
                       <a:srgbClr val="000000"/>
                     </a:solidFill>
@@ -9701,7 +9700,7 @@
               </a:ln>
               <a:extLst>
                 <a:ext uri="{91240B29-F687-4f45-9708-019B960494DF}">
-                  <a14:hiddenLine xmlns="" xmlns:a14="http://schemas.microsoft.com/office/drawing/2010/main" w="9525">
+                  <a14:hiddenLine xmlns:a14="http://schemas.microsoft.com/office/drawing/2010/main" xmlns="" w="9525">
                     <a:solidFill>
                       <a:srgbClr val="000000"/>
                     </a:solidFill>
@@ -9763,7 +9762,7 @@
               </a:ln>
               <a:extLst>
                 <a:ext uri="{91240B29-F687-4f45-9708-019B960494DF}">
-                  <a14:hiddenLine xmlns="" xmlns:a14="http://schemas.microsoft.com/office/drawing/2010/main" w="9525">
+                  <a14:hiddenLine xmlns:a14="http://schemas.microsoft.com/office/drawing/2010/main" xmlns="" w="9525">
                     <a:solidFill>
                       <a:srgbClr val="000000"/>
                     </a:solidFill>
@@ -9873,7 +9872,7 @@
               </a:ln>
               <a:extLst>
                 <a:ext uri="{91240B29-F687-4f45-9708-019B960494DF}">
-                  <a14:hiddenLine xmlns="" xmlns:a14="http://schemas.microsoft.com/office/drawing/2010/main" w="9525">
+                  <a14:hiddenLine xmlns:a14="http://schemas.microsoft.com/office/drawing/2010/main" xmlns="" w="9525">
                     <a:solidFill>
                       <a:srgbClr val="000000"/>
                     </a:solidFill>
@@ -9957,7 +9956,7 @@
               </a:ln>
               <a:extLst>
                 <a:ext uri="{91240B29-F687-4f45-9708-019B960494DF}">
-                  <a14:hiddenLine xmlns="" xmlns:a14="http://schemas.microsoft.com/office/drawing/2010/main" w="9525">
+                  <a14:hiddenLine xmlns:a14="http://schemas.microsoft.com/office/drawing/2010/main" xmlns="" w="9525">
                     <a:solidFill>
                       <a:srgbClr val="000000"/>
                     </a:solidFill>
@@ -10019,7 +10018,7 @@
               </a:ln>
               <a:extLst>
                 <a:ext uri="{91240B29-F687-4f45-9708-019B960494DF}">
-                  <a14:hiddenLine xmlns="" xmlns:a14="http://schemas.microsoft.com/office/drawing/2010/main" w="9525">
+                  <a14:hiddenLine xmlns:a14="http://schemas.microsoft.com/office/drawing/2010/main" xmlns="" w="9525">
                     <a:solidFill>
                       <a:srgbClr val="000000"/>
                     </a:solidFill>
@@ -10081,7 +10080,7 @@
               </a:ln>
               <a:extLst>
                 <a:ext uri="{91240B29-F687-4f45-9708-019B960494DF}">
-                  <a14:hiddenLine xmlns="" xmlns:a14="http://schemas.microsoft.com/office/drawing/2010/main" w="9525">
+                  <a14:hiddenLine xmlns:a14="http://schemas.microsoft.com/office/drawing/2010/main" xmlns="" w="9525">
                     <a:solidFill>
                       <a:srgbClr val="000000"/>
                     </a:solidFill>
@@ -10171,7 +10170,7 @@
               </a:ln>
               <a:extLst>
                 <a:ext uri="{91240B29-F687-4f45-9708-019B960494DF}">
-                  <a14:hiddenLine xmlns="" xmlns:a14="http://schemas.microsoft.com/office/drawing/2010/main" w="9525">
+                  <a14:hiddenLine xmlns:a14="http://schemas.microsoft.com/office/drawing/2010/main" xmlns="" w="9525">
                     <a:solidFill>
                       <a:srgbClr val="000000"/>
                     </a:solidFill>
@@ -10205,7 +10204,7 @@
               </a:ln>
               <a:extLst>
                 <a:ext uri="{91240B29-F687-4f45-9708-019B960494DF}">
-                  <a14:hiddenLine xmlns="" xmlns:a14="http://schemas.microsoft.com/office/drawing/2010/main" w="9525">
+                  <a14:hiddenLine xmlns:a14="http://schemas.microsoft.com/office/drawing/2010/main" xmlns="" w="9525">
                     <a:solidFill>
                       <a:srgbClr val="000000"/>
                     </a:solidFill>
@@ -10270,7 +10269,7 @@
               </a:ln>
               <a:extLst>
                 <a:ext uri="{91240B29-F687-4f45-9708-019B960494DF}">
-                  <a14:hiddenLine xmlns="" xmlns:a14="http://schemas.microsoft.com/office/drawing/2010/main" w="9525">
+                  <a14:hiddenLine xmlns:a14="http://schemas.microsoft.com/office/drawing/2010/main" xmlns="" w="9525">
                     <a:solidFill>
                       <a:srgbClr val="000000"/>
                     </a:solidFill>
@@ -10360,7 +10359,7 @@
               </a:ln>
               <a:extLst>
                 <a:ext uri="{91240B29-F687-4f45-9708-019B960494DF}">
-                  <a14:hiddenLine xmlns="" xmlns:a14="http://schemas.microsoft.com/office/drawing/2010/main" w="9525">
+                  <a14:hiddenLine xmlns:a14="http://schemas.microsoft.com/office/drawing/2010/main" xmlns="" w="9525">
                     <a:solidFill>
                       <a:srgbClr val="000000"/>
                     </a:solidFill>
@@ -10422,7 +10421,7 @@
               </a:ln>
               <a:extLst>
                 <a:ext uri="{91240B29-F687-4f45-9708-019B960494DF}">
-                  <a14:hiddenLine xmlns="" xmlns:a14="http://schemas.microsoft.com/office/drawing/2010/main" w="9525">
+                  <a14:hiddenLine xmlns:a14="http://schemas.microsoft.com/office/drawing/2010/main" xmlns="" w="9525">
                     <a:solidFill>
                       <a:srgbClr val="000000"/>
                     </a:solidFill>
@@ -10512,7 +10511,7 @@
               </a:ln>
               <a:extLst>
                 <a:ext uri="{91240B29-F687-4f45-9708-019B960494DF}">
-                  <a14:hiddenLine xmlns="" xmlns:a14="http://schemas.microsoft.com/office/drawing/2010/main" w="9525">
+                  <a14:hiddenLine xmlns:a14="http://schemas.microsoft.com/office/drawing/2010/main" xmlns="" w="9525">
                     <a:solidFill>
                       <a:srgbClr val="000000"/>
                     </a:solidFill>
@@ -10577,7 +10576,7 @@
               </a:ln>
               <a:extLst>
                 <a:ext uri="{91240B29-F687-4f45-9708-019B960494DF}">
-                  <a14:hiddenLine xmlns="" xmlns:a14="http://schemas.microsoft.com/office/drawing/2010/main" w="9525">
+                  <a14:hiddenLine xmlns:a14="http://schemas.microsoft.com/office/drawing/2010/main" xmlns="" w="9525">
                     <a:solidFill>
                       <a:srgbClr val="000000"/>
                     </a:solidFill>
@@ -10639,7 +10638,7 @@
               </a:ln>
               <a:extLst>
                 <a:ext uri="{91240B29-F687-4f45-9708-019B960494DF}">
-                  <a14:hiddenLine xmlns="" xmlns:a14="http://schemas.microsoft.com/office/drawing/2010/main" w="9525">
+                  <a14:hiddenLine xmlns:a14="http://schemas.microsoft.com/office/drawing/2010/main" xmlns="" w="9525">
                     <a:solidFill>
                       <a:srgbClr val="000000"/>
                     </a:solidFill>
@@ -10729,7 +10728,7 @@
               </a:ln>
               <a:extLst>
                 <a:ext uri="{91240B29-F687-4f45-9708-019B960494DF}">
-                  <a14:hiddenLine xmlns="" xmlns:a14="http://schemas.microsoft.com/office/drawing/2010/main" w="9525">
+                  <a14:hiddenLine xmlns:a14="http://schemas.microsoft.com/office/drawing/2010/main" xmlns="" w="9525">
                     <a:solidFill>
                       <a:srgbClr val="000000"/>
                     </a:solidFill>
@@ -10819,7 +10818,7 @@
               </a:ln>
               <a:extLst>
                 <a:ext uri="{91240B29-F687-4f45-9708-019B960494DF}">
-                  <a14:hiddenLine xmlns="" xmlns:a14="http://schemas.microsoft.com/office/drawing/2010/main" w="9525">
+                  <a14:hiddenLine xmlns:a14="http://schemas.microsoft.com/office/drawing/2010/main" xmlns="" w="9525">
                     <a:solidFill>
                       <a:srgbClr val="000000"/>
                     </a:solidFill>
@@ -10884,7 +10883,7 @@
               </a:ln>
               <a:extLst>
                 <a:ext uri="{91240B29-F687-4f45-9708-019B960494DF}">
-                  <a14:hiddenLine xmlns="" xmlns:a14="http://schemas.microsoft.com/office/drawing/2010/main" w="9525">
+                  <a14:hiddenLine xmlns:a14="http://schemas.microsoft.com/office/drawing/2010/main" xmlns="" w="9525">
                     <a:solidFill>
                       <a:srgbClr val="000000"/>
                     </a:solidFill>
@@ -11004,7 +11003,7 @@
               </a:ln>
               <a:extLst>
                 <a:ext uri="{91240B29-F687-4f45-9708-019B960494DF}">
-                  <a14:hiddenLine xmlns="" xmlns:a14="http://schemas.microsoft.com/office/drawing/2010/main" w="9525">
+                  <a14:hiddenLine xmlns:a14="http://schemas.microsoft.com/office/drawing/2010/main" xmlns="" w="9525">
                     <a:solidFill>
                       <a:srgbClr val="000000"/>
                     </a:solidFill>
@@ -11085,7 +11084,7 @@
               </a:ln>
               <a:extLst>
                 <a:ext uri="{91240B29-F687-4f45-9708-019B960494DF}">
-                  <a14:hiddenLine xmlns="" xmlns:a14="http://schemas.microsoft.com/office/drawing/2010/main" w="9525">
+                  <a14:hiddenLine xmlns:a14="http://schemas.microsoft.com/office/drawing/2010/main" xmlns="" w="9525">
                     <a:solidFill>
                       <a:srgbClr val="000000"/>
                     </a:solidFill>
@@ -11200,7 +11199,7 @@
               </a:ln>
               <a:extLst>
                 <a:ext uri="{91240B29-F687-4f45-9708-019B960494DF}">
-                  <a14:hiddenLine xmlns="" xmlns:a14="http://schemas.microsoft.com/office/drawing/2010/main" w="9525">
+                  <a14:hiddenLine xmlns:a14="http://schemas.microsoft.com/office/drawing/2010/main" xmlns="" w="9525">
                     <a:solidFill>
                       <a:srgbClr val="000000"/>
                     </a:solidFill>
@@ -11290,7 +11289,7 @@
               </a:ln>
               <a:extLst>
                 <a:ext uri="{91240B29-F687-4f45-9708-019B960494DF}">
-                  <a14:hiddenLine xmlns="" xmlns:a14="http://schemas.microsoft.com/office/drawing/2010/main" w="9525">
+                  <a14:hiddenLine xmlns:a14="http://schemas.microsoft.com/office/drawing/2010/main" xmlns="" w="9525">
                     <a:solidFill>
                       <a:srgbClr val="000000"/>
                     </a:solidFill>
@@ -11355,7 +11354,7 @@
               </a:ln>
               <a:extLst>
                 <a:ext uri="{91240B29-F687-4f45-9708-019B960494DF}">
-                  <a14:hiddenLine xmlns="" xmlns:a14="http://schemas.microsoft.com/office/drawing/2010/main" w="9525">
+                  <a14:hiddenLine xmlns:a14="http://schemas.microsoft.com/office/drawing/2010/main" xmlns="" w="9525">
                     <a:solidFill>
                       <a:srgbClr val="000000"/>
                     </a:solidFill>
@@ -11445,7 +11444,7 @@
               </a:ln>
               <a:extLst>
                 <a:ext uri="{91240B29-F687-4f45-9708-019B960494DF}">
-                  <a14:hiddenLine xmlns="" xmlns:a14="http://schemas.microsoft.com/office/drawing/2010/main" w="9525">
+                  <a14:hiddenLine xmlns:a14="http://schemas.microsoft.com/office/drawing/2010/main" xmlns="" w="9525">
                     <a:solidFill>
                       <a:srgbClr val="000000"/>
                     </a:solidFill>
@@ -11513,7 +11512,7 @@
               </a:ln>
               <a:extLst>
                 <a:ext uri="{91240B29-F687-4f45-9708-019B960494DF}">
-                  <a14:hiddenLine xmlns="" xmlns:a14="http://schemas.microsoft.com/office/drawing/2010/main" w="9525">
+                  <a14:hiddenLine xmlns:a14="http://schemas.microsoft.com/office/drawing/2010/main" xmlns="" w="9525">
                     <a:solidFill>
                       <a:srgbClr val="000000"/>
                     </a:solidFill>
@@ -11603,7 +11602,7 @@
               </a:ln>
               <a:extLst>
                 <a:ext uri="{91240B29-F687-4f45-9708-019B960494DF}">
-                  <a14:hiddenLine xmlns="" xmlns:a14="http://schemas.microsoft.com/office/drawing/2010/main" w="9525">
+                  <a14:hiddenLine xmlns:a14="http://schemas.microsoft.com/office/drawing/2010/main" xmlns="" w="9525">
                     <a:solidFill>
                       <a:srgbClr val="000000"/>
                     </a:solidFill>
@@ -11671,7 +11670,7 @@
               </a:ln>
               <a:extLst>
                 <a:ext uri="{91240B29-F687-4f45-9708-019B960494DF}">
-                  <a14:hiddenLine xmlns="" xmlns:a14="http://schemas.microsoft.com/office/drawing/2010/main" w="9525">
+                  <a14:hiddenLine xmlns:a14="http://schemas.microsoft.com/office/drawing/2010/main" xmlns="" w="9525">
                     <a:solidFill>
                       <a:srgbClr val="000000"/>
                     </a:solidFill>
@@ -11761,7 +11760,7 @@
               </a:ln>
               <a:extLst>
                 <a:ext uri="{91240B29-F687-4f45-9708-019B960494DF}">
-                  <a14:hiddenLine xmlns="" xmlns:a14="http://schemas.microsoft.com/office/drawing/2010/main" w="9525">
+                  <a14:hiddenLine xmlns:a14="http://schemas.microsoft.com/office/drawing/2010/main" xmlns="" w="9525">
                     <a:solidFill>
                       <a:srgbClr val="000000"/>
                     </a:solidFill>
@@ -11795,7 +11794,7 @@
               </a:ln>
               <a:extLst>
                 <a:ext uri="{91240B29-F687-4f45-9708-019B960494DF}">
-                  <a14:hiddenLine xmlns="" xmlns:a14="http://schemas.microsoft.com/office/drawing/2010/main" w="9525">
+                  <a14:hiddenLine xmlns:a14="http://schemas.microsoft.com/office/drawing/2010/main" xmlns="" w="9525">
                     <a:solidFill>
                       <a:srgbClr val="000000"/>
                     </a:solidFill>
@@ -12547,15 +12546,7 @@
             </a:r>
             <a:r>
               <a:rPr lang="pt-BR" sz="4000" dirty="0"/>
-              <a:t> são uma adição mais recente à linguagem, proporcionando uma sintaxe mais clara e familiar para a criação de objetos. Vamos dar uma olhada em um exemplo simples de uma classe em </a:t>
-            </a:r>
-            <a:r>
-              <a:rPr lang="pt-BR" sz="4000" dirty="0" err="1"/>
-              <a:t>JavaScript</a:t>
-            </a:r>
-            <a:r>
-              <a:rPr lang="pt-BR" sz="4000" dirty="0"/>
-              <a:t>:</a:t>
+              <a:t> são uma adição mais recente à linguagem, proporcionando uma sintaxe mais clara e familiar para a criação de objetos. </a:t>
             </a:r>
           </a:p>
         </p:txBody>
@@ -12592,283 +12583,6 @@
       </p:grpSpPr>
       <p:sp>
         <p:nvSpPr>
-          <p:cNvPr id="3" name="CaixaDeTexto 2">
-            <a:extLst>
-              <a:ext uri="{FF2B5EF4-FFF2-40B4-BE49-F238E27FC236}">
-                <a16:creationId xmlns:a16="http://schemas.microsoft.com/office/drawing/2014/main" id="{DB8124C1-6359-EC25-BAD6-E34BC3024687}"/>
-              </a:ext>
-            </a:extLst>
-          </p:cNvPr>
-          <p:cNvSpPr txBox="1"/>
-          <p:nvPr/>
-        </p:nvSpPr>
-        <p:spPr>
-          <a:xfrm>
-            <a:off x="3043990" y="582067"/>
-            <a:ext cx="6104020" cy="5693866"/>
-          </a:xfrm>
-          <a:prstGeom prst="rect">
-            <a:avLst/>
-          </a:prstGeom>
-          <a:noFill/>
-        </p:spPr>
-        <p:txBody>
-          <a:bodyPr wrap="square">
-            <a:spAutoFit/>
-          </a:bodyPr>
-          <a:lstStyle/>
-          <a:p>
-            <a:r>
-              <a:rPr lang="pt-BR" sz="2800" dirty="0" err="1">
-                <a:solidFill>
-                  <a:srgbClr val="00B0F0"/>
-                </a:solidFill>
-              </a:rPr>
-              <a:t>class</a:t>
-            </a:r>
-            <a:r>
-              <a:rPr lang="pt-BR" sz="2800" dirty="0"/>
-              <a:t> </a:t>
-            </a:r>
-            <a:r>
-              <a:rPr lang="pt-BR" sz="2800" dirty="0">
-                <a:solidFill>
-                  <a:srgbClr val="FF0000"/>
-                </a:solidFill>
-              </a:rPr>
-              <a:t>Animal </a:t>
-            </a:r>
-            <a:r>
-              <a:rPr lang="pt-BR" sz="2800" dirty="0"/>
-              <a:t>{</a:t>
-            </a:r>
-          </a:p>
-          <a:p>
-            <a:r>
-              <a:rPr lang="pt-BR" sz="2800" dirty="0"/>
-              <a:t>  </a:t>
-            </a:r>
-            <a:r>
-              <a:rPr lang="pt-BR" sz="2800" dirty="0" err="1">
-                <a:solidFill>
-                  <a:srgbClr val="FF0000"/>
-                </a:solidFill>
-              </a:rPr>
-              <a:t>constructor</a:t>
-            </a:r>
-            <a:r>
-              <a:rPr lang="pt-BR" sz="2800" dirty="0"/>
-              <a:t>(nome) {</a:t>
-            </a:r>
-          </a:p>
-          <a:p>
-            <a:r>
-              <a:rPr lang="pt-BR" sz="2800" dirty="0"/>
-              <a:t>    </a:t>
-            </a:r>
-            <a:r>
-              <a:rPr lang="pt-BR" sz="2800" dirty="0" err="1">
-                <a:solidFill>
-                  <a:srgbClr val="FFFF00"/>
-                </a:solidFill>
-              </a:rPr>
-              <a:t>this</a:t>
-            </a:r>
-            <a:r>
-              <a:rPr lang="pt-BR" sz="2800" dirty="0" err="1"/>
-              <a:t>.nome</a:t>
-            </a:r>
-            <a:r>
-              <a:rPr lang="pt-BR" sz="2800" dirty="0"/>
-              <a:t> = nome;</a:t>
-            </a:r>
-          </a:p>
-          <a:p>
-            <a:r>
-              <a:rPr lang="pt-BR" sz="2800" dirty="0"/>
-              <a:t>  }</a:t>
-            </a:r>
-          </a:p>
-          <a:p>
-            <a:endParaRPr lang="pt-BR" sz="2800" dirty="0"/>
-          </a:p>
-          <a:p>
-            <a:r>
-              <a:rPr lang="pt-BR" sz="2800" dirty="0"/>
-              <a:t>  </a:t>
-            </a:r>
-            <a:r>
-              <a:rPr lang="pt-BR" sz="2800" dirty="0" err="1">
-                <a:solidFill>
-                  <a:srgbClr val="FF0000"/>
-                </a:solidFill>
-              </a:rPr>
-              <a:t>emitirSom</a:t>
-            </a:r>
-            <a:r>
-              <a:rPr lang="pt-BR" sz="2800" dirty="0"/>
-              <a:t>() {</a:t>
-            </a:r>
-          </a:p>
-          <a:p>
-            <a:r>
-              <a:rPr lang="pt-BR" sz="2800" dirty="0"/>
-              <a:t>    console.</a:t>
-            </a:r>
-            <a:r>
-              <a:rPr lang="pt-BR" sz="2800" dirty="0">
-                <a:solidFill>
-                  <a:srgbClr val="FF0000"/>
-                </a:solidFill>
-              </a:rPr>
-              <a:t>log</a:t>
-            </a:r>
-            <a:r>
-              <a:rPr lang="pt-BR" sz="2800" dirty="0"/>
-              <a:t>(</a:t>
-            </a:r>
-            <a:r>
-              <a:rPr lang="pt-BR" sz="2800" dirty="0">
-                <a:solidFill>
-                  <a:srgbClr val="00B050"/>
-                </a:solidFill>
-              </a:rPr>
-              <a:t>"Fazendo barulho!"</a:t>
-            </a:r>
-            <a:r>
-              <a:rPr lang="pt-BR" sz="2800" dirty="0"/>
-              <a:t>);</a:t>
-            </a:r>
-          </a:p>
-          <a:p>
-            <a:r>
-              <a:rPr lang="pt-BR" sz="2800" dirty="0"/>
-              <a:t>  }</a:t>
-            </a:r>
-          </a:p>
-          <a:p>
-            <a:r>
-              <a:rPr lang="pt-BR" sz="2800" dirty="0"/>
-              <a:t>}</a:t>
-            </a:r>
-          </a:p>
-          <a:p>
-            <a:endParaRPr lang="pt-BR" sz="2800" dirty="0"/>
-          </a:p>
-          <a:p>
-            <a:r>
-              <a:rPr lang="pt-BR" sz="2800" dirty="0" err="1">
-                <a:solidFill>
-                  <a:srgbClr val="00B0F0"/>
-                </a:solidFill>
-              </a:rPr>
-              <a:t>const</a:t>
-            </a:r>
-            <a:r>
-              <a:rPr lang="pt-BR" sz="2800" dirty="0">
-                <a:solidFill>
-                  <a:schemeClr val="bg2"/>
-                </a:solidFill>
-              </a:rPr>
-              <a:t> </a:t>
-            </a:r>
-            <a:r>
-              <a:rPr lang="pt-BR" sz="2800" dirty="0" err="1"/>
-              <a:t>meuAnimal</a:t>
-            </a:r>
-            <a:r>
-              <a:rPr lang="pt-BR" sz="2800" dirty="0"/>
-              <a:t> = </a:t>
-            </a:r>
-            <a:r>
-              <a:rPr lang="pt-BR" sz="2800" dirty="0">
-                <a:solidFill>
-                  <a:srgbClr val="00B0F0"/>
-                </a:solidFill>
-              </a:rPr>
-              <a:t>new</a:t>
-            </a:r>
-            <a:r>
-              <a:rPr lang="pt-BR" sz="2800" dirty="0"/>
-              <a:t> </a:t>
-            </a:r>
-            <a:r>
-              <a:rPr lang="pt-BR" sz="2800" dirty="0">
-                <a:solidFill>
-                  <a:srgbClr val="FF0000"/>
-                </a:solidFill>
-              </a:rPr>
-              <a:t>Animal</a:t>
-            </a:r>
-            <a:r>
-              <a:rPr lang="pt-BR" sz="2800" dirty="0"/>
-              <a:t>(</a:t>
-            </a:r>
-            <a:r>
-              <a:rPr lang="pt-BR" sz="2800" dirty="0">
-                <a:solidFill>
-                  <a:srgbClr val="00B050"/>
-                </a:solidFill>
-              </a:rPr>
-              <a:t>"Cachorro"</a:t>
-            </a:r>
-            <a:r>
-              <a:rPr lang="pt-BR" sz="2800" dirty="0"/>
-              <a:t>);</a:t>
-            </a:r>
-          </a:p>
-          <a:p>
-            <a:r>
-              <a:rPr lang="pt-BR" sz="2800" dirty="0" err="1"/>
-              <a:t>meuAnimal.</a:t>
-            </a:r>
-            <a:r>
-              <a:rPr lang="pt-BR" sz="2800" dirty="0" err="1">
-                <a:solidFill>
-                  <a:srgbClr val="FF0000"/>
-                </a:solidFill>
-              </a:rPr>
-              <a:t>emitirSom</a:t>
-            </a:r>
-            <a:r>
-              <a:rPr lang="pt-BR" sz="2800" dirty="0"/>
-              <a:t>();</a:t>
-            </a:r>
-          </a:p>
-        </p:txBody>
-      </p:sp>
-    </p:spTree>
-    <p:extLst>
-      <p:ext uri="{BB962C8B-B14F-4D97-AF65-F5344CB8AC3E}">
-        <p14:creationId xmlns:p14="http://schemas.microsoft.com/office/powerpoint/2010/main" val="2227909124"/>
-      </p:ext>
-    </p:extLst>
-  </p:cSld>
-  <p:clrMapOvr>
-    <a:masterClrMapping/>
-  </p:clrMapOvr>
-</p:sld>
-</file>
-
-<file path=ppt/slides/slide4.xml><?xml version="1.0" encoding="utf-8"?>
-<p:sld xmlns:a="http://schemas.openxmlformats.org/drawingml/2006/main" xmlns:r="http://schemas.openxmlformats.org/officeDocument/2006/relationships" xmlns:p="http://schemas.openxmlformats.org/presentationml/2006/main">
-  <p:cSld>
-    <p:spTree>
-      <p:nvGrpSpPr>
-        <p:cNvPr id="1" name=""/>
-        <p:cNvGrpSpPr/>
-        <p:nvPr/>
-      </p:nvGrpSpPr>
-      <p:grpSpPr>
-        <a:xfrm>
-          <a:off x="0" y="0"/>
-          <a:ext cx="0" cy="0"/>
-          <a:chOff x="0" y="0"/>
-          <a:chExt cx="0" cy="0"/>
-        </a:xfrm>
-      </p:grpSpPr>
-      <p:sp>
-        <p:nvSpPr>
           <p:cNvPr id="2" name="Título 1">
             <a:extLst>
               <a:ext uri="{FF2B5EF4-FFF2-40B4-BE49-F238E27FC236}">
@@ -12885,7 +12599,7 @@
         </p:nvSpPr>
         <p:spPr>
           <a:xfrm>
-            <a:off x="3758268" y="813732"/>
+            <a:off x="3654803" y="1073950"/>
             <a:ext cx="4882394" cy="1283356"/>
           </a:xfrm>
         </p:spPr>
@@ -12893,10 +12607,11 @@
           <a:bodyPr/>
           <a:lstStyle/>
           <a:p>
+            <a:pPr algn="ctr"/>
             <a:r>
               <a:rPr lang="pt-BR" b="1" i="0" dirty="0">
                 <a:effectLst/>
-                <a:latin typeface="Times New Roman" panose="02020603050405020304" pitchFamily="18" charset="0"/>
+                <a:latin typeface="Tw Cen MT" panose="020B0602020104020603" pitchFamily="34" charset="0"/>
               </a:rPr>
               <a:t>Classes internas</a:t>
             </a:r>
@@ -12931,18 +12646,20 @@
         </p:nvSpPr>
         <p:spPr>
           <a:xfrm>
-            <a:off x="1195877" y="2759977"/>
-            <a:ext cx="10007176" cy="1048625"/>
+            <a:off x="1092412" y="2432806"/>
+            <a:ext cx="10007176" cy="2684478"/>
           </a:xfrm>
         </p:spPr>
         <p:txBody>
-          <a:bodyPr/>
+          <a:bodyPr>
+            <a:noAutofit/>
+          </a:bodyPr>
           <a:lstStyle/>
           <a:p>
             <a:r>
-              <a:rPr lang="pt-BR" b="0" i="0" dirty="0">
+              <a:rPr lang="pt-BR" sz="4000" b="0" i="0" dirty="0">
                 <a:effectLst/>
-                <a:latin typeface="Times New Roman" panose="02020603050405020304" pitchFamily="18" charset="0"/>
+                <a:latin typeface="Tw Cen MT" panose="020B0602020104020603" pitchFamily="34" charset="0"/>
               </a:rPr>
               <a:t>Uma classe interna é uma classe que é subordinada a uma outra classe, sendo definida no corpo dessa outra classe.</a:t>
             </a:r>
@@ -12962,7 +12679,7 @@
 </p:sld>
 </file>
 
-<file path=ppt/slides/slide5.xml><?xml version="1.0" encoding="utf-8"?>
+<file path=ppt/slides/slide4.xml><?xml version="1.0" encoding="utf-8"?>
 <p:sld xmlns:a="http://schemas.openxmlformats.org/drawingml/2006/main" xmlns:r="http://schemas.openxmlformats.org/officeDocument/2006/relationships" xmlns:p="http://schemas.openxmlformats.org/presentationml/2006/main">
   <p:cSld>
     <p:spTree>
@@ -14110,7 +13827,7 @@
 </p:sld>
 </file>
 
-<file path=ppt/slides/slide6.xml><?xml version="1.0" encoding="utf-8"?>
+<file path=ppt/slides/slide5.xml><?xml version="1.0" encoding="utf-8"?>
 <p:sld xmlns:a="http://schemas.openxmlformats.org/drawingml/2006/main" xmlns:r="http://schemas.openxmlformats.org/officeDocument/2006/relationships" xmlns:p="http://schemas.openxmlformats.org/presentationml/2006/main">
   <p:cSld>
     <p:spTree>
@@ -14217,7 +13934,7 @@
 </p:sld>
 </file>
 
-<file path=ppt/slides/slide7.xml><?xml version="1.0" encoding="utf-8"?>
+<file path=ppt/slides/slide6.xml><?xml version="1.0" encoding="utf-8"?>
 <p:sld xmlns:a="http://schemas.openxmlformats.org/drawingml/2006/main" xmlns:r="http://schemas.openxmlformats.org/officeDocument/2006/relationships" xmlns:p="http://schemas.openxmlformats.org/presentationml/2006/main">
   <p:cSld>
     <p:spTree>
@@ -14530,7 +14247,7 @@
 </p:sld>
 </file>
 
-<file path=ppt/slides/slide8.xml><?xml version="1.0" encoding="utf-8"?>
+<file path=ppt/slides/slide7.xml><?xml version="1.0" encoding="utf-8"?>
 <p:sld xmlns:a="http://schemas.openxmlformats.org/drawingml/2006/main" xmlns:r="http://schemas.openxmlformats.org/officeDocument/2006/relationships" xmlns:p="http://schemas.openxmlformats.org/presentationml/2006/main">
   <p:cSld>
     <p:spTree>
@@ -14565,8 +14282,8 @@
         </p:nvSpPr>
         <p:spPr>
           <a:xfrm>
-            <a:off x="2068928" y="457200"/>
-            <a:ext cx="8791575" cy="1230062"/>
+            <a:off x="1686563" y="322522"/>
+            <a:ext cx="8651093" cy="1348871"/>
           </a:xfrm>
         </p:spPr>
         <p:txBody>
@@ -14639,7 +14356,7 @@
 </p:sld>
 </file>
 
-<file path=ppt/slides/slide9.xml><?xml version="1.0" encoding="utf-8"?>
+<file path=ppt/slides/slide8.xml><?xml version="1.0" encoding="utf-8"?>
 <p:sld xmlns:a="http://schemas.openxmlformats.org/drawingml/2006/main" xmlns:r="http://schemas.openxmlformats.org/officeDocument/2006/relationships" xmlns:p="http://schemas.openxmlformats.org/presentationml/2006/main">
   <p:cSld>
     <p:spTree>
